--- a/2-R基础.pptx
+++ b/2-R基础.pptx
@@ -90,35 +90,36 @@
     <p:sldId id="327" r:id="rId84"/>
     <p:sldId id="328" r:id="rId85"/>
     <p:sldId id="329" r:id="rId86"/>
-    <p:sldId id="330" r:id="rId87"/>
-    <p:sldId id="364" r:id="rId88"/>
-    <p:sldId id="369" r:id="rId89"/>
-    <p:sldId id="331" r:id="rId90"/>
-    <p:sldId id="332" r:id="rId91"/>
-    <p:sldId id="333" r:id="rId92"/>
-    <p:sldId id="334" r:id="rId93"/>
-    <p:sldId id="365" r:id="rId94"/>
-    <p:sldId id="335" r:id="rId95"/>
-    <p:sldId id="336" r:id="rId96"/>
-    <p:sldId id="337" r:id="rId97"/>
-    <p:sldId id="366" r:id="rId98"/>
-    <p:sldId id="338" r:id="rId99"/>
-    <p:sldId id="367" r:id="rId100"/>
-    <p:sldId id="339" r:id="rId101"/>
-    <p:sldId id="340" r:id="rId102"/>
-    <p:sldId id="341" r:id="rId103"/>
-    <p:sldId id="368" r:id="rId104"/>
-    <p:sldId id="342" r:id="rId105"/>
-    <p:sldId id="343" r:id="rId106"/>
-    <p:sldId id="344" r:id="rId107"/>
-    <p:sldId id="345" r:id="rId108"/>
-    <p:sldId id="346" r:id="rId109"/>
-    <p:sldId id="372" r:id="rId110"/>
-    <p:sldId id="347" r:id="rId111"/>
-    <p:sldId id="348" r:id="rId112"/>
-    <p:sldId id="349" r:id="rId113"/>
-    <p:sldId id="350" r:id="rId114"/>
-    <p:sldId id="371" r:id="rId115"/>
+    <p:sldId id="373" r:id="rId87"/>
+    <p:sldId id="374" r:id="rId88"/>
+    <p:sldId id="364" r:id="rId89"/>
+    <p:sldId id="369" r:id="rId90"/>
+    <p:sldId id="331" r:id="rId91"/>
+    <p:sldId id="332" r:id="rId92"/>
+    <p:sldId id="333" r:id="rId93"/>
+    <p:sldId id="334" r:id="rId94"/>
+    <p:sldId id="365" r:id="rId95"/>
+    <p:sldId id="335" r:id="rId96"/>
+    <p:sldId id="336" r:id="rId97"/>
+    <p:sldId id="337" r:id="rId98"/>
+    <p:sldId id="366" r:id="rId99"/>
+    <p:sldId id="338" r:id="rId100"/>
+    <p:sldId id="367" r:id="rId101"/>
+    <p:sldId id="339" r:id="rId102"/>
+    <p:sldId id="340" r:id="rId103"/>
+    <p:sldId id="341" r:id="rId104"/>
+    <p:sldId id="368" r:id="rId105"/>
+    <p:sldId id="342" r:id="rId106"/>
+    <p:sldId id="343" r:id="rId107"/>
+    <p:sldId id="344" r:id="rId108"/>
+    <p:sldId id="345" r:id="rId109"/>
+    <p:sldId id="346" r:id="rId110"/>
+    <p:sldId id="372" r:id="rId111"/>
+    <p:sldId id="347" r:id="rId112"/>
+    <p:sldId id="348" r:id="rId113"/>
+    <p:sldId id="349" r:id="rId114"/>
+    <p:sldId id="350" r:id="rId115"/>
+    <p:sldId id="371" r:id="rId116"/>
   </p:sldIdLst>
   <p:sldSz cx="9144000" cy="6858000" type="screen4x3"/>
   <p:notesSz cx="6858000" cy="9144000"/>
@@ -418,7 +419,7 @@
             <a:fld id="{530820CF-B880-4189-942D-D702A7CBA730}" type="datetimeFigureOut">
               <a:rPr lang="zh-CN" altLang="en-US" smtClean="0"/>
               <a:pPr/>
-              <a:t>2018-9-19</a:t>
+              <a:t>2018-9-26</a:t>
             </a:fld>
             <a:endParaRPr lang="zh-CN" altLang="en-US"/>
           </a:p>
@@ -585,7 +586,7 @@
             <a:fld id="{530820CF-B880-4189-942D-D702A7CBA730}" type="datetimeFigureOut">
               <a:rPr lang="zh-CN" altLang="en-US" smtClean="0"/>
               <a:pPr/>
-              <a:t>2018-9-19</a:t>
+              <a:t>2018-9-26</a:t>
             </a:fld>
             <a:endParaRPr lang="zh-CN" altLang="en-US"/>
           </a:p>
@@ -762,7 +763,7 @@
             <a:fld id="{530820CF-B880-4189-942D-D702A7CBA730}" type="datetimeFigureOut">
               <a:rPr lang="zh-CN" altLang="en-US" smtClean="0"/>
               <a:pPr/>
-              <a:t>2018-9-19</a:t>
+              <a:t>2018-9-26</a:t>
             </a:fld>
             <a:endParaRPr lang="zh-CN" altLang="en-US"/>
           </a:p>
@@ -929,7 +930,7 @@
             <a:fld id="{530820CF-B880-4189-942D-D702A7CBA730}" type="datetimeFigureOut">
               <a:rPr lang="zh-CN" altLang="en-US" smtClean="0"/>
               <a:pPr/>
-              <a:t>2018-9-19</a:t>
+              <a:t>2018-9-26</a:t>
             </a:fld>
             <a:endParaRPr lang="zh-CN" altLang="en-US"/>
           </a:p>
@@ -1172,7 +1173,7 @@
             <a:fld id="{530820CF-B880-4189-942D-D702A7CBA730}" type="datetimeFigureOut">
               <a:rPr lang="zh-CN" altLang="en-US" smtClean="0"/>
               <a:pPr/>
-              <a:t>2018-9-19</a:t>
+              <a:t>2018-9-26</a:t>
             </a:fld>
             <a:endParaRPr lang="zh-CN" altLang="en-US"/>
           </a:p>
@@ -1457,7 +1458,7 @@
             <a:fld id="{530820CF-B880-4189-942D-D702A7CBA730}" type="datetimeFigureOut">
               <a:rPr lang="zh-CN" altLang="en-US" smtClean="0"/>
               <a:pPr/>
-              <a:t>2018-9-19</a:t>
+              <a:t>2018-9-26</a:t>
             </a:fld>
             <a:endParaRPr lang="zh-CN" altLang="en-US"/>
           </a:p>
@@ -1876,7 +1877,7 @@
             <a:fld id="{530820CF-B880-4189-942D-D702A7CBA730}" type="datetimeFigureOut">
               <a:rPr lang="zh-CN" altLang="en-US" smtClean="0"/>
               <a:pPr/>
-              <a:t>2018-9-19</a:t>
+              <a:t>2018-9-26</a:t>
             </a:fld>
             <a:endParaRPr lang="zh-CN" altLang="en-US"/>
           </a:p>
@@ -1991,7 +1992,7 @@
             <a:fld id="{530820CF-B880-4189-942D-D702A7CBA730}" type="datetimeFigureOut">
               <a:rPr lang="zh-CN" altLang="en-US" smtClean="0"/>
               <a:pPr/>
-              <a:t>2018-9-19</a:t>
+              <a:t>2018-9-26</a:t>
             </a:fld>
             <a:endParaRPr lang="zh-CN" altLang="en-US"/>
           </a:p>
@@ -2083,7 +2084,7 @@
             <a:fld id="{530820CF-B880-4189-942D-D702A7CBA730}" type="datetimeFigureOut">
               <a:rPr lang="zh-CN" altLang="en-US" smtClean="0"/>
               <a:pPr/>
-              <a:t>2018-9-19</a:t>
+              <a:t>2018-9-26</a:t>
             </a:fld>
             <a:endParaRPr lang="zh-CN" altLang="en-US"/>
           </a:p>
@@ -2357,7 +2358,7 @@
             <a:fld id="{530820CF-B880-4189-942D-D702A7CBA730}" type="datetimeFigureOut">
               <a:rPr lang="zh-CN" altLang="en-US" smtClean="0"/>
               <a:pPr/>
-              <a:t>2018-9-19</a:t>
+              <a:t>2018-9-26</a:t>
             </a:fld>
             <a:endParaRPr lang="zh-CN" altLang="en-US"/>
           </a:p>
@@ -2607,7 +2608,7 @@
             <a:fld id="{530820CF-B880-4189-942D-D702A7CBA730}" type="datetimeFigureOut">
               <a:rPr lang="zh-CN" altLang="en-US" smtClean="0"/>
               <a:pPr/>
-              <a:t>2018-9-19</a:t>
+              <a:t>2018-9-26</a:t>
             </a:fld>
             <a:endParaRPr lang="zh-CN" altLang="en-US"/>
           </a:p>
@@ -2817,7 +2818,7 @@
             <a:fld id="{530820CF-B880-4189-942D-D702A7CBA730}" type="datetimeFigureOut">
               <a:rPr lang="zh-CN" altLang="en-US" smtClean="0"/>
               <a:pPr/>
-              <a:t>2018-9-19</a:t>
+              <a:t>2018-9-26</a:t>
             </a:fld>
             <a:endParaRPr lang="zh-CN" altLang="en-US"/>
           </a:p>
@@ -3408,122 +3409,54 @@
         </p:nvSpPr>
         <p:spPr/>
         <p:txBody>
-          <a:bodyPr>
-            <a:normAutofit lnSpcReduction="10000"/>
-          </a:bodyPr>
-          <a:lstStyle/>
-          <a:p>
-            <a:r>
-              <a:rPr lang="zh-CN" altLang="zh-CN" b="1" dirty="0" smtClean="0"/>
-              <a:t>排序</a:t>
-            </a:r>
-            <a:endParaRPr lang="en-US" altLang="zh-CN" b="1" dirty="0" smtClean="0"/>
-          </a:p>
-          <a:p>
-            <a:r>
-              <a:rPr lang="zh-CN" altLang="en-US" b="1" dirty="0" smtClean="0"/>
-              <a:t>有</a:t>
-            </a:r>
-            <a:r>
-              <a:rPr lang="en-US" altLang="zh-CN" b="1" dirty="0" smtClean="0"/>
-              <a:t>sort</a:t>
-            </a:r>
-            <a:r>
-              <a:rPr lang="zh-CN" altLang="en-US" b="1" dirty="0" smtClean="0"/>
-              <a:t>和</a:t>
-            </a:r>
-            <a:r>
-              <a:rPr lang="en-US" altLang="zh-CN" b="1" dirty="0" smtClean="0"/>
-              <a:t>order</a:t>
-            </a:r>
-            <a:r>
-              <a:rPr lang="zh-CN" altLang="en-US" b="1" dirty="0" smtClean="0"/>
-              <a:t>两个函数</a:t>
-            </a:r>
-            <a:endParaRPr lang="zh-CN" altLang="zh-CN" dirty="0" smtClean="0"/>
-          </a:p>
-          <a:p>
-            <a:r>
-              <a:rPr lang="en-US" altLang="zh-CN" dirty="0" smtClean="0"/>
-              <a:t>Sort</a:t>
-            </a:r>
-            <a:r>
-              <a:rPr lang="zh-CN" altLang="zh-CN" dirty="0" smtClean="0"/>
-              <a:t>可以直接对一个向量排序。</a:t>
-            </a:r>
-          </a:p>
-          <a:p>
-            <a:r>
-              <a:rPr lang="en-US" altLang="zh-CN" dirty="0" smtClean="0"/>
-              <a:t>w &lt;- c(5, 4, 7, 2, 7, 1)</a:t>
-            </a:r>
-            <a:endParaRPr lang="zh-CN" altLang="zh-CN" dirty="0" smtClean="0"/>
-          </a:p>
-          <a:p>
-            <a:r>
-              <a:rPr lang="en-US" altLang="zh-CN" dirty="0" smtClean="0"/>
-              <a:t>sort(w, decreasing=TRUE)</a:t>
-            </a:r>
-            <a:endParaRPr lang="zh-CN" altLang="zh-CN" dirty="0" smtClean="0"/>
-          </a:p>
-          <a:p>
-            <a:r>
-              <a:rPr lang="en-US" altLang="zh-CN" dirty="0" smtClean="0"/>
-              <a:t>[1] 7 </a:t>
-            </a:r>
-            <a:r>
-              <a:rPr lang="en-US" altLang="zh-CN" dirty="0" err="1" smtClean="0"/>
-              <a:t>7</a:t>
-            </a:r>
-            <a:r>
-              <a:rPr lang="en-US" altLang="zh-CN" dirty="0" smtClean="0"/>
-              <a:t> 5 4 2 1</a:t>
-            </a:r>
-            <a:endParaRPr lang="zh-CN" altLang="zh-CN" dirty="0" smtClean="0"/>
-          </a:p>
-          <a:p>
-            <a:r>
-              <a:rPr lang="en-US" altLang="zh-CN" dirty="0" smtClean="0"/>
-              <a:t>sort</a:t>
-            </a:r>
-            <a:r>
-              <a:rPr lang="zh-CN" altLang="zh-CN" dirty="0" smtClean="0"/>
-              <a:t>直接获得排序结果，</a:t>
-            </a:r>
-            <a:r>
-              <a:rPr lang="en-US" altLang="zh-CN" dirty="0" smtClean="0"/>
-              <a:t>decreasing=TRUE</a:t>
-            </a:r>
-            <a:r>
-              <a:rPr lang="zh-CN" altLang="zh-CN" dirty="0" smtClean="0"/>
-              <a:t>或</a:t>
-            </a:r>
-            <a:r>
-              <a:rPr lang="en-US" altLang="zh-CN" dirty="0" smtClean="0"/>
-              <a:t>FALSE</a:t>
-            </a:r>
-            <a:r>
-              <a:rPr lang="zh-CN" altLang="zh-CN" dirty="0" smtClean="0"/>
-              <a:t>，设定是降序或升序排序。</a:t>
-            </a:r>
-          </a:p>
-          <a:p>
+          <a:bodyPr/>
+          <a:lstStyle/>
+          <a:p>
+            <a:r>
+              <a:rPr lang="zh-CN" altLang="en-US" dirty="0" smtClean="0"/>
+              <a:t>练习：</a:t>
+            </a:r>
+            <a:endParaRPr lang="en-US" altLang="zh-CN" dirty="0" smtClean="0"/>
+          </a:p>
+          <a:p>
+            <a:r>
+              <a:rPr lang="en-US" altLang="zh-CN" dirty="0" smtClean="0"/>
+              <a:t>iris</a:t>
+            </a:r>
+            <a:r>
+              <a:rPr lang="zh-CN" altLang="en-US" dirty="0" smtClean="0"/>
+              <a:t>数据集按照</a:t>
+            </a:r>
+            <a:r>
+              <a:rPr lang="en-US" altLang="zh-CN" dirty="0" smtClean="0"/>
+              <a:t>V5</a:t>
+            </a:r>
+            <a:r>
+              <a:rPr lang="zh-CN" altLang="en-US" dirty="0" smtClean="0"/>
+              <a:t>列的每个类别分组，统计</a:t>
+            </a:r>
+            <a:r>
+              <a:rPr lang="en-US" altLang="zh-CN" dirty="0" smtClean="0"/>
+              <a:t>V1~V4</a:t>
+            </a:r>
+            <a:r>
+              <a:rPr lang="zh-CN" altLang="en-US" dirty="0" smtClean="0"/>
+              <a:t>列上的每组的均值</a:t>
+            </a:r>
             <a:endParaRPr lang="zh-CN" altLang="en-US" dirty="0"/>
           </a:p>
         </p:txBody>
       </p:sp>
     </p:spTree>
+    <p:extLst>
+      <p:ext uri="{BB962C8B-B14F-4D97-AF65-F5344CB8AC3E}">
+        <p14:creationId xmlns:p14="http://schemas.microsoft.com/office/powerpoint/2010/main" val="1775122528"/>
+      </p:ext>
+    </p:extLst>
   </p:cSld>
   <p:clrMapOvr>
     <a:masterClrMapping/>
   </p:clrMapOvr>
-  <p:timing>
-    <p:tnLst>
-      <p:par>
-        <p:cTn id="1" dur="indefinite" restart="never" nodeType="tmRoot"/>
-      </p:par>
-    </p:tnLst>
-  </p:timing>
 </p:sld>
 </file>
 
@@ -3575,65 +3508,104 @@
         </p:nvSpPr>
         <p:spPr/>
         <p:txBody>
-          <a:bodyPr/>
-          <a:lstStyle/>
-          <a:p>
-            <a:r>
-              <a:rPr lang="en-US" altLang="zh-CN" dirty="0" smtClean="0"/>
-              <a:t>Order</a:t>
-            </a:r>
-            <a:r>
-              <a:rPr lang="zh-CN" altLang="zh-CN" dirty="0" smtClean="0"/>
-              <a:t>函数获得的排序的行的编号，适合用于对</a:t>
-            </a:r>
-            <a:r>
-              <a:rPr lang="en-US" altLang="zh-CN" dirty="0" smtClean="0"/>
-              <a:t>data frame</a:t>
-            </a:r>
-            <a:r>
-              <a:rPr lang="zh-CN" altLang="zh-CN" dirty="0" smtClean="0"/>
-              <a:t>排序。例如</a:t>
-            </a:r>
-          </a:p>
-          <a:p>
-            <a:r>
-              <a:rPr lang="en-US" altLang="zh-CN" dirty="0" smtClean="0"/>
-              <a:t>d&lt;-</a:t>
-            </a:r>
-            <a:r>
-              <a:rPr lang="en-US" altLang="zh-CN" dirty="0" err="1" smtClean="0"/>
-              <a:t>data.frame</a:t>
-            </a:r>
-            <a:r>
-              <a:rPr lang="en-US" altLang="zh-CN" dirty="0" smtClean="0"/>
-              <a:t>(age=c(12,23,45,67,32),gender=c('</a:t>
-            </a:r>
-            <a:r>
-              <a:rPr lang="en-US" altLang="zh-CN" dirty="0" err="1" smtClean="0"/>
-              <a:t>m','f','m','f','m</a:t>
-            </a:r>
-            <a:r>
-              <a:rPr lang="en-US" altLang="zh-CN" dirty="0" smtClean="0"/>
-              <a:t>'), weight=c(34,45,34,54,100))</a:t>
-            </a:r>
-          </a:p>
-          <a:p>
-            <a:r>
-              <a:rPr lang="en-US" altLang="zh-CN" dirty="0" smtClean="0"/>
-              <a:t>d[order(</a:t>
-            </a:r>
-            <a:r>
-              <a:rPr lang="en-US" altLang="zh-CN" dirty="0" err="1" smtClean="0"/>
-              <a:t>d$age</a:t>
-            </a:r>
-            <a:r>
-              <a:rPr lang="en-US" altLang="zh-CN" dirty="0" smtClean="0"/>
-              <a:t>),]</a:t>
+          <a:bodyPr>
+            <a:normAutofit lnSpcReduction="10000"/>
+          </a:bodyPr>
+          <a:lstStyle/>
+          <a:p>
+            <a:r>
+              <a:rPr lang="zh-CN" altLang="zh-CN" b="1" dirty="0" smtClean="0"/>
+              <a:t>排序</a:t>
+            </a:r>
+            <a:endParaRPr lang="en-US" altLang="zh-CN" b="1" dirty="0" smtClean="0"/>
+          </a:p>
+          <a:p>
+            <a:r>
+              <a:rPr lang="zh-CN" altLang="en-US" b="1" dirty="0" smtClean="0"/>
+              <a:t>有</a:t>
+            </a:r>
+            <a:r>
+              <a:rPr lang="en-US" altLang="zh-CN" b="1" dirty="0" smtClean="0"/>
+              <a:t>sort</a:t>
+            </a:r>
+            <a:r>
+              <a:rPr lang="zh-CN" altLang="en-US" b="1" dirty="0" smtClean="0"/>
+              <a:t>和</a:t>
+            </a:r>
+            <a:r>
+              <a:rPr lang="en-US" altLang="zh-CN" b="1" dirty="0" smtClean="0"/>
+              <a:t>order</a:t>
+            </a:r>
+            <a:r>
+              <a:rPr lang="zh-CN" altLang="en-US" b="1" dirty="0" smtClean="0"/>
+              <a:t>两个函数</a:t>
             </a:r>
             <a:endParaRPr lang="zh-CN" altLang="zh-CN" dirty="0" smtClean="0"/>
           </a:p>
           <a:p>
+            <a:r>
+              <a:rPr lang="en-US" altLang="zh-CN" dirty="0" smtClean="0"/>
+              <a:t>Sort</a:t>
+            </a:r>
+            <a:r>
+              <a:rPr lang="zh-CN" altLang="zh-CN" dirty="0" smtClean="0"/>
+              <a:t>可以直接对一个向量排序。</a:t>
+            </a:r>
+          </a:p>
+          <a:p>
+            <a:r>
+              <a:rPr lang="en-US" altLang="zh-CN" dirty="0" smtClean="0"/>
+              <a:t>w &lt;- c(5, 4, 7, 2, 7, 1)</a:t>
+            </a:r>
             <a:endParaRPr lang="zh-CN" altLang="zh-CN" dirty="0" smtClean="0"/>
+          </a:p>
+          <a:p>
+            <a:r>
+              <a:rPr lang="en-US" altLang="zh-CN" dirty="0" smtClean="0"/>
+              <a:t>sort(w, decreasing=TRUE)</a:t>
+            </a:r>
+            <a:endParaRPr lang="zh-CN" altLang="zh-CN" dirty="0" smtClean="0"/>
+          </a:p>
+          <a:p>
+            <a:r>
+              <a:rPr lang="en-US" altLang="zh-CN" dirty="0" smtClean="0"/>
+              <a:t>[1] 7 </a:t>
+            </a:r>
+            <a:r>
+              <a:rPr lang="en-US" altLang="zh-CN" dirty="0" err="1" smtClean="0"/>
+              <a:t>7</a:t>
+            </a:r>
+            <a:r>
+              <a:rPr lang="en-US" altLang="zh-CN" dirty="0" smtClean="0"/>
+              <a:t> 5 4 2 1</a:t>
+            </a:r>
+            <a:endParaRPr lang="zh-CN" altLang="zh-CN" dirty="0" smtClean="0"/>
+          </a:p>
+          <a:p>
+            <a:r>
+              <a:rPr lang="en-US" altLang="zh-CN" dirty="0" smtClean="0"/>
+              <a:t>sort</a:t>
+            </a:r>
+            <a:r>
+              <a:rPr lang="zh-CN" altLang="zh-CN" dirty="0" smtClean="0"/>
+              <a:t>直接获得排序结果，</a:t>
+            </a:r>
+            <a:r>
+              <a:rPr lang="en-US" altLang="zh-CN" dirty="0" smtClean="0"/>
+              <a:t>decreasing=TRUE</a:t>
+            </a:r>
+            <a:r>
+              <a:rPr lang="zh-CN" altLang="zh-CN" dirty="0" smtClean="0"/>
+              <a:t>或</a:t>
+            </a:r>
+            <a:r>
+              <a:rPr lang="en-US" altLang="zh-CN" dirty="0" smtClean="0"/>
+              <a:t>FALSE</a:t>
+            </a:r>
+            <a:r>
+              <a:rPr lang="zh-CN" altLang="zh-CN" dirty="0" smtClean="0"/>
+              <a:t>，设定是降序或升序排序。</a:t>
+            </a:r>
           </a:p>
           <a:p>
             <a:endParaRPr lang="zh-CN" altLang="en-US" dirty="0"/>
@@ -3707,56 +3679,60 @@
           <a:lstStyle/>
           <a:p>
             <a:r>
-              <a:rPr lang="zh-CN" altLang="en-US" dirty="0" smtClean="0"/>
-              <a:t>前面</a:t>
-            </a:r>
-            <a:r>
-              <a:rPr lang="zh-CN" altLang="zh-CN" dirty="0" smtClean="0"/>
-              <a:t>的</a:t>
-            </a:r>
-            <a:r>
-              <a:rPr lang="en-US" altLang="zh-CN" dirty="0" smtClean="0"/>
-              <a:t>order</a:t>
-            </a:r>
-            <a:r>
-              <a:rPr lang="zh-CN" altLang="zh-CN" dirty="0" smtClean="0"/>
-              <a:t>函数按照</a:t>
-            </a:r>
-            <a:r>
-              <a:rPr lang="en-US" altLang="zh-CN" dirty="0" smtClean="0"/>
-              <a:t>age</a:t>
-            </a:r>
-            <a:r>
-              <a:rPr lang="zh-CN" altLang="zh-CN" dirty="0" smtClean="0"/>
-              <a:t>字段排序，默认是升序排序。如果想降序排序，在</a:t>
-            </a:r>
-            <a:r>
-              <a:rPr lang="en-US" altLang="zh-CN" dirty="0" smtClean="0"/>
-              <a:t>order</a:t>
-            </a:r>
-            <a:r>
-              <a:rPr lang="zh-CN" altLang="zh-CN" dirty="0" smtClean="0"/>
-              <a:t>函数中设置参数</a:t>
-            </a:r>
-            <a:r>
-              <a:rPr lang="en-US" altLang="zh-CN" dirty="0" smtClean="0"/>
-              <a:t>decreasing=TRUE.</a:t>
+              <a:rPr lang="en-US" altLang="zh-CN" dirty="0" smtClean="0"/>
+              <a:t>Order</a:t>
+            </a:r>
+            <a:r>
+              <a:rPr lang="zh-CN" altLang="zh-CN" dirty="0" smtClean="0"/>
+              <a:t>函数获得的排序的行的编号，适合用于对</a:t>
+            </a:r>
+            <a:r>
+              <a:rPr lang="en-US" altLang="zh-CN" dirty="0" smtClean="0"/>
+              <a:t>data frame</a:t>
+            </a:r>
+            <a:r>
+              <a:rPr lang="zh-CN" altLang="zh-CN" dirty="0" smtClean="0"/>
+              <a:t>排序。例如</a:t>
+            </a:r>
+          </a:p>
+          <a:p>
+            <a:r>
+              <a:rPr lang="en-US" altLang="zh-CN" dirty="0" smtClean="0"/>
+              <a:t>d&lt;-</a:t>
+            </a:r>
+            <a:r>
+              <a:rPr lang="en-US" altLang="zh-CN" dirty="0" err="1" smtClean="0"/>
+              <a:t>data.frame</a:t>
+            </a:r>
+            <a:r>
+              <a:rPr lang="en-US" altLang="zh-CN" dirty="0" smtClean="0"/>
+              <a:t>(age=c(12,23,45,67,32),gender=c('</a:t>
+            </a:r>
+            <a:r>
+              <a:rPr lang="en-US" altLang="zh-CN" dirty="0" err="1" smtClean="0"/>
+              <a:t>m','f','m','f','m</a:t>
+            </a:r>
+            <a:r>
+              <a:rPr lang="en-US" altLang="zh-CN" dirty="0" smtClean="0"/>
+              <a:t>'), weight=c(34,45,34,54,100))</a:t>
+            </a:r>
+          </a:p>
+          <a:p>
+            <a:r>
+              <a:rPr lang="en-US" altLang="zh-CN" dirty="0" smtClean="0"/>
+              <a:t>d[order(</a:t>
+            </a:r>
+            <a:r>
+              <a:rPr lang="en-US" altLang="zh-CN" dirty="0" err="1" smtClean="0"/>
+              <a:t>d$age</a:t>
+            </a:r>
+            <a:r>
+              <a:rPr lang="en-US" altLang="zh-CN" dirty="0" smtClean="0"/>
+              <a:t>),]</a:t>
             </a:r>
             <a:endParaRPr lang="zh-CN" altLang="zh-CN" dirty="0" smtClean="0"/>
           </a:p>
           <a:p>
-            <a:r>
-              <a:rPr lang="en-US" altLang="zh-CN" dirty="0" smtClean="0"/>
-              <a:t>d[order(</a:t>
-            </a:r>
-            <a:r>
-              <a:rPr lang="en-US" altLang="zh-CN" dirty="0" err="1" smtClean="0"/>
-              <a:t>d$age,decreasing</a:t>
-            </a:r>
-            <a:r>
-              <a:rPr lang="en-US" altLang="zh-CN" dirty="0" smtClean="0"/>
-              <a:t> = T),]</a:t>
-            </a:r>
             <a:endParaRPr lang="zh-CN" altLang="zh-CN" dirty="0" smtClean="0"/>
           </a:p>
           <a:p>
@@ -3780,6 +3756,130 @@
 </file>
 
 <file path=ppt/slides/slide103.xml><?xml version="1.0" encoding="utf-8"?>
+<p:sld xmlns:a="http://schemas.openxmlformats.org/drawingml/2006/main" xmlns:r="http://schemas.openxmlformats.org/officeDocument/2006/relationships" xmlns:p="http://schemas.openxmlformats.org/presentationml/2006/main">
+  <p:cSld>
+    <p:spTree>
+      <p:nvGrpSpPr>
+        <p:cNvPr id="1" name=""/>
+        <p:cNvGrpSpPr/>
+        <p:nvPr/>
+      </p:nvGrpSpPr>
+      <p:grpSpPr>
+        <a:xfrm>
+          <a:off x="0" y="0"/>
+          <a:ext cx="0" cy="0"/>
+          <a:chOff x="0" y="0"/>
+          <a:chExt cx="0" cy="0"/>
+        </a:xfrm>
+      </p:grpSpPr>
+      <p:sp>
+        <p:nvSpPr>
+          <p:cNvPr id="2" name="标题 1"/>
+          <p:cNvSpPr>
+            <a:spLocks noGrp="1"/>
+          </p:cNvSpPr>
+          <p:nvPr>
+            <p:ph type="title"/>
+          </p:nvPr>
+        </p:nvSpPr>
+        <p:spPr/>
+        <p:txBody>
+          <a:bodyPr/>
+          <a:lstStyle/>
+          <a:p>
+            <a:endParaRPr lang="zh-CN" altLang="en-US"/>
+          </a:p>
+        </p:txBody>
+      </p:sp>
+      <p:sp>
+        <p:nvSpPr>
+          <p:cNvPr id="3" name="内容占位符 2"/>
+          <p:cNvSpPr>
+            <a:spLocks noGrp="1"/>
+          </p:cNvSpPr>
+          <p:nvPr>
+            <p:ph idx="1"/>
+          </p:nvPr>
+        </p:nvSpPr>
+        <p:spPr/>
+        <p:txBody>
+          <a:bodyPr/>
+          <a:lstStyle/>
+          <a:p>
+            <a:r>
+              <a:rPr lang="zh-CN" altLang="en-US" dirty="0" smtClean="0"/>
+              <a:t>前面</a:t>
+            </a:r>
+            <a:r>
+              <a:rPr lang="zh-CN" altLang="zh-CN" dirty="0" smtClean="0"/>
+              <a:t>的</a:t>
+            </a:r>
+            <a:r>
+              <a:rPr lang="en-US" altLang="zh-CN" dirty="0" smtClean="0"/>
+              <a:t>order</a:t>
+            </a:r>
+            <a:r>
+              <a:rPr lang="zh-CN" altLang="zh-CN" dirty="0" smtClean="0"/>
+              <a:t>函数按照</a:t>
+            </a:r>
+            <a:r>
+              <a:rPr lang="en-US" altLang="zh-CN" dirty="0" smtClean="0"/>
+              <a:t>age</a:t>
+            </a:r>
+            <a:r>
+              <a:rPr lang="zh-CN" altLang="zh-CN" dirty="0" smtClean="0"/>
+              <a:t>字段排序，默认是升序排序。如果想降序排序，在</a:t>
+            </a:r>
+            <a:r>
+              <a:rPr lang="en-US" altLang="zh-CN" dirty="0" smtClean="0"/>
+              <a:t>order</a:t>
+            </a:r>
+            <a:r>
+              <a:rPr lang="zh-CN" altLang="zh-CN" dirty="0" smtClean="0"/>
+              <a:t>函数中设置参数</a:t>
+            </a:r>
+            <a:r>
+              <a:rPr lang="en-US" altLang="zh-CN" dirty="0" smtClean="0"/>
+              <a:t>decreasing=TRUE.</a:t>
+            </a:r>
+            <a:endParaRPr lang="zh-CN" altLang="zh-CN" dirty="0" smtClean="0"/>
+          </a:p>
+          <a:p>
+            <a:r>
+              <a:rPr lang="en-US" altLang="zh-CN" dirty="0" smtClean="0"/>
+              <a:t>d[order(</a:t>
+            </a:r>
+            <a:r>
+              <a:rPr lang="en-US" altLang="zh-CN" dirty="0" err="1" smtClean="0"/>
+              <a:t>d$age,decreasing</a:t>
+            </a:r>
+            <a:r>
+              <a:rPr lang="en-US" altLang="zh-CN" dirty="0" smtClean="0"/>
+              <a:t> = T),]</a:t>
+            </a:r>
+            <a:endParaRPr lang="zh-CN" altLang="zh-CN" dirty="0" smtClean="0"/>
+          </a:p>
+          <a:p>
+            <a:endParaRPr lang="zh-CN" altLang="en-US" dirty="0"/>
+          </a:p>
+        </p:txBody>
+      </p:sp>
+    </p:spTree>
+  </p:cSld>
+  <p:clrMapOvr>
+    <a:masterClrMapping/>
+  </p:clrMapOvr>
+  <p:timing>
+    <p:tnLst>
+      <p:par>
+        <p:cTn id="1" dur="indefinite" restart="never" nodeType="tmRoot"/>
+      </p:par>
+    </p:tnLst>
+  </p:timing>
+</p:sld>
+</file>
+
+<file path=ppt/slides/slide104.xml><?xml version="1.0" encoding="utf-8"?>
 <p:sld xmlns:a="http://schemas.openxmlformats.org/drawingml/2006/main" xmlns:r="http://schemas.openxmlformats.org/officeDocument/2006/relationships" xmlns:p="http://schemas.openxmlformats.org/presentationml/2006/main">
   <p:cSld>
     <p:spTree>
@@ -3913,153 +4013,6 @@
 </p:sld>
 </file>
 
-<file path=ppt/slides/slide104.xml><?xml version="1.0" encoding="utf-8"?>
-<p:sld xmlns:a="http://schemas.openxmlformats.org/drawingml/2006/main" xmlns:r="http://schemas.openxmlformats.org/officeDocument/2006/relationships" xmlns:p="http://schemas.openxmlformats.org/presentationml/2006/main">
-  <p:cSld>
-    <p:spTree>
-      <p:nvGrpSpPr>
-        <p:cNvPr id="1" name=""/>
-        <p:cNvGrpSpPr/>
-        <p:nvPr/>
-      </p:nvGrpSpPr>
-      <p:grpSpPr>
-        <a:xfrm>
-          <a:off x="0" y="0"/>
-          <a:ext cx="0" cy="0"/>
-          <a:chOff x="0" y="0"/>
-          <a:chExt cx="0" cy="0"/>
-        </a:xfrm>
-      </p:grpSpPr>
-      <p:sp>
-        <p:nvSpPr>
-          <p:cNvPr id="2" name="标题 1"/>
-          <p:cNvSpPr>
-            <a:spLocks noGrp="1"/>
-          </p:cNvSpPr>
-          <p:nvPr>
-            <p:ph type="title"/>
-          </p:nvPr>
-        </p:nvSpPr>
-        <p:spPr/>
-        <p:txBody>
-          <a:bodyPr/>
-          <a:lstStyle/>
-          <a:p>
-            <a:endParaRPr lang="zh-CN" altLang="en-US"/>
-          </a:p>
-        </p:txBody>
-      </p:sp>
-      <p:sp>
-        <p:nvSpPr>
-          <p:cNvPr id="3" name="内容占位符 2"/>
-          <p:cNvSpPr>
-            <a:spLocks noGrp="1"/>
-          </p:cNvSpPr>
-          <p:nvPr>
-            <p:ph idx="1"/>
-          </p:nvPr>
-        </p:nvSpPr>
-        <p:spPr/>
-        <p:txBody>
-          <a:bodyPr/>
-          <a:lstStyle/>
-          <a:p>
-            <a:r>
-              <a:rPr lang="zh-CN" altLang="zh-CN" b="1" dirty="0" smtClean="0"/>
-              <a:t>查找</a:t>
-            </a:r>
-            <a:endParaRPr lang="zh-CN" altLang="zh-CN" dirty="0" smtClean="0"/>
-          </a:p>
-          <a:p>
-            <a:r>
-              <a:rPr lang="en-US" altLang="zh-CN" dirty="0" smtClean="0"/>
-              <a:t>match(x, table)</a:t>
-            </a:r>
-            <a:r>
-              <a:rPr lang="zh-CN" altLang="zh-CN" dirty="0" smtClean="0"/>
-              <a:t>函数在一个向量</a:t>
-            </a:r>
-            <a:r>
-              <a:rPr lang="zh-CN" altLang="en-US" dirty="0" smtClean="0"/>
-              <a:t>、</a:t>
-            </a:r>
-            <a:r>
-              <a:rPr lang="en-US" altLang="zh-CN" dirty="0" smtClean="0"/>
-              <a:t>table</a:t>
-            </a:r>
-            <a:r>
-              <a:rPr lang="zh-CN" altLang="zh-CN" dirty="0" smtClean="0"/>
-              <a:t>中查找，</a:t>
-            </a:r>
-            <a:r>
-              <a:rPr lang="en-US" altLang="zh-CN" dirty="0" smtClean="0"/>
-              <a:t>x</a:t>
-            </a:r>
-            <a:r>
-              <a:rPr lang="zh-CN" altLang="zh-CN" dirty="0" smtClean="0"/>
-              <a:t>中的值的位置。它返回一个向量。</a:t>
-            </a:r>
-          </a:p>
-          <a:p>
-            <a:r>
-              <a:rPr lang="en-US" altLang="zh-CN" dirty="0" smtClean="0"/>
-              <a:t>&gt; a&lt;-c(3,5,7,8)</a:t>
-            </a:r>
-          </a:p>
-          <a:p>
-            <a:r>
-              <a:rPr lang="en-US" altLang="zh-CN" dirty="0" smtClean="0"/>
-              <a:t>&gt; match(c(5,8),a)</a:t>
-            </a:r>
-          </a:p>
-          <a:p>
-            <a:r>
-              <a:rPr lang="zh-CN" altLang="en-US" dirty="0" smtClean="0"/>
-              <a:t>在向量</a:t>
-            </a:r>
-            <a:r>
-              <a:rPr lang="en-US" altLang="zh-CN" dirty="0" smtClean="0"/>
-              <a:t>a</a:t>
-            </a:r>
-            <a:r>
-              <a:rPr lang="zh-CN" altLang="en-US" dirty="0" smtClean="0"/>
-              <a:t>中找值</a:t>
-            </a:r>
-            <a:r>
-              <a:rPr lang="en-US" altLang="zh-CN" dirty="0" smtClean="0"/>
-              <a:t>5</a:t>
-            </a:r>
-            <a:r>
-              <a:rPr lang="zh-CN" altLang="en-US" dirty="0" smtClean="0"/>
-              <a:t>和</a:t>
-            </a:r>
-            <a:r>
-              <a:rPr lang="en-US" altLang="zh-CN" dirty="0" smtClean="0"/>
-              <a:t>8</a:t>
-            </a:r>
-            <a:r>
-              <a:rPr lang="zh-CN" altLang="en-US" dirty="0" smtClean="0"/>
-              <a:t>的下标</a:t>
-            </a:r>
-            <a:endParaRPr lang="en-US" altLang="zh-CN" dirty="0" smtClean="0"/>
-          </a:p>
-        </p:txBody>
-      </p:sp>
-    </p:spTree>
-  </p:cSld>
-  <p:clrMapOvr>
-    <a:masterClrMapping/>
-  </p:clrMapOvr>
-  <p:timing>
-    <p:tnLst>
-      <p:par>
-        <p:cTn id="1" dur="indefinite" restart="never" nodeType="tmRoot"/>
-      </p:par>
-    </p:tnLst>
-  </p:timing>
-</p:sld>
-</file>
-
 <file path=ppt/slides/slide105.xml><?xml version="1.0" encoding="utf-8"?>
 <p:sld xmlns:a="http://schemas.openxmlformats.org/drawingml/2006/main" xmlns:r="http://schemas.openxmlformats.org/officeDocument/2006/relationships" xmlns:p="http://schemas.openxmlformats.org/presentationml/2006/main">
   <p:cSld>
@@ -4112,74 +4065,83 @@
           <a:lstStyle/>
           <a:p>
             <a:r>
-              <a:rPr lang="zh-CN" altLang="zh-CN" dirty="0" smtClean="0"/>
-              <a:t>但</a:t>
-            </a:r>
-            <a:r>
-              <a:rPr lang="en-US" altLang="zh-CN" dirty="0" smtClean="0"/>
-              <a:t>match</a:t>
-            </a:r>
-            <a:r>
-              <a:rPr lang="zh-CN" altLang="zh-CN" dirty="0" smtClean="0"/>
-              <a:t>只返回第一次匹配的下标。</a:t>
-            </a:r>
-            <a:endParaRPr lang="zh-CN" altLang="en-US" dirty="0" smtClean="0"/>
-          </a:p>
-          <a:p>
-            <a:r>
-              <a:rPr lang="en-US" altLang="zh-CN" dirty="0" smtClean="0"/>
-              <a:t>x &lt;- sample(1:10,20,replace = T) </a:t>
-            </a:r>
-          </a:p>
-          <a:p>
-            <a:r>
-              <a:rPr lang="en-US" altLang="zh-CN" dirty="0" smtClean="0"/>
-              <a:t>&gt; x [1] 4 3 </a:t>
-            </a:r>
-            <a:r>
-              <a:rPr lang="en-US" altLang="zh-CN" dirty="0" err="1" smtClean="0"/>
-              <a:t>3</a:t>
-            </a:r>
-            <a:r>
-              <a:rPr lang="en-US" altLang="zh-CN" dirty="0" smtClean="0"/>
-              <a:t> 10 6 4 8 10 3 1 </a:t>
-            </a:r>
-            <a:r>
-              <a:rPr lang="en-US" altLang="zh-CN" dirty="0" err="1" smtClean="0"/>
-              <a:t>1</a:t>
-            </a:r>
-            <a:r>
-              <a:rPr lang="en-US" altLang="zh-CN" dirty="0" smtClean="0"/>
-              <a:t> 8 10 1 7 6 2 5 1 </a:t>
-            </a:r>
-            <a:r>
-              <a:rPr lang="en-US" altLang="zh-CN" dirty="0" err="1" smtClean="0"/>
-              <a:t>1</a:t>
-            </a:r>
-            <a:r>
-              <a:rPr lang="en-US" altLang="zh-CN" dirty="0" smtClean="0"/>
-              <a:t> </a:t>
-            </a:r>
-            <a:br>
-              <a:rPr lang="en-US" altLang="zh-CN" dirty="0" smtClean="0"/>
-            </a:br>
-            <a:r>
-              <a:rPr lang="en-US" altLang="zh-CN" dirty="0" smtClean="0"/>
-              <a:t> </a:t>
-            </a:r>
-          </a:p>
-          <a:p>
-            <a:r>
-              <a:rPr lang="en-US" altLang="zh-CN" dirty="0" smtClean="0"/>
-              <a:t>match(c(4,8),x)</a:t>
-            </a:r>
-          </a:p>
-          <a:p>
-            <a:r>
-              <a:rPr lang="en-US" altLang="zh-CN" dirty="0" smtClean="0"/>
-              <a:t># [1] 1 5</a:t>
-            </a:r>
-            <a:endParaRPr lang="zh-CN" altLang="en-US" dirty="0"/>
+              <a:rPr lang="zh-CN" altLang="zh-CN" b="1" dirty="0" smtClean="0"/>
+              <a:t>查找</a:t>
+            </a:r>
+            <a:endParaRPr lang="zh-CN" altLang="zh-CN" dirty="0" smtClean="0"/>
+          </a:p>
+          <a:p>
+            <a:r>
+              <a:rPr lang="en-US" altLang="zh-CN" dirty="0" smtClean="0"/>
+              <a:t>match(x, table)</a:t>
+            </a:r>
+            <a:r>
+              <a:rPr lang="zh-CN" altLang="zh-CN" dirty="0" smtClean="0"/>
+              <a:t>函数在一个向量</a:t>
+            </a:r>
+            <a:r>
+              <a:rPr lang="zh-CN" altLang="en-US" dirty="0" smtClean="0"/>
+              <a:t>、</a:t>
+            </a:r>
+            <a:r>
+              <a:rPr lang="en-US" altLang="zh-CN" dirty="0" smtClean="0"/>
+              <a:t>table</a:t>
+            </a:r>
+            <a:r>
+              <a:rPr lang="zh-CN" altLang="zh-CN" dirty="0" smtClean="0"/>
+              <a:t>中查找，</a:t>
+            </a:r>
+            <a:r>
+              <a:rPr lang="en-US" altLang="zh-CN" dirty="0" smtClean="0"/>
+              <a:t>x</a:t>
+            </a:r>
+            <a:r>
+              <a:rPr lang="zh-CN" altLang="zh-CN" dirty="0" smtClean="0"/>
+              <a:t>中的值的位置。它返回一个向量。</a:t>
+            </a:r>
+          </a:p>
+          <a:p>
+            <a:r>
+              <a:rPr lang="en-US" altLang="zh-CN" dirty="0" smtClean="0"/>
+              <a:t>&gt; a&lt;-c(3,5,7,8)</a:t>
+            </a:r>
+          </a:p>
+          <a:p>
+            <a:r>
+              <a:rPr lang="en-US" altLang="zh-CN" dirty="0" smtClean="0"/>
+              <a:t>&gt; match(c(5,8),a)</a:t>
+            </a:r>
+          </a:p>
+          <a:p>
+            <a:r>
+              <a:rPr lang="zh-CN" altLang="en-US" dirty="0" smtClean="0"/>
+              <a:t>在向量</a:t>
+            </a:r>
+            <a:r>
+              <a:rPr lang="en-US" altLang="zh-CN" dirty="0" smtClean="0"/>
+              <a:t>a</a:t>
+            </a:r>
+            <a:r>
+              <a:rPr lang="zh-CN" altLang="en-US" dirty="0" smtClean="0"/>
+              <a:t>中找值</a:t>
+            </a:r>
+            <a:r>
+              <a:rPr lang="en-US" altLang="zh-CN" dirty="0" smtClean="0"/>
+              <a:t>5</a:t>
+            </a:r>
+            <a:r>
+              <a:rPr lang="zh-CN" altLang="en-US" dirty="0" smtClean="0"/>
+              <a:t>和</a:t>
+            </a:r>
+            <a:r>
+              <a:rPr lang="en-US" altLang="zh-CN" dirty="0" smtClean="0"/>
+              <a:t>8</a:t>
+            </a:r>
+            <a:r>
+              <a:rPr lang="zh-CN" altLang="en-US" dirty="0" smtClean="0"/>
+              <a:t>的下标</a:t>
+            </a:r>
+            <a:endParaRPr lang="en-US" altLang="zh-CN" dirty="0" smtClean="0"/>
           </a:p>
         </p:txBody>
       </p:sp>
@@ -4250,52 +4212,73 @@
           <a:lstStyle/>
           <a:p>
             <a:r>
-              <a:rPr lang="en-US" altLang="zh-CN" dirty="0" smtClean="0"/>
-              <a:t>%in% </a:t>
-            </a:r>
-            <a:r>
-              <a:rPr lang="zh-CN" altLang="zh-CN" dirty="0" smtClean="0"/>
-              <a:t>是一个运算符，返回一个逻辑向量指示是否右边的算子和左边算子的向量匹配。</a:t>
-            </a:r>
-          </a:p>
-          <a:p>
-            <a:r>
-              <a:rPr lang="en-US" altLang="zh-CN" dirty="0" smtClean="0"/>
-              <a:t>&gt; x&lt;-1:10 %in% c(1,3,5,9)</a:t>
-            </a:r>
-          </a:p>
-          <a:p>
-            <a:r>
-              <a:rPr lang="en-US" altLang="zh-CN" dirty="0" smtClean="0"/>
-              <a:t> [1]  TRUE FALSE  TRUE FALSE  TRUE FALSE </a:t>
-            </a:r>
-            <a:r>
-              <a:rPr lang="en-US" altLang="zh-CN" dirty="0" err="1" smtClean="0"/>
-              <a:t>FALSE</a:t>
+              <a:rPr lang="zh-CN" altLang="zh-CN" dirty="0" smtClean="0"/>
+              <a:t>但</a:t>
+            </a:r>
+            <a:r>
+              <a:rPr lang="en-US" altLang="zh-CN" dirty="0" smtClean="0"/>
+              <a:t>match</a:t>
+            </a:r>
+            <a:r>
+              <a:rPr lang="zh-CN" altLang="zh-CN" dirty="0" smtClean="0"/>
+              <a:t>只返回第一次匹配的下标。</a:t>
+            </a:r>
+            <a:endParaRPr lang="zh-CN" altLang="en-US" dirty="0" smtClean="0"/>
+          </a:p>
+          <a:p>
+            <a:r>
+              <a:rPr lang="en-US" altLang="zh-CN" dirty="0" smtClean="0"/>
+              <a:t>x &lt;- sample(1:10,20,replace = T) </a:t>
+            </a:r>
+          </a:p>
+          <a:p>
+            <a:r>
+              <a:rPr lang="en-US" altLang="zh-CN" dirty="0" smtClean="0"/>
+              <a:t>&gt; x [1] 4 3 </a:t>
+            </a:r>
+            <a:r>
+              <a:rPr lang="en-US" altLang="zh-CN" dirty="0" err="1" smtClean="0"/>
+              <a:t>3</a:t>
+            </a:r>
+            <a:r>
+              <a:rPr lang="en-US" altLang="zh-CN" dirty="0" smtClean="0"/>
+              <a:t> 10 6 4 8 10 3 1 </a:t>
+            </a:r>
+            <a:r>
+              <a:rPr lang="en-US" altLang="zh-CN" dirty="0" err="1" smtClean="0"/>
+              <a:t>1</a:t>
+            </a:r>
+            <a:r>
+              <a:rPr lang="en-US" altLang="zh-CN" dirty="0" smtClean="0"/>
+              <a:t> 8 10 1 7 6 2 5 1 </a:t>
+            </a:r>
+            <a:r>
+              <a:rPr lang="en-US" altLang="zh-CN" dirty="0" err="1" smtClean="0"/>
+              <a:t>1</a:t>
             </a:r>
             <a:r>
               <a:rPr lang="en-US" altLang="zh-CN" dirty="0" smtClean="0"/>
               <a:t> </a:t>
             </a:r>
-            <a:r>
-              <a:rPr lang="en-US" altLang="zh-CN" dirty="0" err="1" smtClean="0"/>
-              <a:t>FALSE</a:t>
-            </a:r>
-            <a:r>
-              <a:rPr lang="en-US" altLang="zh-CN" dirty="0" smtClean="0"/>
-              <a:t>  TRUE FALSE</a:t>
-            </a:r>
-            <a:r>
-              <a:rPr lang="zh-CN" altLang="zh-CN" dirty="0" smtClean="0"/>
+            <a:br>
+              <a:rPr lang="en-US" altLang="zh-CN" dirty="0" smtClean="0"/>
+            </a:br>
+            <a:r>
+              <a:rPr lang="en-US" altLang="zh-CN" dirty="0" smtClean="0"/>
               <a:t> </a:t>
             </a:r>
-            <a:r>
-              <a:rPr lang="en-US" altLang="zh-CN" dirty="0" smtClean="0"/>
-              <a:t> </a:t>
-            </a:r>
-            <a:endParaRPr lang="zh-CN" altLang="zh-CN" dirty="0" smtClean="0"/>
-          </a:p>
-          <a:p>
+          </a:p>
+          <a:p>
+            <a:r>
+              <a:rPr lang="en-US" altLang="zh-CN" dirty="0" smtClean="0"/>
+              <a:t>match(c(4,8),x)</a:t>
+            </a:r>
+          </a:p>
+          <a:p>
+            <a:r>
+              <a:rPr lang="en-US" altLang="zh-CN" dirty="0" smtClean="0"/>
+              <a:t># [1] 1 5</a:t>
+            </a:r>
             <a:endParaRPr lang="zh-CN" altLang="en-US" dirty="0"/>
           </a:p>
         </p:txBody>
@@ -4368,65 +4351,51 @@
           <a:p>
             <a:r>
               <a:rPr lang="en-US" altLang="zh-CN" dirty="0" smtClean="0"/>
-              <a:t>which</a:t>
-            </a:r>
-            <a:r>
-              <a:rPr lang="zh-CN" altLang="zh-CN" dirty="0" smtClean="0"/>
-              <a:t>函数返回一个逻辑值向量中值是</a:t>
-            </a:r>
-            <a:r>
-              <a:rPr lang="en-US" altLang="zh-CN" dirty="0" smtClean="0"/>
-              <a:t>TRUE</a:t>
-            </a:r>
-            <a:r>
-              <a:rPr lang="zh-CN" altLang="zh-CN" dirty="0" smtClean="0"/>
-              <a:t>的元素的下标。</a:t>
-            </a:r>
-          </a:p>
-          <a:p>
-            <a:r>
-              <a:rPr lang="en-US" altLang="zh-CN" dirty="0" smtClean="0"/>
-              <a:t>x &lt;- sample(1:4,10,replace=TRUE)</a:t>
-            </a:r>
-          </a:p>
-          <a:p>
-            <a:r>
-              <a:rPr lang="en-US" altLang="zh-CN" dirty="0" smtClean="0"/>
-              <a:t># [1] 3 4 3 </a:t>
-            </a:r>
-            <a:r>
-              <a:rPr lang="en-US" altLang="zh-CN" dirty="0" err="1" smtClean="0"/>
-              <a:t>3</a:t>
-            </a:r>
-            <a:r>
-              <a:rPr lang="en-US" altLang="zh-CN" dirty="0" smtClean="0"/>
-              <a:t> 2 3 1 </a:t>
-            </a:r>
-            <a:r>
-              <a:rPr lang="en-US" altLang="zh-CN" dirty="0" err="1" smtClean="0"/>
-              <a:t>1</a:t>
-            </a:r>
-            <a:r>
-              <a:rPr lang="en-US" altLang="zh-CN" dirty="0" smtClean="0"/>
-              <a:t> 2 </a:t>
-            </a:r>
-            <a:r>
-              <a:rPr lang="en-US" altLang="zh-CN" dirty="0" err="1" smtClean="0"/>
-              <a:t>2</a:t>
-            </a:r>
-            <a:endParaRPr lang="en-US" altLang="zh-CN" dirty="0" smtClean="0"/>
-          </a:p>
-          <a:p>
-            <a:r>
-              <a:rPr lang="en-US" altLang="zh-CN" dirty="0" smtClean="0"/>
-              <a:t>which(x %in% c(2,4))</a:t>
-            </a:r>
-          </a:p>
-          <a:p>
-            <a:r>
-              <a:rPr lang="en-US" altLang="zh-CN" dirty="0" smtClean="0"/>
-              <a:t># [1]  2  5  9 10</a:t>
-            </a:r>
+              <a:t>%in% </a:t>
+            </a:r>
+            <a:r>
+              <a:rPr lang="zh-CN" altLang="zh-CN" dirty="0" smtClean="0"/>
+              <a:t>是一个运算符，返回一个逻辑向量指示是否右边的算子和左边算子的向量匹配。</a:t>
+            </a:r>
+          </a:p>
+          <a:p>
+            <a:r>
+              <a:rPr lang="en-US" altLang="zh-CN" dirty="0" smtClean="0"/>
+              <a:t>&gt; x&lt;-1:10 %in% c(1,3,5,9)</a:t>
+            </a:r>
+          </a:p>
+          <a:p>
+            <a:r>
+              <a:rPr lang="en-US" altLang="zh-CN" dirty="0" smtClean="0"/>
+              <a:t> [1]  TRUE FALSE  TRUE FALSE  TRUE FALSE </a:t>
+            </a:r>
+            <a:r>
+              <a:rPr lang="en-US" altLang="zh-CN" dirty="0" err="1" smtClean="0"/>
+              <a:t>FALSE</a:t>
+            </a:r>
+            <a:r>
+              <a:rPr lang="en-US" altLang="zh-CN" dirty="0" smtClean="0"/>
+              <a:t> </a:t>
+            </a:r>
+            <a:r>
+              <a:rPr lang="en-US" altLang="zh-CN" dirty="0" err="1" smtClean="0"/>
+              <a:t>FALSE</a:t>
+            </a:r>
+            <a:r>
+              <a:rPr lang="en-US" altLang="zh-CN" dirty="0" smtClean="0"/>
+              <a:t>  TRUE FALSE</a:t>
+            </a:r>
+            <a:r>
+              <a:rPr lang="zh-CN" altLang="zh-CN" dirty="0" smtClean="0"/>
+              <a:t> </a:t>
+            </a:r>
+            <a:r>
+              <a:rPr lang="en-US" altLang="zh-CN" dirty="0" smtClean="0"/>
+              <a:t> </a:t>
+            </a:r>
+            <a:endParaRPr lang="zh-CN" altLang="zh-CN" dirty="0" smtClean="0"/>
+          </a:p>
+          <a:p>
             <a:endParaRPr lang="zh-CN" altLang="en-US" dirty="0"/>
           </a:p>
         </p:txBody>
@@ -4478,11 +4447,7 @@
           <a:bodyPr/>
           <a:lstStyle/>
           <a:p>
-            <a:r>
-              <a:rPr lang="zh-CN" altLang="en-US" dirty="0" smtClean="0"/>
-              <a:t>练习</a:t>
-            </a:r>
-            <a:endParaRPr lang="zh-CN" altLang="en-US" dirty="0"/>
+            <a:endParaRPr lang="zh-CN" altLang="en-US"/>
           </a:p>
         </p:txBody>
       </p:sp>
@@ -4498,146 +4463,70 @@
         </p:nvSpPr>
         <p:spPr/>
         <p:txBody>
-          <a:bodyPr>
-            <a:normAutofit fontScale="92500"/>
-          </a:bodyPr>
-          <a:lstStyle/>
-          <a:p>
-            <a:r>
-              <a:rPr lang="en-US" altLang="zh-CN" dirty="0" smtClean="0"/>
-              <a:t>1. </a:t>
-            </a:r>
-            <a:r>
-              <a:rPr lang="zh-CN" altLang="en-US" dirty="0" smtClean="0"/>
-              <a:t>将</a:t>
-            </a:r>
-            <a:r>
-              <a:rPr lang="en-US" altLang="zh-CN" dirty="0" err="1" smtClean="0"/>
-              <a:t>iris.data</a:t>
-            </a:r>
-            <a:r>
-              <a:rPr lang="zh-CN" altLang="en-US" dirty="0" smtClean="0"/>
-              <a:t>文件中（见练习</a:t>
-            </a:r>
-            <a:r>
-              <a:rPr lang="en-US" altLang="zh-CN" dirty="0" smtClean="0"/>
+          <a:bodyPr/>
+          <a:lstStyle/>
+          <a:p>
+            <a:r>
+              <a:rPr lang="en-US" altLang="zh-CN" dirty="0" smtClean="0"/>
+              <a:t>which</a:t>
+            </a:r>
+            <a:r>
+              <a:rPr lang="zh-CN" altLang="zh-CN" dirty="0" smtClean="0"/>
+              <a:t>函数返回一个逻辑值向量中值是</a:t>
+            </a:r>
+            <a:r>
+              <a:rPr lang="en-US" altLang="zh-CN" dirty="0" smtClean="0"/>
+              <a:t>TRUE</a:t>
+            </a:r>
+            <a:r>
+              <a:rPr lang="zh-CN" altLang="zh-CN" dirty="0" smtClean="0"/>
+              <a:t>的元素的下标。</a:t>
+            </a:r>
+          </a:p>
+          <a:p>
+            <a:r>
+              <a:rPr lang="en-US" altLang="zh-CN" dirty="0" smtClean="0"/>
+              <a:t>x &lt;- sample(1:4,10,replace=TRUE)</a:t>
+            </a:r>
+          </a:p>
+          <a:p>
+            <a:r>
+              <a:rPr lang="en-US" altLang="zh-CN" dirty="0" smtClean="0"/>
+              <a:t># [1] 3 4 3 </a:t>
+            </a:r>
+            <a:r>
+              <a:rPr lang="en-US" altLang="zh-CN" dirty="0" err="1" smtClean="0"/>
+              <a:t>3</a:t>
+            </a:r>
+            <a:r>
+              <a:rPr lang="en-US" altLang="zh-CN" dirty="0" smtClean="0"/>
+              <a:t> 2 3 1 </a:t>
+            </a:r>
+            <a:r>
+              <a:rPr lang="en-US" altLang="zh-CN" dirty="0" err="1" smtClean="0"/>
               <a:t>1</a:t>
             </a:r>
             <a:r>
-              <a:rPr lang="zh-CN" altLang="en-US" dirty="0" smtClean="0"/>
-              <a:t>），第一列的值大于均值的记录选出。即，构建一个子集。</a:t>
+              <a:rPr lang="en-US" altLang="zh-CN" dirty="0" smtClean="0"/>
+              <a:t> 2 </a:t>
+            </a:r>
+            <a:r>
+              <a:rPr lang="en-US" altLang="zh-CN" dirty="0" err="1" smtClean="0"/>
+              <a:t>2</a:t>
             </a:r>
             <a:endParaRPr lang="en-US" altLang="zh-CN" dirty="0" smtClean="0"/>
           </a:p>
           <a:p>
             <a:r>
               <a:rPr lang="en-US" altLang="zh-CN" dirty="0" smtClean="0"/>
-              <a:t>2.  </a:t>
-            </a:r>
-            <a:r>
-              <a:rPr lang="zh-CN" altLang="en-US" dirty="0" smtClean="0"/>
-              <a:t>将</a:t>
-            </a:r>
-            <a:r>
-              <a:rPr lang="en-US" altLang="zh-CN" dirty="0" err="1" smtClean="0"/>
-              <a:t>iris.data</a:t>
-            </a:r>
-            <a:r>
-              <a:rPr lang="zh-CN" altLang="en-US" dirty="0" smtClean="0"/>
-              <a:t>中第</a:t>
-            </a:r>
-            <a:r>
-              <a:rPr lang="en-US" altLang="zh-CN" dirty="0" smtClean="0"/>
-              <a:t>5</a:t>
-            </a:r>
-            <a:r>
-              <a:rPr lang="zh-CN" altLang="en-US" dirty="0" smtClean="0"/>
-              <a:t>列中的值转换成数值。建立一个新的列。</a:t>
-            </a:r>
-            <a:endParaRPr lang="en-US" altLang="zh-CN" dirty="0" smtClean="0"/>
-          </a:p>
-          <a:p>
-            <a:r>
-              <a:rPr lang="en-US" altLang="zh-CN" dirty="0" smtClean="0"/>
-              <a:t>“Iris-</a:t>
-            </a:r>
-            <a:r>
-              <a:rPr lang="en-US" altLang="zh-CN" dirty="0" err="1" smtClean="0"/>
-              <a:t>setosa</a:t>
-            </a:r>
-            <a:r>
-              <a:rPr lang="en-US" altLang="zh-CN" dirty="0" smtClean="0"/>
-              <a:t>“ </a:t>
-            </a:r>
-            <a:r>
-              <a:rPr lang="zh-CN" altLang="en-US" dirty="0" smtClean="0"/>
-              <a:t>对应</a:t>
-            </a:r>
-            <a:r>
-              <a:rPr lang="en-US" altLang="zh-CN" dirty="0" smtClean="0"/>
-              <a:t>1</a:t>
-            </a:r>
-          </a:p>
-          <a:p>
-            <a:r>
-              <a:rPr lang="en-US" altLang="zh-CN" dirty="0" smtClean="0"/>
-              <a:t>“Iris-</a:t>
-            </a:r>
-            <a:r>
-              <a:rPr lang="en-US" altLang="zh-CN" dirty="0" err="1" smtClean="0"/>
-              <a:t>versicolor</a:t>
-            </a:r>
-            <a:r>
-              <a:rPr lang="en-US" altLang="zh-CN" dirty="0" smtClean="0"/>
-              <a:t>” </a:t>
-            </a:r>
-            <a:r>
-              <a:rPr lang="zh-CN" altLang="en-US" dirty="0" smtClean="0"/>
-              <a:t>对应</a:t>
-            </a:r>
-            <a:r>
-              <a:rPr lang="en-US" altLang="zh-CN" dirty="0" smtClean="0"/>
-              <a:t>2</a:t>
-            </a:r>
-          </a:p>
-          <a:p>
-            <a:r>
-              <a:rPr lang="en-US" altLang="zh-CN" dirty="0" smtClean="0"/>
-              <a:t>“Iris-</a:t>
-            </a:r>
-            <a:r>
-              <a:rPr lang="en-US" altLang="zh-CN" dirty="0" err="1" smtClean="0"/>
-              <a:t>virginica</a:t>
-            </a:r>
-            <a:r>
-              <a:rPr lang="en-US" altLang="zh-CN" dirty="0" smtClean="0"/>
-              <a:t>”</a:t>
-            </a:r>
-            <a:r>
-              <a:rPr lang="zh-CN" altLang="en-US" dirty="0" smtClean="0"/>
-              <a:t>对应</a:t>
-            </a:r>
-            <a:r>
-              <a:rPr lang="en-US" altLang="zh-CN" dirty="0" smtClean="0"/>
-              <a:t>3</a:t>
-            </a:r>
-          </a:p>
-          <a:p>
-            <a:r>
-              <a:rPr lang="zh-CN" altLang="en-US" dirty="0" smtClean="0"/>
-              <a:t>补充</a:t>
-            </a:r>
-            <a:r>
-              <a:rPr lang="en-US" altLang="zh-CN" dirty="0" smtClean="0"/>
-              <a:t>switch</a:t>
-            </a:r>
-            <a:r>
-              <a:rPr lang="zh-CN" altLang="en-US" dirty="0" smtClean="0"/>
-              <a:t>语句见下页：</a:t>
-            </a:r>
-            <a:endParaRPr lang="en-US" altLang="zh-CN" dirty="0" smtClean="0"/>
-          </a:p>
-          <a:p>
+              <a:t>which(x %in% c(2,4))</a:t>
+            </a:r>
+          </a:p>
+          <a:p>
+            <a:r>
+              <a:rPr lang="en-US" altLang="zh-CN" dirty="0" smtClean="0"/>
+              <a:t># [1]  2  5  9 10</a:t>
+            </a:r>
             <a:endParaRPr lang="zh-CN" altLang="en-US" dirty="0"/>
           </a:p>
         </p:txBody>
@@ -4689,7 +4578,11 @@
           <a:bodyPr/>
           <a:lstStyle/>
           <a:p>
-            <a:endParaRPr lang="zh-CN" altLang="en-US"/>
+            <a:r>
+              <a:rPr lang="zh-CN" altLang="en-US" dirty="0" smtClean="0"/>
+              <a:t>练习</a:t>
+            </a:r>
+            <a:endParaRPr lang="zh-CN" altLang="en-US" dirty="0"/>
           </a:p>
         </p:txBody>
       </p:sp>
@@ -4705,228 +4598,162 @@
         </p:nvSpPr>
         <p:spPr/>
         <p:txBody>
-          <a:bodyPr/>
-          <a:lstStyle/>
-          <a:p>
+          <a:bodyPr>
+            <a:normAutofit fontScale="92500"/>
+          </a:bodyPr>
+          <a:lstStyle/>
+          <a:p>
+            <a:r>
+              <a:rPr lang="en-US" altLang="zh-CN" dirty="0" smtClean="0"/>
+              <a:t>1. </a:t>
+            </a:r>
+            <a:r>
+              <a:rPr lang="zh-CN" altLang="en-US" dirty="0" smtClean="0"/>
+              <a:t>将</a:t>
+            </a:r>
+            <a:r>
+              <a:rPr lang="en-US" altLang="zh-CN" dirty="0" err="1" smtClean="0"/>
+              <a:t>iris.data</a:t>
+            </a:r>
+            <a:r>
+              <a:rPr lang="zh-CN" altLang="en-US" dirty="0" smtClean="0"/>
+              <a:t>文件中（见练习</a:t>
+            </a:r>
+            <a:r>
+              <a:rPr lang="en-US" altLang="zh-CN" dirty="0" smtClean="0"/>
+              <a:t>1</a:t>
+            </a:r>
+            <a:r>
+              <a:rPr lang="zh-CN" altLang="en-US" dirty="0" smtClean="0"/>
+              <a:t>），第一列的值大于均值的记录选出。即，构建一个子集。</a:t>
+            </a:r>
+            <a:endParaRPr lang="en-US" altLang="zh-CN" dirty="0" smtClean="0"/>
+          </a:p>
+          <a:p>
+            <a:r>
+              <a:rPr lang="en-US" altLang="zh-CN" dirty="0" smtClean="0"/>
+              <a:t>2.  </a:t>
+            </a:r>
+            <a:r>
+              <a:rPr lang="zh-CN" altLang="en-US" dirty="0" smtClean="0"/>
+              <a:t>将</a:t>
+            </a:r>
+            <a:r>
+              <a:rPr lang="en-US" altLang="zh-CN" dirty="0" err="1" smtClean="0"/>
+              <a:t>iris.data</a:t>
+            </a:r>
+            <a:r>
+              <a:rPr lang="zh-CN" altLang="en-US" dirty="0" smtClean="0"/>
+              <a:t>中第</a:t>
+            </a:r>
+            <a:r>
+              <a:rPr lang="en-US" altLang="zh-CN" dirty="0" smtClean="0"/>
+              <a:t>5</a:t>
+            </a:r>
+            <a:r>
+              <a:rPr lang="zh-CN" altLang="en-US" dirty="0" smtClean="0"/>
+              <a:t>列中的值转换成数值。建立一个新的列。</a:t>
+            </a:r>
+            <a:endParaRPr lang="en-US" altLang="zh-CN" dirty="0" smtClean="0"/>
+          </a:p>
+          <a:p>
+            <a:r>
+              <a:rPr lang="en-US" altLang="zh-CN" dirty="0" smtClean="0"/>
+              <a:t>“Iris-</a:t>
+            </a:r>
+            <a:r>
+              <a:rPr lang="en-US" altLang="zh-CN" dirty="0" err="1" smtClean="0"/>
+              <a:t>setosa</a:t>
+            </a:r>
+            <a:r>
+              <a:rPr lang="en-US" altLang="zh-CN" dirty="0" smtClean="0"/>
+              <a:t>“ </a:t>
+            </a:r>
+            <a:r>
+              <a:rPr lang="zh-CN" altLang="en-US" dirty="0" smtClean="0"/>
+              <a:t>对应</a:t>
+            </a:r>
+            <a:r>
+              <a:rPr lang="en-US" altLang="zh-CN" dirty="0" smtClean="0"/>
+              <a:t>1</a:t>
+            </a:r>
+          </a:p>
+          <a:p>
+            <a:r>
+              <a:rPr lang="en-US" altLang="zh-CN" dirty="0" smtClean="0"/>
+              <a:t>“Iris-</a:t>
+            </a:r>
+            <a:r>
+              <a:rPr lang="en-US" altLang="zh-CN" dirty="0" err="1" smtClean="0"/>
+              <a:t>versicolor</a:t>
+            </a:r>
+            <a:r>
+              <a:rPr lang="en-US" altLang="zh-CN" dirty="0" smtClean="0"/>
+              <a:t>” </a:t>
+            </a:r>
+            <a:r>
+              <a:rPr lang="zh-CN" altLang="en-US" dirty="0" smtClean="0"/>
+              <a:t>对应</a:t>
+            </a:r>
+            <a:r>
+              <a:rPr lang="en-US" altLang="zh-CN" dirty="0" smtClean="0"/>
+              <a:t>2</a:t>
+            </a:r>
+          </a:p>
+          <a:p>
+            <a:r>
+              <a:rPr lang="en-US" altLang="zh-CN" dirty="0" smtClean="0"/>
+              <a:t>“Iris-</a:t>
+            </a:r>
+            <a:r>
+              <a:rPr lang="en-US" altLang="zh-CN" dirty="0" err="1" smtClean="0"/>
+              <a:t>virginica</a:t>
+            </a:r>
+            <a:r>
+              <a:rPr lang="en-US" altLang="zh-CN" dirty="0" smtClean="0"/>
+              <a:t>”</a:t>
+            </a:r>
+            <a:r>
+              <a:rPr lang="zh-CN" altLang="en-US" dirty="0" smtClean="0"/>
+              <a:t>对应</a:t>
+            </a:r>
+            <a:r>
+              <a:rPr lang="en-US" altLang="zh-CN" dirty="0" smtClean="0"/>
+              <a:t>3</a:t>
+            </a:r>
+          </a:p>
+          <a:p>
+            <a:r>
+              <a:rPr lang="zh-CN" altLang="en-US" dirty="0" smtClean="0"/>
+              <a:t>补充</a:t>
+            </a:r>
             <a:r>
               <a:rPr lang="en-US" altLang="zh-CN" dirty="0" smtClean="0"/>
               <a:t>switch</a:t>
             </a:r>
             <a:r>
               <a:rPr lang="zh-CN" altLang="en-US" dirty="0" smtClean="0"/>
-              <a:t>语句</a:t>
+              <a:t>语句见下页：</a:t>
             </a:r>
             <a:endParaRPr lang="en-US" altLang="zh-CN" dirty="0" smtClean="0"/>
           </a:p>
           <a:p>
-            <a:r>
-              <a:rPr lang="zh-CN" altLang="en-US" dirty="0" smtClean="0"/>
-              <a:t>下面的</a:t>
-            </a:r>
-            <a:r>
-              <a:rPr lang="en-US" altLang="zh-CN" dirty="0" smtClean="0"/>
-              <a:t>switch</a:t>
-            </a:r>
-            <a:r>
-              <a:rPr lang="zh-CN" altLang="zh-CN" dirty="0"/>
-              <a:t>语句表示当输入的</a:t>
-            </a:r>
-            <a:r>
-              <a:rPr lang="en-US" altLang="zh-CN" dirty="0"/>
-              <a:t>x</a:t>
-            </a:r>
-            <a:r>
-              <a:rPr lang="zh-CN" altLang="zh-CN" dirty="0"/>
-              <a:t>值为</a:t>
-            </a:r>
-            <a:r>
-              <a:rPr lang="en-US" altLang="zh-CN" dirty="0"/>
-              <a:t>a</a:t>
-            </a:r>
-            <a:r>
-              <a:rPr lang="zh-CN" altLang="zh-CN" dirty="0"/>
-              <a:t>，返回值‘</a:t>
-            </a:r>
-            <a:r>
-              <a:rPr lang="en-US" altLang="zh-CN" dirty="0"/>
-              <a:t>alligator</a:t>
-            </a:r>
-            <a:r>
-              <a:rPr lang="zh-CN" altLang="zh-CN" dirty="0"/>
-              <a:t>’；为</a:t>
-            </a:r>
-            <a:r>
-              <a:rPr lang="en-US" altLang="zh-CN" dirty="0"/>
-              <a:t>b</a:t>
-            </a:r>
-            <a:r>
-              <a:rPr lang="zh-CN" altLang="zh-CN" dirty="0"/>
-              <a:t>返回</a:t>
-            </a:r>
-            <a:r>
-              <a:rPr lang="en-US" altLang="zh-CN" dirty="0"/>
-              <a:t>’bear’</a:t>
-            </a:r>
-            <a:r>
-              <a:rPr lang="zh-CN" altLang="zh-CN" dirty="0"/>
-              <a:t>。</a:t>
-            </a:r>
             <a:endParaRPr lang="zh-CN" altLang="en-US" dirty="0"/>
           </a:p>
         </p:txBody>
       </p:sp>
-      <p:sp>
-        <p:nvSpPr>
-          <p:cNvPr id="4" name="矩形 3"/>
-          <p:cNvSpPr/>
-          <p:nvPr/>
-        </p:nvSpPr>
-        <p:spPr>
-          <a:xfrm>
-            <a:off x="1619672" y="3746303"/>
-            <a:ext cx="4572000" cy="2395528"/>
-          </a:xfrm>
-          <a:prstGeom prst="rect">
-            <a:avLst/>
-          </a:prstGeom>
-        </p:spPr>
-        <p:txBody>
-          <a:bodyPr>
-            <a:spAutoFit/>
-          </a:bodyPr>
-          <a:lstStyle/>
-          <a:p>
-            <a:pPr>
-              <a:spcAft>
-                <a:spcPts val="1000"/>
-              </a:spcAft>
-            </a:pPr>
-            <a:r>
-              <a:rPr lang="en-US" altLang="zh-CN" dirty="0">
-                <a:latin typeface="Tahoma" panose="020B0604030504040204" pitchFamily="34" charset="0"/>
-                <a:ea typeface="微软雅黑" panose="020B0503020204020204" pitchFamily="34" charset="-122"/>
-                <a:cs typeface="Times New Roman" panose="02020603050405020304" pitchFamily="18" charset="0"/>
-              </a:rPr>
-              <a:t>switch(x,</a:t>
-            </a:r>
-            <a:endParaRPr lang="zh-CN" altLang="zh-CN" dirty="0">
-              <a:latin typeface="Tahoma" panose="020B0604030504040204" pitchFamily="34" charset="0"/>
-              <a:ea typeface="微软雅黑" panose="020B0503020204020204" pitchFamily="34" charset="-122"/>
-              <a:cs typeface="Times New Roman" panose="02020603050405020304" pitchFamily="18" charset="0"/>
-            </a:endParaRPr>
-          </a:p>
-          <a:p>
-            <a:pPr>
-              <a:spcAft>
-                <a:spcPts val="1000"/>
-              </a:spcAft>
-            </a:pPr>
-            <a:r>
-              <a:rPr lang="en-US" altLang="zh-CN" dirty="0">
-                <a:latin typeface="Tahoma" panose="020B0604030504040204" pitchFamily="34" charset="0"/>
-                <a:ea typeface="微软雅黑" panose="020B0503020204020204" pitchFamily="34" charset="-122"/>
-                <a:cs typeface="Times New Roman" panose="02020603050405020304" pitchFamily="18" charset="0"/>
-              </a:rPr>
-              <a:t> a="alligator",</a:t>
-            </a:r>
-            <a:endParaRPr lang="zh-CN" altLang="zh-CN" dirty="0">
-              <a:latin typeface="Tahoma" panose="020B0604030504040204" pitchFamily="34" charset="0"/>
-              <a:ea typeface="微软雅黑" panose="020B0503020204020204" pitchFamily="34" charset="-122"/>
-              <a:cs typeface="Times New Roman" panose="02020603050405020304" pitchFamily="18" charset="0"/>
-            </a:endParaRPr>
-          </a:p>
-          <a:p>
-            <a:pPr>
-              <a:spcAft>
-                <a:spcPts val="1000"/>
-              </a:spcAft>
-            </a:pPr>
-            <a:r>
-              <a:rPr lang="en-US" altLang="zh-CN" dirty="0">
-                <a:latin typeface="Tahoma" panose="020B0604030504040204" pitchFamily="34" charset="0"/>
-                <a:ea typeface="微软雅黑" panose="020B0503020204020204" pitchFamily="34" charset="-122"/>
-                <a:cs typeface="Times New Roman" panose="02020603050405020304" pitchFamily="18" charset="0"/>
-              </a:rPr>
-              <a:t> b="bear",</a:t>
-            </a:r>
-            <a:endParaRPr lang="zh-CN" altLang="zh-CN" dirty="0">
-              <a:latin typeface="Tahoma" panose="020B0604030504040204" pitchFamily="34" charset="0"/>
-              <a:ea typeface="微软雅黑" panose="020B0503020204020204" pitchFamily="34" charset="-122"/>
-              <a:cs typeface="Times New Roman" panose="02020603050405020304" pitchFamily="18" charset="0"/>
-            </a:endParaRPr>
-          </a:p>
-          <a:p>
-            <a:pPr>
-              <a:spcAft>
-                <a:spcPts val="1000"/>
-              </a:spcAft>
-            </a:pPr>
-            <a:r>
-              <a:rPr lang="en-US" altLang="zh-CN" dirty="0">
-                <a:latin typeface="Tahoma" panose="020B0604030504040204" pitchFamily="34" charset="0"/>
-                <a:ea typeface="微软雅黑" panose="020B0503020204020204" pitchFamily="34" charset="-122"/>
-                <a:cs typeface="Times New Roman" panose="02020603050405020304" pitchFamily="18" charset="0"/>
-              </a:rPr>
-              <a:t> c="camel",</a:t>
-            </a:r>
-            <a:endParaRPr lang="zh-CN" altLang="zh-CN" dirty="0">
-              <a:latin typeface="Tahoma" panose="020B0604030504040204" pitchFamily="34" charset="0"/>
-              <a:ea typeface="微软雅黑" panose="020B0503020204020204" pitchFamily="34" charset="-122"/>
-              <a:cs typeface="Times New Roman" panose="02020603050405020304" pitchFamily="18" charset="0"/>
-            </a:endParaRPr>
-          </a:p>
-          <a:p>
-            <a:pPr>
-              <a:spcAft>
-                <a:spcPts val="1000"/>
-              </a:spcAft>
-            </a:pPr>
-            <a:r>
-              <a:rPr lang="en-US" altLang="zh-CN" dirty="0">
-                <a:latin typeface="Tahoma" panose="020B0604030504040204" pitchFamily="34" charset="0"/>
-                <a:ea typeface="微软雅黑" panose="020B0503020204020204" pitchFamily="34" charset="-122"/>
-                <a:cs typeface="Times New Roman" panose="02020603050405020304" pitchFamily="18" charset="0"/>
-              </a:rPr>
-              <a:t> "moose")</a:t>
-            </a:r>
-            <a:endParaRPr lang="zh-CN" altLang="zh-CN" dirty="0">
-              <a:latin typeface="Tahoma" panose="020B0604030504040204" pitchFamily="34" charset="0"/>
-              <a:ea typeface="微软雅黑" panose="020B0503020204020204" pitchFamily="34" charset="-122"/>
-              <a:cs typeface="Times New Roman" panose="02020603050405020304" pitchFamily="18" charset="0"/>
-            </a:endParaRPr>
-          </a:p>
-          <a:p>
-            <a:pPr>
-              <a:spcAft>
-                <a:spcPts val="1000"/>
-              </a:spcAft>
-            </a:pPr>
-            <a:r>
-              <a:rPr lang="en-US" altLang="zh-CN" dirty="0">
-                <a:latin typeface="Tahoma" panose="020B0604030504040204" pitchFamily="34" charset="0"/>
-                <a:ea typeface="微软雅黑" panose="020B0503020204020204" pitchFamily="34" charset="-122"/>
-                <a:cs typeface="Times New Roman" panose="02020603050405020304" pitchFamily="18" charset="0"/>
-              </a:rPr>
-              <a:t>}</a:t>
-            </a:r>
-            <a:endParaRPr lang="zh-CN" altLang="zh-CN" dirty="0">
-              <a:latin typeface="Tahoma" panose="020B0604030504040204" pitchFamily="34" charset="0"/>
-              <a:ea typeface="微软雅黑" panose="020B0503020204020204" pitchFamily="34" charset="-122"/>
-              <a:cs typeface="Times New Roman" panose="02020603050405020304" pitchFamily="18" charset="0"/>
-            </a:endParaRPr>
-          </a:p>
-        </p:txBody>
-      </p:sp>
     </p:spTree>
-    <p:extLst>
-      <p:ext uri="{BB962C8B-B14F-4D97-AF65-F5344CB8AC3E}">
-        <p14:creationId xmlns:p14="http://schemas.microsoft.com/office/powerpoint/2010/main" val="1909251449"/>
-      </p:ext>
-    </p:extLst>
   </p:cSld>
   <p:clrMapOvr>
     <a:masterClrMapping/>
   </p:clrMapOvr>
+  <p:timing>
+    <p:tnLst>
+      <p:par>
+        <p:cTn id="1" dur="indefinite" restart="never" nodeType="tmRoot"/>
+      </p:par>
+    </p:tnLst>
+  </p:timing>
 </p:sld>
 </file>
 
@@ -5107,9 +4934,87 @@
           <a:bodyPr/>
           <a:lstStyle/>
           <a:p>
-            <a:r>
-              <a:rPr lang="zh-CN" altLang="en-US" dirty="0" smtClean="0"/>
-              <a:t>装载包</a:t>
+            <a:endParaRPr lang="zh-CN" altLang="en-US"/>
+          </a:p>
+        </p:txBody>
+      </p:sp>
+      <p:sp>
+        <p:nvSpPr>
+          <p:cNvPr id="3" name="内容占位符 2"/>
+          <p:cNvSpPr>
+            <a:spLocks noGrp="1"/>
+          </p:cNvSpPr>
+          <p:nvPr>
+            <p:ph idx="1"/>
+          </p:nvPr>
+        </p:nvSpPr>
+        <p:spPr/>
+        <p:txBody>
+          <a:bodyPr/>
+          <a:lstStyle/>
+          <a:p>
+            <a:r>
+              <a:rPr lang="en-US" altLang="zh-CN" dirty="0" smtClean="0"/>
+              <a:t>switch</a:t>
+            </a:r>
+            <a:r>
+              <a:rPr lang="zh-CN" altLang="en-US" dirty="0" smtClean="0"/>
+              <a:t>语句</a:t>
+            </a:r>
+            <a:endParaRPr lang="en-US" altLang="zh-CN" dirty="0" smtClean="0"/>
+          </a:p>
+          <a:p>
+            <a:r>
+              <a:rPr lang="zh-CN" altLang="en-US" dirty="0" smtClean="0"/>
+              <a:t>下面的</a:t>
+            </a:r>
+            <a:r>
+              <a:rPr lang="en-US" altLang="zh-CN" dirty="0" smtClean="0"/>
+              <a:t>switch</a:t>
+            </a:r>
+            <a:r>
+              <a:rPr lang="zh-CN" altLang="zh-CN" dirty="0"/>
+              <a:t>语句表示当输入的</a:t>
+            </a:r>
+            <a:r>
+              <a:rPr lang="en-US" altLang="zh-CN" dirty="0"/>
+              <a:t>x</a:t>
+            </a:r>
+            <a:r>
+              <a:rPr lang="zh-CN" altLang="zh-CN" dirty="0"/>
+              <a:t>值为</a:t>
+            </a:r>
+            <a:r>
+              <a:rPr lang="en-US" altLang="zh-CN" dirty="0"/>
+              <a:t>a</a:t>
+            </a:r>
+            <a:r>
+              <a:rPr lang="zh-CN" altLang="zh-CN" dirty="0"/>
+              <a:t>，返回值‘</a:t>
+            </a:r>
+            <a:r>
+              <a:rPr lang="en-US" altLang="zh-CN" dirty="0"/>
+              <a:t>alligator</a:t>
+            </a:r>
+            <a:r>
+              <a:rPr lang="zh-CN" altLang="zh-CN" dirty="0"/>
+              <a:t>’；为</a:t>
+            </a:r>
+            <a:r>
+              <a:rPr lang="en-US" altLang="zh-CN" dirty="0"/>
+              <a:t>b</a:t>
+            </a:r>
+            <a:r>
+              <a:rPr lang="zh-CN" altLang="zh-CN" dirty="0"/>
+              <a:t>返回</a:t>
+            </a:r>
+            <a:r>
+              <a:rPr lang="en-US" altLang="zh-CN" dirty="0"/>
+              <a:t>’bear’</a:t>
+            </a:r>
+            <a:r>
+              <a:rPr lang="zh-CN" altLang="zh-CN" dirty="0"/>
+              <a:t>。</a:t>
             </a:r>
             <a:endParaRPr lang="zh-CN" altLang="en-US" dirty="0"/>
           </a:p>
@@ -5117,69 +5022,156 @@
       </p:sp>
       <p:sp>
         <p:nvSpPr>
-          <p:cNvPr id="3" name="内容占位符 2"/>
-          <p:cNvSpPr>
-            <a:spLocks noGrp="1"/>
-          </p:cNvSpPr>
-          <p:nvPr>
-            <p:ph idx="1"/>
-          </p:nvPr>
-        </p:nvSpPr>
-        <p:spPr/>
-        <p:txBody>
-          <a:bodyPr/>
-          <a:lstStyle/>
-          <a:p>
-            <a:r>
-              <a:rPr lang="en-US" altLang="zh-CN" dirty="0" smtClean="0"/>
-              <a:t>R</a:t>
-            </a:r>
-            <a:r>
-              <a:rPr lang="zh-CN" altLang="zh-CN" dirty="0" smtClean="0"/>
-              <a:t>安装好以后会默认的安装一些基本包。然而我们仍会经常使用其他人开发的包，它们提供了丰富的功能。</a:t>
-            </a:r>
-            <a:r>
-              <a:rPr lang="en-US" altLang="zh-CN" dirty="0" smtClean="0"/>
-              <a:t>CRAN</a:t>
-            </a:r>
-            <a:r>
-              <a:rPr lang="zh-CN" altLang="zh-CN" dirty="0" smtClean="0"/>
-              <a:t>网站</a:t>
-            </a:r>
-            <a:r>
-              <a:rPr lang="en-US" altLang="zh-CN" dirty="0" smtClean="0"/>
-              <a:t>https://cran.r-project.org/</a:t>
-            </a:r>
-            <a:r>
-              <a:rPr lang="zh-CN" altLang="zh-CN" dirty="0" smtClean="0"/>
-              <a:t>提供了开放的包的资源。几乎所有第三方开放的</a:t>
-            </a:r>
-            <a:r>
-              <a:rPr lang="en-US" altLang="zh-CN" dirty="0" smtClean="0"/>
-              <a:t>R</a:t>
-            </a:r>
-            <a:r>
-              <a:rPr lang="zh-CN" altLang="zh-CN" dirty="0" smtClean="0"/>
-              <a:t>包都会上传到该网站以供其他人使用。用户可以根据需要选择相应的包下载。</a:t>
-            </a:r>
-          </a:p>
-          <a:p>
-            <a:endParaRPr lang="zh-CN" altLang="en-US" dirty="0"/>
+          <p:cNvPr id="4" name="矩形 3"/>
+          <p:cNvSpPr/>
+          <p:nvPr/>
+        </p:nvSpPr>
+        <p:spPr>
+          <a:xfrm>
+            <a:off x="1619672" y="3746303"/>
+            <a:ext cx="4572000" cy="2395528"/>
+          </a:xfrm>
+          <a:prstGeom prst="rect">
+            <a:avLst/>
+          </a:prstGeom>
+        </p:spPr>
+        <p:txBody>
+          <a:bodyPr>
+            <a:spAutoFit/>
+          </a:bodyPr>
+          <a:lstStyle/>
+          <a:p>
+            <a:pPr>
+              <a:spcAft>
+                <a:spcPts val="1000"/>
+              </a:spcAft>
+            </a:pPr>
+            <a:r>
+              <a:rPr lang="en-US" altLang="zh-CN" dirty="0">
+                <a:latin typeface="Tahoma" panose="020B0604030504040204" pitchFamily="34" charset="0"/>
+                <a:ea typeface="微软雅黑" panose="020B0503020204020204" pitchFamily="34" charset="-122"/>
+                <a:cs typeface="Times New Roman" panose="02020603050405020304" pitchFamily="18" charset="0"/>
+              </a:rPr>
+              <a:t>switch(x,</a:t>
+            </a:r>
+            <a:endParaRPr lang="zh-CN" altLang="zh-CN" dirty="0">
+              <a:latin typeface="Tahoma" panose="020B0604030504040204" pitchFamily="34" charset="0"/>
+              <a:ea typeface="微软雅黑" panose="020B0503020204020204" pitchFamily="34" charset="-122"/>
+              <a:cs typeface="Times New Roman" panose="02020603050405020304" pitchFamily="18" charset="0"/>
+            </a:endParaRPr>
+          </a:p>
+          <a:p>
+            <a:pPr>
+              <a:spcAft>
+                <a:spcPts val="1000"/>
+              </a:spcAft>
+            </a:pPr>
+            <a:r>
+              <a:rPr lang="en-US" altLang="zh-CN" dirty="0">
+                <a:latin typeface="Tahoma" panose="020B0604030504040204" pitchFamily="34" charset="0"/>
+                <a:ea typeface="微软雅黑" panose="020B0503020204020204" pitchFamily="34" charset="-122"/>
+                <a:cs typeface="Times New Roman" panose="02020603050405020304" pitchFamily="18" charset="0"/>
+              </a:rPr>
+              <a:t> a="alligator",</a:t>
+            </a:r>
+            <a:endParaRPr lang="zh-CN" altLang="zh-CN" dirty="0">
+              <a:latin typeface="Tahoma" panose="020B0604030504040204" pitchFamily="34" charset="0"/>
+              <a:ea typeface="微软雅黑" panose="020B0503020204020204" pitchFamily="34" charset="-122"/>
+              <a:cs typeface="Times New Roman" panose="02020603050405020304" pitchFamily="18" charset="0"/>
+            </a:endParaRPr>
+          </a:p>
+          <a:p>
+            <a:pPr>
+              <a:spcAft>
+                <a:spcPts val="1000"/>
+              </a:spcAft>
+            </a:pPr>
+            <a:r>
+              <a:rPr lang="en-US" altLang="zh-CN" dirty="0">
+                <a:latin typeface="Tahoma" panose="020B0604030504040204" pitchFamily="34" charset="0"/>
+                <a:ea typeface="微软雅黑" panose="020B0503020204020204" pitchFamily="34" charset="-122"/>
+                <a:cs typeface="Times New Roman" panose="02020603050405020304" pitchFamily="18" charset="0"/>
+              </a:rPr>
+              <a:t> b="bear",</a:t>
+            </a:r>
+            <a:endParaRPr lang="zh-CN" altLang="zh-CN" dirty="0">
+              <a:latin typeface="Tahoma" panose="020B0604030504040204" pitchFamily="34" charset="0"/>
+              <a:ea typeface="微软雅黑" panose="020B0503020204020204" pitchFamily="34" charset="-122"/>
+              <a:cs typeface="Times New Roman" panose="02020603050405020304" pitchFamily="18" charset="0"/>
+            </a:endParaRPr>
+          </a:p>
+          <a:p>
+            <a:pPr>
+              <a:spcAft>
+                <a:spcPts val="1000"/>
+              </a:spcAft>
+            </a:pPr>
+            <a:r>
+              <a:rPr lang="en-US" altLang="zh-CN" dirty="0">
+                <a:latin typeface="Tahoma" panose="020B0604030504040204" pitchFamily="34" charset="0"/>
+                <a:ea typeface="微软雅黑" panose="020B0503020204020204" pitchFamily="34" charset="-122"/>
+                <a:cs typeface="Times New Roman" panose="02020603050405020304" pitchFamily="18" charset="0"/>
+              </a:rPr>
+              <a:t> c="camel",</a:t>
+            </a:r>
+            <a:endParaRPr lang="zh-CN" altLang="zh-CN" dirty="0">
+              <a:latin typeface="Tahoma" panose="020B0604030504040204" pitchFamily="34" charset="0"/>
+              <a:ea typeface="微软雅黑" panose="020B0503020204020204" pitchFamily="34" charset="-122"/>
+              <a:cs typeface="Times New Roman" panose="02020603050405020304" pitchFamily="18" charset="0"/>
+            </a:endParaRPr>
+          </a:p>
+          <a:p>
+            <a:pPr>
+              <a:spcAft>
+                <a:spcPts val="1000"/>
+              </a:spcAft>
+            </a:pPr>
+            <a:r>
+              <a:rPr lang="en-US" altLang="zh-CN" dirty="0">
+                <a:latin typeface="Tahoma" panose="020B0604030504040204" pitchFamily="34" charset="0"/>
+                <a:ea typeface="微软雅黑" panose="020B0503020204020204" pitchFamily="34" charset="-122"/>
+                <a:cs typeface="Times New Roman" panose="02020603050405020304" pitchFamily="18" charset="0"/>
+              </a:rPr>
+              <a:t> "moose")</a:t>
+            </a:r>
+            <a:endParaRPr lang="zh-CN" altLang="zh-CN" dirty="0">
+              <a:latin typeface="Tahoma" panose="020B0604030504040204" pitchFamily="34" charset="0"/>
+              <a:ea typeface="微软雅黑" panose="020B0503020204020204" pitchFamily="34" charset="-122"/>
+              <a:cs typeface="Times New Roman" panose="02020603050405020304" pitchFamily="18" charset="0"/>
+            </a:endParaRPr>
+          </a:p>
+          <a:p>
+            <a:pPr>
+              <a:spcAft>
+                <a:spcPts val="1000"/>
+              </a:spcAft>
+            </a:pPr>
+            <a:r>
+              <a:rPr lang="en-US" altLang="zh-CN" dirty="0">
+                <a:latin typeface="Tahoma" panose="020B0604030504040204" pitchFamily="34" charset="0"/>
+                <a:ea typeface="微软雅黑" panose="020B0503020204020204" pitchFamily="34" charset="-122"/>
+                <a:cs typeface="Times New Roman" panose="02020603050405020304" pitchFamily="18" charset="0"/>
+              </a:rPr>
+              <a:t>}</a:t>
+            </a:r>
+            <a:endParaRPr lang="zh-CN" altLang="zh-CN" dirty="0">
+              <a:latin typeface="Tahoma" panose="020B0604030504040204" pitchFamily="34" charset="0"/>
+              <a:ea typeface="微软雅黑" panose="020B0503020204020204" pitchFamily="34" charset="-122"/>
+              <a:cs typeface="Times New Roman" panose="02020603050405020304" pitchFamily="18" charset="0"/>
+            </a:endParaRPr>
           </a:p>
         </p:txBody>
       </p:sp>
     </p:spTree>
+    <p:extLst>
+      <p:ext uri="{BB962C8B-B14F-4D97-AF65-F5344CB8AC3E}">
+        <p14:creationId xmlns:p14="http://schemas.microsoft.com/office/powerpoint/2010/main" val="1909251449"/>
+      </p:ext>
+    </p:extLst>
   </p:cSld>
   <p:clrMapOvr>
     <a:masterClrMapping/>
   </p:clrMapOvr>
-  <p:timing>
-    <p:tnLst>
-      <p:par>
-        <p:cTn id="1" dur="indefinite" restart="never" nodeType="tmRoot"/>
-      </p:par>
-    </p:tnLst>
-  </p:timing>
 </p:sld>
 </file>
 
@@ -5215,7 +5207,11 @@
           <a:bodyPr/>
           <a:lstStyle/>
           <a:p>
-            <a:endParaRPr lang="zh-CN" altLang="en-US"/>
+            <a:r>
+              <a:rPr lang="zh-CN" altLang="en-US" dirty="0" smtClean="0"/>
+              <a:t>装载包</a:t>
+            </a:r>
+            <a:endParaRPr lang="zh-CN" altLang="en-US" dirty="0"/>
           </a:p>
         </p:txBody>
       </p:sp>
@@ -5235,51 +5231,12 @@
           <a:lstStyle/>
           <a:p>
             <a:r>
-              <a:rPr lang="zh-CN" altLang="zh-CN" dirty="0" smtClean="0"/>
-              <a:t>要想使用一个</a:t>
-            </a:r>
-            <a:r>
-              <a:rPr lang="en-US" altLang="zh-CN" dirty="0" smtClean="0"/>
-              <a:t>package</a:t>
-            </a:r>
-            <a:r>
-              <a:rPr lang="zh-CN" altLang="zh-CN" dirty="0" smtClean="0"/>
-              <a:t>，需要确定该包已经安装到了本地</a:t>
-            </a:r>
-            <a:r>
-              <a:rPr lang="en-US" altLang="zh-CN" dirty="0" smtClean="0"/>
-              <a:t>library</a:t>
-            </a:r>
-            <a:r>
-              <a:rPr lang="zh-CN" altLang="zh-CN" dirty="0" smtClean="0"/>
-              <a:t>中。我这里介绍我自己常用的一个方法。该方法只在一个程序运行时装载包，即动态加载包。我们以一个</a:t>
-            </a:r>
-            <a:r>
               <a:rPr lang="en-US" altLang="zh-CN" dirty="0" smtClean="0"/>
               <a:t>R</a:t>
             </a:r>
             <a:r>
               <a:rPr lang="zh-CN" altLang="zh-CN" dirty="0" smtClean="0"/>
-              <a:t>的游戏包为例。</a:t>
-            </a:r>
-          </a:p>
-          <a:p>
-            <a:pPr lvl="0"/>
-            <a:r>
-              <a:rPr lang="zh-CN" altLang="en-US" dirty="0" smtClean="0"/>
-              <a:t>（</a:t>
-            </a:r>
-            <a:r>
-              <a:rPr lang="en-US" altLang="zh-CN" dirty="0" smtClean="0"/>
-              <a:t>1</a:t>
-            </a:r>
-            <a:r>
-              <a:rPr lang="zh-CN" altLang="en-US" dirty="0" smtClean="0"/>
-              <a:t>）</a:t>
-            </a:r>
-            <a:r>
-              <a:rPr lang="zh-CN" altLang="zh-CN" dirty="0" smtClean="0"/>
-              <a:t>先下载要用的包。去到</a:t>
+              <a:t>安装好以后会默认的安装一些基本包。然而我们仍会经常使用其他人开发的包，它们提供了丰富的功能。</a:t>
             </a:r>
             <a:r>
               <a:rPr lang="en-US" altLang="zh-CN" dirty="0" smtClean="0"/>
@@ -5287,27 +5244,27 @@
             </a:r>
             <a:r>
               <a:rPr lang="zh-CN" altLang="zh-CN" dirty="0" smtClean="0"/>
-              <a:t>找到</a:t>
-            </a:r>
-            <a:r>
-              <a:rPr lang="en-US" altLang="zh-CN" dirty="0" smtClean="0"/>
-              <a:t>Package </a:t>
-            </a:r>
-            <a:r>
-              <a:rPr lang="zh-CN" altLang="zh-CN" dirty="0" smtClean="0"/>
-              <a:t>“</a:t>
-            </a:r>
-            <a:r>
-              <a:rPr lang="en-US" altLang="zh-CN" dirty="0" smtClean="0"/>
-              <a:t>fun</a:t>
-            </a:r>
-            <a:r>
-              <a:rPr lang="zh-CN" altLang="zh-CN" dirty="0" smtClean="0"/>
-              <a:t>”。</a:t>
-            </a:r>
-          </a:p>
-          <a:p>
-            <a:endParaRPr lang="zh-CN" altLang="en-US" dirty="0" smtClean="0"/>
+              <a:t>网站</a:t>
+            </a:r>
+            <a:r>
+              <a:rPr lang="en-US" altLang="zh-CN" dirty="0" smtClean="0"/>
+              <a:t>https://cran.r-project.org/</a:t>
+            </a:r>
+            <a:r>
+              <a:rPr lang="zh-CN" altLang="zh-CN" dirty="0" smtClean="0"/>
+              <a:t>提供了开放的包的资源。几乎所有第三方开放的</a:t>
+            </a:r>
+            <a:r>
+              <a:rPr lang="en-US" altLang="zh-CN" dirty="0" smtClean="0"/>
+              <a:t>R</a:t>
+            </a:r>
+            <a:r>
+              <a:rPr lang="zh-CN" altLang="zh-CN" dirty="0" smtClean="0"/>
+              <a:t>包都会上传到该网站以供其他人使用。用户可以根据需要选择相应的包下载。</a:t>
+            </a:r>
+          </a:p>
+          <a:p>
+            <a:endParaRPr lang="zh-CN" altLang="en-US" dirty="0"/>
           </a:p>
         </p:txBody>
       </p:sp>
@@ -5374,10 +5331,38 @@
         </p:nvSpPr>
         <p:spPr/>
         <p:txBody>
-          <a:bodyPr>
-            <a:normAutofit fontScale="85000" lnSpcReduction="20000"/>
-          </a:bodyPr>
-          <a:lstStyle/>
+          <a:bodyPr/>
+          <a:lstStyle/>
+          <a:p>
+            <a:r>
+              <a:rPr lang="zh-CN" altLang="zh-CN" dirty="0" smtClean="0"/>
+              <a:t>要想使用一个</a:t>
+            </a:r>
+            <a:r>
+              <a:rPr lang="en-US" altLang="zh-CN" dirty="0" smtClean="0"/>
+              <a:t>package</a:t>
+            </a:r>
+            <a:r>
+              <a:rPr lang="zh-CN" altLang="zh-CN" dirty="0" smtClean="0"/>
+              <a:t>，需要确定该包已经安装到了本地</a:t>
+            </a:r>
+            <a:r>
+              <a:rPr lang="en-US" altLang="zh-CN" dirty="0" smtClean="0"/>
+              <a:t>library</a:t>
+            </a:r>
+            <a:r>
+              <a:rPr lang="zh-CN" altLang="zh-CN" dirty="0" smtClean="0"/>
+              <a:t>中。我这里介绍我自己常用的一个方法。该方法只在一个程序运行时装载包，即动态加载包。我们以一个</a:t>
+            </a:r>
+            <a:r>
+              <a:rPr lang="en-US" altLang="zh-CN" dirty="0" smtClean="0"/>
+              <a:t>R</a:t>
+            </a:r>
+            <a:r>
+              <a:rPr lang="zh-CN" altLang="zh-CN" dirty="0" smtClean="0"/>
+              <a:t>的游戏包为例。</a:t>
+            </a:r>
+          </a:p>
           <a:p>
             <a:pPr lvl="0"/>
             <a:r>
@@ -5386,7 +5371,7 @@
             </a:r>
             <a:r>
               <a:rPr lang="en-US" altLang="zh-CN" dirty="0" smtClean="0"/>
-              <a:t>2</a:t>
+              <a:t>1</a:t>
             </a:r>
             <a:r>
               <a:rPr lang="zh-CN" altLang="en-US" dirty="0" smtClean="0"/>
@@ -5394,114 +5379,23 @@
             </a:r>
             <a:r>
               <a:rPr lang="zh-CN" altLang="zh-CN" dirty="0" smtClean="0"/>
-              <a:t>在本地建立一个文件夹，专门保存包，例如，</a:t>
-            </a:r>
-            <a:r>
-              <a:rPr lang="en-US" altLang="zh-CN" dirty="0" err="1" smtClean="0"/>
-              <a:t>mylibrary</a:t>
-            </a:r>
-            <a:r>
-              <a:rPr lang="zh-CN" altLang="zh-CN" dirty="0" smtClean="0"/>
-              <a:t>。将下载的包解压到该路径下。如路径</a:t>
-            </a:r>
-            <a:r>
-              <a:rPr lang="en-US" altLang="zh-CN" dirty="0" smtClean="0"/>
-              <a:t>D:\qjt\r\mylibrary\fun</a:t>
-            </a:r>
-            <a:r>
-              <a:rPr lang="zh-CN" altLang="zh-CN" dirty="0" smtClean="0"/>
-              <a:t>下的内容为</a:t>
-            </a:r>
-            <a:endParaRPr lang="en-US" altLang="zh-CN" dirty="0" smtClean="0"/>
-          </a:p>
-          <a:p>
-            <a:pPr lvl="0"/>
-            <a:r>
-              <a:rPr lang="zh-CN" altLang="en-US" dirty="0" smtClean="0"/>
-              <a:t>（</a:t>
-            </a:r>
-            <a:r>
-              <a:rPr lang="en-US" altLang="zh-CN" dirty="0" smtClean="0"/>
-              <a:t>3</a:t>
-            </a:r>
-            <a:r>
-              <a:rPr lang="zh-CN" altLang="en-US" dirty="0" smtClean="0"/>
-              <a:t>）</a:t>
-            </a:r>
-            <a:r>
-              <a:rPr lang="zh-CN" altLang="zh-CN" dirty="0" smtClean="0"/>
-              <a:t>建立</a:t>
-            </a:r>
-            <a:r>
-              <a:rPr lang="zh-CN" altLang="en-US" dirty="0" smtClean="0"/>
-              <a:t>一个</a:t>
-            </a:r>
-            <a:r>
-              <a:rPr lang="en-US" altLang="zh-CN" dirty="0" smtClean="0"/>
-              <a:t>R</a:t>
-            </a:r>
-            <a:r>
-              <a:rPr lang="zh-CN" altLang="zh-CN" dirty="0" smtClean="0"/>
-              <a:t>程序</a:t>
-            </a:r>
-            <a:r>
-              <a:rPr lang="zh-CN" altLang="en-US" dirty="0" smtClean="0"/>
-              <a:t>文件</a:t>
-            </a:r>
-            <a:r>
-              <a:rPr lang="zh-CN" altLang="zh-CN" dirty="0" smtClean="0"/>
-              <a:t>，添加下面的语句</a:t>
-            </a:r>
-          </a:p>
-          <a:p>
-            <a:r>
-              <a:rPr lang="en-US" altLang="zh-CN" dirty="0" smtClean="0"/>
-              <a:t>.</a:t>
-            </a:r>
-            <a:r>
-              <a:rPr lang="en-US" altLang="zh-CN" dirty="0" err="1" smtClean="0"/>
-              <a:t>libPaths</a:t>
-            </a:r>
-            <a:r>
-              <a:rPr lang="en-US" altLang="zh-CN" dirty="0" smtClean="0"/>
-              <a:t>("c:/</a:t>
-            </a:r>
-            <a:r>
-              <a:rPr lang="en-US" altLang="zh-CN" dirty="0" err="1" smtClean="0"/>
-              <a:t>qjt/R/mylibrary</a:t>
-            </a:r>
-            <a:r>
-              <a:rPr lang="en-US" altLang="zh-CN" dirty="0" smtClean="0"/>
-              <a:t>")</a:t>
-            </a:r>
-            <a:endParaRPr lang="zh-CN" altLang="zh-CN" dirty="0" smtClean="0"/>
-          </a:p>
-          <a:p>
-            <a:r>
-              <a:rPr lang="en-US" altLang="zh-CN" dirty="0" smtClean="0"/>
-              <a:t>library(fun)</a:t>
-            </a:r>
-          </a:p>
-          <a:p>
-            <a:r>
-              <a:rPr lang="zh-CN" altLang="zh-CN" dirty="0" smtClean="0"/>
-              <a:t>第一条语句是说，指定</a:t>
-            </a:r>
-            <a:r>
-              <a:rPr lang="en-US" altLang="zh-CN" dirty="0" smtClean="0"/>
-              <a:t>’</a:t>
-            </a:r>
-            <a:r>
-              <a:rPr lang="zh-CN" altLang="zh-CN" dirty="0" smtClean="0"/>
-              <a:t>库</a:t>
-            </a:r>
-            <a:r>
-              <a:rPr lang="en-US" altLang="zh-CN" dirty="0" smtClean="0"/>
-              <a:t>library</a:t>
-            </a:r>
-            <a:r>
-              <a:rPr lang="zh-CN" altLang="zh-CN" dirty="0" smtClean="0"/>
-              <a:t>’的路径。第二条语句装载名为‘</a:t>
+              <a:t>先下载要用的包。去到</a:t>
+            </a:r>
+            <a:r>
+              <a:rPr lang="en-US" altLang="zh-CN" dirty="0" smtClean="0"/>
+              <a:t>CRAN</a:t>
+            </a:r>
+            <a:r>
+              <a:rPr lang="zh-CN" altLang="zh-CN" dirty="0" smtClean="0"/>
+              <a:t>找到</a:t>
+            </a:r>
+            <a:r>
+              <a:rPr lang="en-US" altLang="zh-CN" dirty="0" smtClean="0"/>
+              <a:t>Package </a:t>
+            </a:r>
+            <a:r>
+              <a:rPr lang="zh-CN" altLang="zh-CN" dirty="0" smtClean="0"/>
+              <a:t>“</a:t>
             </a:r>
             <a:r>
               <a:rPr lang="en-US" altLang="zh-CN" dirty="0" smtClean="0"/>
@@ -5509,42 +5403,11 @@
             </a:r>
             <a:r>
               <a:rPr lang="zh-CN" altLang="zh-CN" dirty="0" smtClean="0"/>
-              <a:t>’的包。</a:t>
-            </a:r>
-            <a:endParaRPr lang="en-US" altLang="zh-CN" dirty="0" smtClean="0"/>
-          </a:p>
-          <a:p>
-            <a:r>
-              <a:rPr lang="zh-CN" altLang="zh-CN" dirty="0" smtClean="0"/>
-              <a:t>下面运行命令</a:t>
-            </a:r>
-          </a:p>
-          <a:p>
-            <a:r>
-              <a:rPr lang="en-US" altLang="zh-CN" dirty="0" err="1" smtClean="0"/>
-              <a:t>gomoku</a:t>
-            </a:r>
-            <a:r>
-              <a:rPr lang="en-US" altLang="zh-CN" dirty="0" smtClean="0"/>
-              <a:t>(n = 19)</a:t>
-            </a:r>
-            <a:endParaRPr lang="zh-CN" altLang="zh-CN" dirty="0" smtClean="0"/>
-          </a:p>
-          <a:p>
-            <a:r>
-              <a:rPr lang="zh-CN" altLang="zh-CN" dirty="0" smtClean="0"/>
-              <a:t>就可以玩围棋游戏。</a:t>
-            </a:r>
-          </a:p>
-          <a:p>
-            <a:endParaRPr lang="zh-CN" altLang="zh-CN" dirty="0" smtClean="0"/>
-          </a:p>
-          <a:p>
-            <a:pPr lvl="0"/>
-            <a:endParaRPr lang="zh-CN" altLang="zh-CN" dirty="0" smtClean="0"/>
-          </a:p>
-          <a:p>
-            <a:endParaRPr lang="zh-CN" altLang="en-US" dirty="0"/>
+              <a:t>”。</a:t>
+            </a:r>
+          </a:p>
+          <a:p>
+            <a:endParaRPr lang="zh-CN" altLang="en-US" dirty="0" smtClean="0"/>
           </a:p>
         </p:txBody>
       </p:sp>
@@ -5592,157 +5455,193 @@
         </p:nvSpPr>
         <p:spPr/>
         <p:txBody>
+          <a:bodyPr/>
+          <a:lstStyle/>
+          <a:p>
+            <a:endParaRPr lang="zh-CN" altLang="en-US"/>
+          </a:p>
+        </p:txBody>
+      </p:sp>
+      <p:sp>
+        <p:nvSpPr>
+          <p:cNvPr id="3" name="内容占位符 2"/>
+          <p:cNvSpPr>
+            <a:spLocks noGrp="1"/>
+          </p:cNvSpPr>
+          <p:nvPr>
+            <p:ph idx="1"/>
+          </p:nvPr>
+        </p:nvSpPr>
+        <p:spPr/>
+        <p:txBody>
           <a:bodyPr>
-            <a:normAutofit/>
+            <a:normAutofit fontScale="85000" lnSpcReduction="20000"/>
           </a:bodyPr>
           <a:lstStyle/>
           <a:p>
-            <a:r>
-              <a:rPr lang="zh-CN" altLang="zh-CN" b="1" dirty="0" smtClean="0"/>
-              <a:t>运行其他程序文件</a:t>
-            </a:r>
-            <a:endParaRPr lang="zh-CN" altLang="en-US" dirty="0"/>
-          </a:p>
-        </p:txBody>
-      </p:sp>
-      <p:sp>
-        <p:nvSpPr>
-          <p:cNvPr id="3" name="内容占位符 2"/>
-          <p:cNvSpPr>
-            <a:spLocks noGrp="1"/>
-          </p:cNvSpPr>
-          <p:nvPr>
-            <p:ph idx="1"/>
-          </p:nvPr>
-        </p:nvSpPr>
-        <p:spPr/>
-        <p:txBody>
-          <a:bodyPr>
-            <a:normAutofit fontScale="92500" lnSpcReduction="10000"/>
-          </a:bodyPr>
-          <a:lstStyle/>
-          <a:p>
-            <a:r>
-              <a:rPr lang="zh-CN" altLang="zh-CN" dirty="0" smtClean="0"/>
-              <a:t>经常我们也可以得到其他人写的程序，或我们将常用的函数放到一个专门的文件里。例如</a:t>
-            </a:r>
-            <a:r>
-              <a:rPr lang="en-US" altLang="zh-CN" dirty="0" err="1" smtClean="0"/>
-              <a:t>f.R</a:t>
-            </a:r>
-            <a:r>
-              <a:rPr lang="zh-CN" altLang="zh-CN" dirty="0" smtClean="0"/>
-              <a:t>专门放用户自定义函数，在一个</a:t>
-            </a:r>
-            <a:r>
-              <a:rPr lang="en-US" altLang="zh-CN" dirty="0" err="1" smtClean="0"/>
-              <a:t>test.R</a:t>
-            </a:r>
-            <a:r>
-              <a:rPr lang="zh-CN" altLang="zh-CN" dirty="0" smtClean="0"/>
-              <a:t>文件里，我们需要调用</a:t>
-            </a:r>
-            <a:r>
-              <a:rPr lang="en-US" altLang="zh-CN" dirty="0" err="1" smtClean="0"/>
-              <a:t>f.R</a:t>
-            </a:r>
-            <a:r>
-              <a:rPr lang="zh-CN" altLang="zh-CN" dirty="0" smtClean="0"/>
-              <a:t>里的函数，我们需要运行</a:t>
-            </a:r>
-            <a:r>
-              <a:rPr lang="en-US" altLang="zh-CN" dirty="0" err="1" smtClean="0"/>
-              <a:t>f.R</a:t>
-            </a:r>
-            <a:r>
-              <a:rPr lang="zh-CN" altLang="zh-CN" dirty="0" smtClean="0"/>
-              <a:t>文件。此时用的是</a:t>
-            </a:r>
-            <a:r>
-              <a:rPr lang="en-US" altLang="zh-CN" dirty="0" smtClean="0"/>
-              <a:t>source()</a:t>
-            </a:r>
-            <a:r>
-              <a:rPr lang="zh-CN" altLang="zh-CN" dirty="0" smtClean="0"/>
-              <a:t>函数。假设</a:t>
-            </a:r>
-            <a:r>
-              <a:rPr lang="en-US" altLang="zh-CN" dirty="0" err="1" smtClean="0"/>
-              <a:t>f.R</a:t>
-            </a:r>
-            <a:r>
-              <a:rPr lang="zh-CN" altLang="zh-CN" dirty="0" smtClean="0"/>
-              <a:t>和</a:t>
-            </a:r>
-            <a:r>
-              <a:rPr lang="en-US" altLang="zh-CN" dirty="0" err="1" smtClean="0"/>
-              <a:t>test.R</a:t>
-            </a:r>
-            <a:r>
-              <a:rPr lang="zh-CN" altLang="zh-CN" dirty="0" smtClean="0"/>
-              <a:t>在同一个文件夹下，在</a:t>
-            </a:r>
-            <a:r>
-              <a:rPr lang="en-US" altLang="zh-CN" dirty="0" err="1" smtClean="0"/>
-              <a:t>test.R</a:t>
-            </a:r>
-            <a:r>
-              <a:rPr lang="zh-CN" altLang="zh-CN" dirty="0" smtClean="0"/>
-              <a:t>文件中，在调用</a:t>
-            </a:r>
-            <a:r>
-              <a:rPr lang="en-US" altLang="zh-CN" dirty="0" err="1" smtClean="0"/>
-              <a:t>f.R</a:t>
-            </a:r>
-            <a:r>
-              <a:rPr lang="zh-CN" altLang="zh-CN" dirty="0" smtClean="0"/>
-              <a:t>中的函数之前，加入下面的语句。</a:t>
-            </a:r>
-          </a:p>
-          <a:p>
-            <a:r>
-              <a:rPr lang="en-US" altLang="zh-CN" dirty="0" smtClean="0"/>
-              <a:t>source('</a:t>
-            </a:r>
-            <a:r>
-              <a:rPr lang="en-US" altLang="zh-CN" dirty="0" err="1" smtClean="0"/>
-              <a:t>f.r</a:t>
-            </a:r>
-            <a:r>
-              <a:rPr lang="en-US" altLang="zh-CN" dirty="0" smtClean="0"/>
-              <a:t>')</a:t>
+            <a:pPr lvl="0"/>
+            <a:r>
+              <a:rPr lang="zh-CN" altLang="en-US" dirty="0" smtClean="0"/>
+              <a:t>（</a:t>
+            </a:r>
+            <a:r>
+              <a:rPr lang="en-US" altLang="zh-CN" dirty="0" smtClean="0"/>
+              <a:t>2</a:t>
+            </a:r>
+            <a:r>
+              <a:rPr lang="zh-CN" altLang="en-US" dirty="0" smtClean="0"/>
+              <a:t>）</a:t>
+            </a:r>
+            <a:r>
+              <a:rPr lang="zh-CN" altLang="zh-CN" dirty="0" smtClean="0"/>
+              <a:t>在本地建立一个文件夹，专门保存包，例如，</a:t>
+            </a:r>
+            <a:r>
+              <a:rPr lang="en-US" altLang="zh-CN" dirty="0" err="1" smtClean="0"/>
+              <a:t>mylibrary</a:t>
+            </a:r>
+            <a:r>
+              <a:rPr lang="zh-CN" altLang="zh-CN" dirty="0" smtClean="0"/>
+              <a:t>。将下载的包解压到该路径下。如路径</a:t>
+            </a:r>
+            <a:r>
+              <a:rPr lang="en-US" altLang="zh-CN" dirty="0" smtClean="0"/>
+              <a:t>D:\qjt\r\mylibrary\fun</a:t>
+            </a:r>
+            <a:r>
+              <a:rPr lang="zh-CN" altLang="zh-CN" dirty="0" smtClean="0"/>
+              <a:t>下的内容为</a:t>
+            </a:r>
+            <a:endParaRPr lang="en-US" altLang="zh-CN" dirty="0" smtClean="0"/>
+          </a:p>
+          <a:p>
+            <a:pPr lvl="0"/>
+            <a:r>
+              <a:rPr lang="zh-CN" altLang="en-US" dirty="0" smtClean="0"/>
+              <a:t>（</a:t>
+            </a:r>
+            <a:r>
+              <a:rPr lang="en-US" altLang="zh-CN" dirty="0" smtClean="0"/>
+              <a:t>3</a:t>
+            </a:r>
+            <a:r>
+              <a:rPr lang="zh-CN" altLang="en-US" dirty="0" smtClean="0"/>
+              <a:t>）</a:t>
+            </a:r>
+            <a:r>
+              <a:rPr lang="zh-CN" altLang="zh-CN" dirty="0" smtClean="0"/>
+              <a:t>建立</a:t>
+            </a:r>
+            <a:r>
+              <a:rPr lang="zh-CN" altLang="en-US" dirty="0" smtClean="0"/>
+              <a:t>一个</a:t>
+            </a:r>
+            <a:r>
+              <a:rPr lang="en-US" altLang="zh-CN" dirty="0" smtClean="0"/>
+              <a:t>R</a:t>
+            </a:r>
+            <a:r>
+              <a:rPr lang="zh-CN" altLang="zh-CN" dirty="0" smtClean="0"/>
+              <a:t>程序</a:t>
+            </a:r>
+            <a:r>
+              <a:rPr lang="zh-CN" altLang="en-US" dirty="0" smtClean="0"/>
+              <a:t>文件</a:t>
+            </a:r>
+            <a:r>
+              <a:rPr lang="zh-CN" altLang="zh-CN" dirty="0" smtClean="0"/>
+              <a:t>，添加下面的语句</a:t>
+            </a:r>
+          </a:p>
+          <a:p>
+            <a:r>
+              <a:rPr lang="en-US" altLang="zh-CN" dirty="0" smtClean="0"/>
+              <a:t>.</a:t>
+            </a:r>
+            <a:r>
+              <a:rPr lang="en-US" altLang="zh-CN" dirty="0" err="1" smtClean="0"/>
+              <a:t>libPaths</a:t>
+            </a:r>
+            <a:r>
+              <a:rPr lang="en-US" altLang="zh-CN" dirty="0" smtClean="0"/>
+              <a:t>("c:/</a:t>
+            </a:r>
+            <a:r>
+              <a:rPr lang="en-US" altLang="zh-CN" dirty="0" err="1" smtClean="0"/>
+              <a:t>qjt/R/mylibrary</a:t>
+            </a:r>
+            <a:r>
+              <a:rPr lang="en-US" altLang="zh-CN" dirty="0" smtClean="0"/>
+              <a:t>")</a:t>
             </a:r>
             <a:endParaRPr lang="zh-CN" altLang="zh-CN" dirty="0" smtClean="0"/>
           </a:p>
           <a:p>
             <a:r>
-              <a:rPr lang="zh-CN" altLang="zh-CN" dirty="0" smtClean="0"/>
-              <a:t>如果</a:t>
-            </a:r>
-            <a:r>
-              <a:rPr lang="en-US" altLang="zh-CN" dirty="0" err="1" smtClean="0"/>
-              <a:t>f.R</a:t>
-            </a:r>
-            <a:r>
-              <a:rPr lang="zh-CN" altLang="zh-CN" dirty="0" smtClean="0"/>
-              <a:t>和</a:t>
-            </a:r>
-            <a:r>
-              <a:rPr lang="en-US" altLang="zh-CN" dirty="0" err="1" smtClean="0"/>
-              <a:t>tes.R</a:t>
-            </a:r>
-            <a:r>
-              <a:rPr lang="zh-CN" altLang="zh-CN" dirty="0" smtClean="0"/>
-              <a:t>不在同一个文件夹下，</a:t>
-            </a:r>
-            <a:r>
-              <a:rPr lang="en-US" altLang="zh-CN" dirty="0" smtClean="0"/>
-              <a:t>source</a:t>
-            </a:r>
-            <a:r>
-              <a:rPr lang="zh-CN" altLang="zh-CN" dirty="0" smtClean="0"/>
-              <a:t>的参数需要给出绝对路径或相对路径。</a:t>
-            </a:r>
+              <a:rPr lang="en-US" altLang="zh-CN" dirty="0" smtClean="0"/>
+              <a:t>library(fun)</a:t>
+            </a:r>
+          </a:p>
+          <a:p>
+            <a:r>
+              <a:rPr lang="zh-CN" altLang="zh-CN" dirty="0" smtClean="0"/>
+              <a:t>第一条语句是说，指定</a:t>
+            </a:r>
+            <a:r>
+              <a:rPr lang="en-US" altLang="zh-CN" dirty="0" smtClean="0"/>
+              <a:t>’</a:t>
+            </a:r>
+            <a:r>
+              <a:rPr lang="zh-CN" altLang="zh-CN" dirty="0" smtClean="0"/>
+              <a:t>库</a:t>
+            </a:r>
+            <a:r>
+              <a:rPr lang="en-US" altLang="zh-CN" dirty="0" smtClean="0"/>
+              <a:t>library</a:t>
+            </a:r>
+            <a:r>
+              <a:rPr lang="zh-CN" altLang="zh-CN" dirty="0" smtClean="0"/>
+              <a:t>’的路径。第二条语句装载名为‘</a:t>
+            </a:r>
+            <a:r>
+              <a:rPr lang="en-US" altLang="zh-CN" dirty="0" smtClean="0"/>
+              <a:t>fun</a:t>
+            </a:r>
+            <a:r>
+              <a:rPr lang="zh-CN" altLang="zh-CN" dirty="0" smtClean="0"/>
+              <a:t>’的包。</a:t>
+            </a:r>
+            <a:endParaRPr lang="en-US" altLang="zh-CN" dirty="0" smtClean="0"/>
+          </a:p>
+          <a:p>
+            <a:r>
+              <a:rPr lang="zh-CN" altLang="zh-CN" dirty="0" smtClean="0"/>
+              <a:t>下面运行命令</a:t>
+            </a:r>
+          </a:p>
+          <a:p>
+            <a:r>
+              <a:rPr lang="en-US" altLang="zh-CN" dirty="0" err="1" smtClean="0"/>
+              <a:t>gomoku</a:t>
+            </a:r>
+            <a:r>
+              <a:rPr lang="en-US" altLang="zh-CN" dirty="0" smtClean="0"/>
+              <a:t>(n = 19)</a:t>
+            </a:r>
+            <a:endParaRPr lang="zh-CN" altLang="zh-CN" dirty="0" smtClean="0"/>
+          </a:p>
+          <a:p>
+            <a:r>
+              <a:rPr lang="zh-CN" altLang="zh-CN" dirty="0" smtClean="0"/>
+              <a:t>就可以玩围棋游戏。</a:t>
+            </a:r>
+          </a:p>
+          <a:p>
+            <a:endParaRPr lang="zh-CN" altLang="zh-CN" dirty="0" smtClean="0"/>
+          </a:p>
+          <a:p>
+            <a:pPr lvl="0"/>
+            <a:endParaRPr lang="zh-CN" altLang="zh-CN" dirty="0" smtClean="0"/>
           </a:p>
           <a:p>
             <a:endParaRPr lang="zh-CN" altLang="en-US" dirty="0"/>
@@ -5765,6 +5664,207 @@
 </file>
 
 <file path=ppt/slides/slide114.xml><?xml version="1.0" encoding="utf-8"?>
+<p:sld xmlns:a="http://schemas.openxmlformats.org/drawingml/2006/main" xmlns:r="http://schemas.openxmlformats.org/officeDocument/2006/relationships" xmlns:p="http://schemas.openxmlformats.org/presentationml/2006/main">
+  <p:cSld>
+    <p:spTree>
+      <p:nvGrpSpPr>
+        <p:cNvPr id="1" name=""/>
+        <p:cNvGrpSpPr/>
+        <p:nvPr/>
+      </p:nvGrpSpPr>
+      <p:grpSpPr>
+        <a:xfrm>
+          <a:off x="0" y="0"/>
+          <a:ext cx="0" cy="0"/>
+          <a:chOff x="0" y="0"/>
+          <a:chExt cx="0" cy="0"/>
+        </a:xfrm>
+      </p:grpSpPr>
+      <p:sp>
+        <p:nvSpPr>
+          <p:cNvPr id="2" name="标题 1"/>
+          <p:cNvSpPr>
+            <a:spLocks noGrp="1"/>
+          </p:cNvSpPr>
+          <p:nvPr>
+            <p:ph type="title"/>
+          </p:nvPr>
+        </p:nvSpPr>
+        <p:spPr/>
+        <p:txBody>
+          <a:bodyPr>
+            <a:normAutofit/>
+          </a:bodyPr>
+          <a:lstStyle/>
+          <a:p>
+            <a:r>
+              <a:rPr lang="zh-CN" altLang="zh-CN" b="1" dirty="0" smtClean="0"/>
+              <a:t>运行其他程序文件</a:t>
+            </a:r>
+            <a:endParaRPr lang="zh-CN" altLang="en-US" dirty="0"/>
+          </a:p>
+        </p:txBody>
+      </p:sp>
+      <p:sp>
+        <p:nvSpPr>
+          <p:cNvPr id="3" name="内容占位符 2"/>
+          <p:cNvSpPr>
+            <a:spLocks noGrp="1"/>
+          </p:cNvSpPr>
+          <p:nvPr>
+            <p:ph idx="1"/>
+          </p:nvPr>
+        </p:nvSpPr>
+        <p:spPr/>
+        <p:txBody>
+          <a:bodyPr>
+            <a:normAutofit fontScale="92500" lnSpcReduction="10000"/>
+          </a:bodyPr>
+          <a:lstStyle/>
+          <a:p>
+            <a:r>
+              <a:rPr lang="zh-CN" altLang="zh-CN" dirty="0" smtClean="0"/>
+              <a:t>经常我们也可以得到其他人写的程序，或我们将常用的函数放到一个专门的文件里。例如</a:t>
+            </a:r>
+            <a:r>
+              <a:rPr lang="en-US" altLang="zh-CN" dirty="0" err="1" smtClean="0"/>
+              <a:t>f.R</a:t>
+            </a:r>
+            <a:r>
+              <a:rPr lang="zh-CN" altLang="zh-CN" dirty="0" smtClean="0"/>
+              <a:t>专门放用户自定义函数，在一个</a:t>
+            </a:r>
+            <a:r>
+              <a:rPr lang="en-US" altLang="zh-CN" dirty="0" err="1" smtClean="0"/>
+              <a:t>test.R</a:t>
+            </a:r>
+            <a:r>
+              <a:rPr lang="zh-CN" altLang="zh-CN" dirty="0" smtClean="0"/>
+              <a:t>文件里，我们需要调用</a:t>
+            </a:r>
+            <a:r>
+              <a:rPr lang="en-US" altLang="zh-CN" dirty="0" err="1" smtClean="0"/>
+              <a:t>f.R</a:t>
+            </a:r>
+            <a:r>
+              <a:rPr lang="zh-CN" altLang="zh-CN" dirty="0" smtClean="0"/>
+              <a:t>里的函数，我们需要运行</a:t>
+            </a:r>
+            <a:r>
+              <a:rPr lang="en-US" altLang="zh-CN" dirty="0" err="1" smtClean="0"/>
+              <a:t>f.R</a:t>
+            </a:r>
+            <a:r>
+              <a:rPr lang="zh-CN" altLang="zh-CN" dirty="0" smtClean="0"/>
+              <a:t>文件。此时用的是</a:t>
+            </a:r>
+            <a:r>
+              <a:rPr lang="en-US" altLang="zh-CN" dirty="0" smtClean="0"/>
+              <a:t>source()</a:t>
+            </a:r>
+            <a:r>
+              <a:rPr lang="zh-CN" altLang="zh-CN" dirty="0" smtClean="0"/>
+              <a:t>函数。假设</a:t>
+            </a:r>
+            <a:r>
+              <a:rPr lang="en-US" altLang="zh-CN" dirty="0" err="1" smtClean="0"/>
+              <a:t>f.R</a:t>
+            </a:r>
+            <a:r>
+              <a:rPr lang="zh-CN" altLang="zh-CN" dirty="0" smtClean="0"/>
+              <a:t>和</a:t>
+            </a:r>
+            <a:r>
+              <a:rPr lang="en-US" altLang="zh-CN" dirty="0" err="1" smtClean="0"/>
+              <a:t>test.R</a:t>
+            </a:r>
+            <a:r>
+              <a:rPr lang="zh-CN" altLang="zh-CN" dirty="0" smtClean="0"/>
+              <a:t>在同一个文件夹下，在</a:t>
+            </a:r>
+            <a:r>
+              <a:rPr lang="en-US" altLang="zh-CN" dirty="0" err="1" smtClean="0"/>
+              <a:t>test.R</a:t>
+            </a:r>
+            <a:r>
+              <a:rPr lang="zh-CN" altLang="zh-CN" dirty="0" smtClean="0"/>
+              <a:t>文件中，在调用</a:t>
+            </a:r>
+            <a:r>
+              <a:rPr lang="en-US" altLang="zh-CN" dirty="0" err="1" smtClean="0"/>
+              <a:t>f.R</a:t>
+            </a:r>
+            <a:r>
+              <a:rPr lang="zh-CN" altLang="zh-CN" dirty="0" smtClean="0"/>
+              <a:t>中的函数之前，加入下面的语句。</a:t>
+            </a:r>
+          </a:p>
+          <a:p>
+            <a:r>
+              <a:rPr lang="en-US" altLang="zh-CN" dirty="0" smtClean="0"/>
+              <a:t>source('</a:t>
+            </a:r>
+            <a:r>
+              <a:rPr lang="en-US" altLang="zh-CN" dirty="0" err="1" smtClean="0"/>
+              <a:t>f.r</a:t>
+            </a:r>
+            <a:r>
+              <a:rPr lang="en-US" altLang="zh-CN" dirty="0" smtClean="0"/>
+              <a:t>')</a:t>
+            </a:r>
+            <a:endParaRPr lang="zh-CN" altLang="zh-CN" dirty="0" smtClean="0"/>
+          </a:p>
+          <a:p>
+            <a:r>
+              <a:rPr lang="zh-CN" altLang="zh-CN" dirty="0" smtClean="0"/>
+              <a:t>如果</a:t>
+            </a:r>
+            <a:r>
+              <a:rPr lang="en-US" altLang="zh-CN" dirty="0" err="1" smtClean="0"/>
+              <a:t>f.R</a:t>
+            </a:r>
+            <a:r>
+              <a:rPr lang="zh-CN" altLang="zh-CN" dirty="0" smtClean="0"/>
+              <a:t>和</a:t>
+            </a:r>
+            <a:r>
+              <a:rPr lang="en-US" altLang="zh-CN" dirty="0" err="1" smtClean="0"/>
+              <a:t>tes.R</a:t>
+            </a:r>
+            <a:r>
+              <a:rPr lang="zh-CN" altLang="zh-CN" dirty="0" smtClean="0"/>
+              <a:t>不在同一个文件夹下，</a:t>
+            </a:r>
+            <a:r>
+              <a:rPr lang="en-US" altLang="zh-CN" dirty="0" smtClean="0"/>
+              <a:t>source</a:t>
+            </a:r>
+            <a:r>
+              <a:rPr lang="zh-CN" altLang="zh-CN" dirty="0" smtClean="0"/>
+              <a:t>的参数需要给出绝对路径或相对路径。</a:t>
+            </a:r>
+          </a:p>
+          <a:p>
+            <a:endParaRPr lang="zh-CN" altLang="en-US" dirty="0"/>
+          </a:p>
+        </p:txBody>
+      </p:sp>
+    </p:spTree>
+  </p:cSld>
+  <p:clrMapOvr>
+    <a:masterClrMapping/>
+  </p:clrMapOvr>
+  <p:timing>
+    <p:tnLst>
+      <p:par>
+        <p:cTn id="1" dur="indefinite" restart="never" nodeType="tmRoot"/>
+      </p:par>
+    </p:tnLst>
+  </p:timing>
+</p:sld>
+</file>
+
+<file path=ppt/slides/slide115.xml><?xml version="1.0" encoding="utf-8"?>
 <p:sld xmlns:a="http://schemas.openxmlformats.org/drawingml/2006/main" xmlns:r="http://schemas.openxmlformats.org/officeDocument/2006/relationships" xmlns:p="http://schemas.openxmlformats.org/presentationml/2006/main">
   <p:cSld>
     <p:spTree>
@@ -11574,12 +11674,8 @@
               <a:t>1</a:t>
             </a:r>
             <a:r>
-              <a:rPr lang="zh-CN" altLang="en-US" smtClean="0"/>
-              <a:t>到该参数中</a:t>
-            </a:r>
-            <a:r>
-              <a:rPr lang="zh-CN" altLang="en-US" dirty="0" smtClean="0"/>
-              <a:t>的所有素数。结果放到一个</a:t>
+              <a:rPr lang="zh-CN" altLang="en-US" dirty="0" smtClean="0"/>
+              <a:t>到该参数中的所有素数。结果放到一个</a:t>
             </a:r>
             <a:r>
               <a:rPr lang="en-US" altLang="zh-CN" dirty="0" smtClean="0"/>
@@ -11714,11 +11810,7 @@
           <a:p>
             <a:r>
               <a:rPr lang="zh-CN" altLang="en-US" dirty="0" smtClean="0"/>
-              <a:t>调用该函数，在控制台输出</a:t>
-            </a:r>
-            <a:r>
-              <a:rPr lang="zh-CN" altLang="en-US" dirty="0" smtClean="0"/>
-              <a:t>结果</a:t>
+              <a:t>调用该函数，在控制台输出结果</a:t>
             </a:r>
             <a:endParaRPr lang="en-US" altLang="zh-CN" dirty="0" smtClean="0"/>
           </a:p>
@@ -12673,16 +12765,12 @@
               <a:t>对</a:t>
             </a:r>
             <a:r>
-              <a:rPr lang="en-US" altLang="zh-CN" smtClean="0"/>
+              <a:rPr lang="en-US" altLang="zh-CN" dirty="0" smtClean="0"/>
               <a:t>1-10</a:t>
             </a:r>
             <a:r>
-              <a:rPr lang="zh-CN" altLang="en-US" smtClean="0"/>
-              <a:t>的</a:t>
-            </a:r>
-            <a:r>
-              <a:rPr lang="zh-CN" altLang="en-US" dirty="0" smtClean="0"/>
-              <a:t>数可重复抽样</a:t>
+              <a:rPr lang="zh-CN" altLang="en-US" dirty="0" smtClean="0"/>
+              <a:t>的数可重复抽样</a:t>
             </a:r>
             <a:r>
               <a:rPr lang="en-US" altLang="zh-CN" dirty="0" smtClean="0"/>
@@ -13939,8 +14027,8 @@
               <a:t>有一个</a:t>
             </a:r>
             <a:r>
-              <a:rPr lang="en-US" altLang="zh-CN" dirty="0" err="1" smtClean="0"/>
-              <a:t>womensrole.txt</a:t>
+              <a:rPr lang="en-US" altLang="zh-CN" dirty="0" smtClean="0"/>
+              <a:t>womenroles.txt</a:t>
             </a:r>
             <a:r>
               <a:rPr lang="zh-CN" altLang="en-US" dirty="0" smtClean="0"/>
@@ -16902,7 +16990,7 @@
         <p:spPr/>
         <p:txBody>
           <a:bodyPr>
-            <a:normAutofit fontScale="92500" lnSpcReduction="10000"/>
+            <a:normAutofit lnSpcReduction="10000"/>
           </a:bodyPr>
           <a:lstStyle/>
           <a:p>
@@ -16930,17 +17018,50 @@
               <a:t>matrix</a:t>
             </a:r>
             <a:r>
-              <a:rPr lang="zh-CN" altLang="zh-CN" dirty="0" smtClean="0"/>
-              <a:t>的每个数据上（即将数据对象中的每个元素依次提交给函数，再得到函数的值组合成新的数据对象）使用</a:t>
-            </a:r>
-            <a:r>
-              <a:rPr lang="en-US" altLang="zh-CN" dirty="0" smtClean="0"/>
-              <a:t>apply</a:t>
-            </a:r>
-            <a:r>
-              <a:rPr lang="zh-CN" altLang="zh-CN" dirty="0" smtClean="0"/>
-              <a:t>函数</a:t>
-            </a:r>
+              <a:rPr lang="zh-CN" altLang="en-US" b="1" dirty="0" smtClean="0"/>
+              <a:t>或</a:t>
+            </a:r>
+            <a:r>
+              <a:rPr lang="en-US" altLang="zh-CN" b="1" dirty="0" smtClean="0"/>
+              <a:t>data frame</a:t>
+            </a:r>
+            <a:r>
+              <a:rPr lang="zh-CN" altLang="zh-CN" dirty="0" smtClean="0"/>
+              <a:t>的</a:t>
+            </a:r>
+            <a:r>
+              <a:rPr lang="zh-CN" altLang="en-US" dirty="0" smtClean="0"/>
+              <a:t>某</a:t>
+            </a:r>
+            <a:r>
+              <a:rPr lang="zh-CN" altLang="zh-CN" dirty="0" smtClean="0"/>
+              <a:t>个</a:t>
+            </a:r>
+            <a:r>
+              <a:rPr lang="zh-CN" altLang="en-US" dirty="0" smtClean="0"/>
+              <a:t>维度的</a:t>
+            </a:r>
+            <a:r>
+              <a:rPr lang="zh-CN" altLang="zh-CN" dirty="0" smtClean="0"/>
+              <a:t>数据上</a:t>
+            </a:r>
+            <a:r>
+              <a:rPr lang="zh-CN" altLang="en-US" dirty="0" smtClean="0"/>
+              <a:t>，</a:t>
+            </a:r>
+            <a:r>
+              <a:rPr lang="zh-CN" altLang="zh-CN" dirty="0" smtClean="0"/>
+              <a:t>得到</a:t>
+            </a:r>
+            <a:r>
+              <a:rPr lang="zh-CN" altLang="zh-CN" dirty="0" smtClean="0"/>
+              <a:t>函数的值组合成新的数据</a:t>
+            </a:r>
+            <a:r>
+              <a:rPr lang="zh-CN" altLang="zh-CN" dirty="0" smtClean="0"/>
+              <a:t>对象</a:t>
+            </a:r>
+            <a:endParaRPr lang="zh-CN" altLang="zh-CN" dirty="0" smtClean="0"/>
           </a:p>
           <a:p>
             <a:r>
@@ -17824,14 +17945,18 @@
           </a:p>
           <a:p>
             <a:r>
-              <a:rPr lang="zh-CN" altLang="zh-CN" dirty="0" smtClean="0"/>
-              <a:t>然后，在两个维度上找最大值</a:t>
-            </a:r>
-          </a:p>
-          <a:p>
-            <a:r>
-              <a:rPr lang="en-US" altLang="zh-CN" dirty="0" smtClean="0"/>
-              <a:t>apply(X=x, FUN=max, MARGIN=c(1,2))</a:t>
+              <a:rPr lang="zh-CN" altLang="zh-CN" dirty="0"/>
+              <a:t>沿着某个维度，找最大值，然后映射到一个二维矩阵时</a:t>
+            </a:r>
+          </a:p>
+          <a:p>
+            <a:r>
+              <a:rPr lang="en-US" altLang="zh-CN" dirty="0" smtClean="0"/>
+              <a:t>apply(X=x</a:t>
+            </a:r>
+            <a:r>
+              <a:rPr lang="en-US" altLang="zh-CN" dirty="0" smtClean="0"/>
+              <a:t>, FUN=max, MARGIN=c(1,2))</a:t>
             </a:r>
             <a:endParaRPr lang="zh-CN" altLang="zh-CN" dirty="0" smtClean="0"/>
           </a:p>
@@ -17939,14 +18064,18 @@
           <a:lstStyle/>
           <a:p>
             <a:r>
-              <a:rPr lang="zh-CN" altLang="zh-CN" dirty="0" smtClean="0"/>
-              <a:t>而，在一个维度上找最大值，</a:t>
-            </a:r>
-          </a:p>
-          <a:p>
-            <a:r>
-              <a:rPr lang="en-US" altLang="zh-CN" dirty="0" smtClean="0"/>
-              <a:t>apply(X=x, FUN=max, MARGIN=1)</a:t>
+              <a:rPr lang="zh-CN" altLang="zh-CN" dirty="0"/>
+              <a:t>而沿着两个维度上找最大值，最后映射到一个维度上时</a:t>
+            </a:r>
+          </a:p>
+          <a:p>
+            <a:r>
+              <a:rPr lang="en-US" altLang="zh-CN" dirty="0" smtClean="0"/>
+              <a:t>apply(X=x</a:t>
+            </a:r>
+            <a:r>
+              <a:rPr lang="en-US" altLang="zh-CN" dirty="0" smtClean="0"/>
+              <a:t>, FUN=max, MARGIN=1)</a:t>
             </a:r>
             <a:endParaRPr lang="zh-CN" altLang="zh-CN" dirty="0" smtClean="0"/>
           </a:p>
@@ -17962,12 +18091,6 @@
               <a:t>得到的结果是一维的</a:t>
             </a:r>
             <a:endParaRPr lang="en-US" altLang="zh-CN" dirty="0" smtClean="0"/>
-          </a:p>
-          <a:p>
-            <a:r>
-              <a:rPr lang="zh-CN" altLang="en-US" dirty="0" smtClean="0"/>
-              <a:t>想想，为什么？</a:t>
-            </a:r>
           </a:p>
           <a:p>
             <a:endParaRPr lang="zh-CN" altLang="zh-CN" dirty="0" smtClean="0"/>
@@ -18041,7 +18164,7 @@
         <p:spPr/>
         <p:txBody>
           <a:bodyPr>
-            <a:normAutofit lnSpcReduction="10000"/>
+            <a:normAutofit fontScale="92500" lnSpcReduction="20000"/>
           </a:bodyPr>
           <a:lstStyle/>
           <a:p>
@@ -18070,31 +18193,54 @@
             </a:r>
             <a:r>
               <a:rPr lang="zh-CN" altLang="zh-CN" dirty="0" smtClean="0"/>
-              <a:t>或</a:t>
+              <a:t>对象</a:t>
+            </a:r>
+            <a:r>
+              <a:rPr lang="zh-CN" altLang="en-US" dirty="0" smtClean="0"/>
+              <a:t>的每个元素</a:t>
+            </a:r>
+            <a:r>
+              <a:rPr lang="zh-CN" altLang="zh-CN" dirty="0" smtClean="0"/>
+              <a:t>上</a:t>
+            </a:r>
+            <a:r>
+              <a:rPr lang="zh-CN" altLang="zh-CN" dirty="0" smtClean="0"/>
+              <a:t>，然后得到一个</a:t>
+            </a:r>
+            <a:r>
+              <a:rPr lang="en-US" altLang="zh-CN" dirty="0" smtClean="0"/>
+              <a:t>list</a:t>
+            </a:r>
+            <a:r>
+              <a:rPr lang="zh-CN" altLang="zh-CN" dirty="0" smtClean="0"/>
+              <a:t>数据</a:t>
+            </a:r>
+            <a:r>
+              <a:rPr lang="zh-CN" altLang="zh-CN" dirty="0" smtClean="0"/>
+              <a:t>对象</a:t>
+            </a:r>
+            <a:r>
+              <a:rPr lang="zh-CN" altLang="en-US" dirty="0" smtClean="0"/>
+              <a:t>。对于</a:t>
             </a:r>
             <a:r>
               <a:rPr lang="en-US" altLang="zh-CN" dirty="0" smtClean="0"/>
               <a:t>data frame</a:t>
             </a:r>
             <a:r>
-              <a:rPr lang="zh-CN" altLang="zh-CN" dirty="0" smtClean="0"/>
-              <a:t>对象上，然后得到一个</a:t>
-            </a:r>
-            <a:r>
-              <a:rPr lang="en-US" altLang="zh-CN" dirty="0" smtClean="0"/>
-              <a:t>list</a:t>
-            </a:r>
-            <a:r>
-              <a:rPr lang="zh-CN" altLang="zh-CN" dirty="0" smtClean="0"/>
-              <a:t>数据对象，可以使用</a:t>
-            </a:r>
-            <a:r>
-              <a:rPr lang="en-US" altLang="zh-CN" dirty="0" err="1" smtClean="0"/>
-              <a:t>lapply</a:t>
-            </a:r>
-            <a:r>
-              <a:rPr lang="zh-CN" altLang="zh-CN" dirty="0" smtClean="0"/>
-              <a:t>函数。该函数需要两个参数，一个对象</a:t>
+              <a:rPr lang="zh-CN" altLang="en-US" dirty="0" smtClean="0"/>
+              <a:t>则是作用在每列上。</a:t>
+            </a:r>
+            <a:endParaRPr lang="en-US" altLang="zh-CN" dirty="0"/>
+          </a:p>
+          <a:p>
+            <a:r>
+              <a:rPr lang="zh-CN" altLang="zh-CN" dirty="0" smtClean="0"/>
+              <a:t>该</a:t>
+            </a:r>
+            <a:r>
+              <a:rPr lang="zh-CN" altLang="zh-CN" dirty="0" smtClean="0"/>
+              <a:t>函数需要两个参数，一个对象</a:t>
             </a:r>
             <a:r>
               <a:rPr lang="en-US" altLang="zh-CN" dirty="0" smtClean="0"/>
@@ -18118,7 +18264,15 @@
             </a:r>
             <a:r>
               <a:rPr lang="zh-CN" altLang="zh-CN" dirty="0" smtClean="0"/>
-              <a:t>函数需要参数，可以在自己设定附加的参数。</a:t>
+              <a:t>函数需要参数，</a:t>
+            </a:r>
+            <a:r>
+              <a:rPr lang="zh-CN" altLang="zh-CN" dirty="0" smtClean="0"/>
+              <a:t>可以自己</a:t>
+            </a:r>
+            <a:r>
+              <a:rPr lang="zh-CN" altLang="zh-CN" dirty="0" smtClean="0"/>
+              <a:t>设定附加的参数。</a:t>
             </a:r>
             <a:endParaRPr lang="en-US" altLang="zh-CN" dirty="0" smtClean="0"/>
           </a:p>
@@ -18429,7 +18583,19 @@
           <a:p>
             <a:r>
               <a:rPr lang="zh-CN" altLang="zh-CN" dirty="0" smtClean="0"/>
-              <a:t>有时想得到的是</a:t>
+              <a:t>有时</a:t>
+            </a:r>
+            <a:r>
+              <a:rPr lang="zh-CN" altLang="zh-CN" dirty="0" smtClean="0"/>
+              <a:t>想</a:t>
+            </a:r>
+            <a:r>
+              <a:rPr lang="zh-CN" altLang="en-US" dirty="0" smtClean="0"/>
+              <a:t>返回的结果</a:t>
+            </a:r>
+            <a:r>
+              <a:rPr lang="zh-CN" altLang="zh-CN" dirty="0" smtClean="0"/>
+              <a:t>是</a:t>
             </a:r>
             <a:r>
               <a:rPr lang="en-US" altLang="zh-CN" dirty="0" smtClean="0"/>
@@ -18486,40 +18652,6 @@
             <a:r>
               <a:rPr lang="zh-CN" altLang="zh-CN" dirty="0" smtClean="0"/>
               <a:t>或矩阵。</a:t>
-            </a:r>
-          </a:p>
-          <a:p>
-            <a:r>
-              <a:rPr lang="en-US" altLang="zh-CN" dirty="0" err="1" smtClean="0"/>
-              <a:t>Sapply</a:t>
-            </a:r>
-            <a:r>
-              <a:rPr lang="zh-CN" altLang="zh-CN" dirty="0" smtClean="0"/>
-              <a:t>与</a:t>
-            </a:r>
-            <a:r>
-              <a:rPr lang="en-US" altLang="zh-CN" dirty="0" smtClean="0"/>
-              <a:t>apply</a:t>
-            </a:r>
-            <a:r>
-              <a:rPr lang="zh-CN" altLang="zh-CN" dirty="0" smtClean="0"/>
-              <a:t>的不同在于，</a:t>
-            </a:r>
-            <a:r>
-              <a:rPr lang="en-US" altLang="zh-CN" dirty="0" smtClean="0"/>
-              <a:t>apply</a:t>
-            </a:r>
-            <a:r>
-              <a:rPr lang="zh-CN" altLang="zh-CN" dirty="0" smtClean="0"/>
-              <a:t>规定了将函数作用在哪个维度上，而</a:t>
-            </a:r>
-            <a:r>
-              <a:rPr lang="en-US" altLang="zh-CN" dirty="0" err="1" smtClean="0"/>
-              <a:t>sapply</a:t>
-            </a:r>
-            <a:r>
-              <a:rPr lang="zh-CN" altLang="zh-CN" dirty="0" smtClean="0"/>
-              <a:t>是作用在每个元素上。</a:t>
             </a:r>
           </a:p>
           <a:p>
@@ -18770,76 +18902,101 @@
           <a:lstStyle/>
           <a:p>
             <a:r>
-              <a:rPr lang="en-US" altLang="zh-CN" dirty="0" smtClean="0"/>
-              <a:t>Tips:</a:t>
-            </a:r>
-            <a:endParaRPr lang="zh-CN" altLang="zh-CN" dirty="0" smtClean="0"/>
-          </a:p>
-          <a:p>
-            <a:r>
-              <a:rPr lang="en-US" altLang="zh-CN" dirty="0" smtClean="0"/>
-              <a:t>Apply</a:t>
-            </a:r>
-            <a:r>
-              <a:rPr lang="zh-CN" altLang="zh-CN" dirty="0" smtClean="0"/>
-              <a:t>适用于去处理</a:t>
-            </a:r>
-            <a:r>
-              <a:rPr lang="en-US" altLang="zh-CN" dirty="0" smtClean="0"/>
-              <a:t>array</a:t>
-            </a:r>
-            <a:r>
-              <a:rPr lang="zh-CN" altLang="zh-CN" dirty="0" smtClean="0"/>
-              <a:t>或</a:t>
-            </a:r>
-            <a:r>
-              <a:rPr lang="en-US" altLang="zh-CN" dirty="0" smtClean="0"/>
-              <a:t>Matrix</a:t>
-            </a:r>
-            <a:r>
-              <a:rPr lang="zh-CN" altLang="zh-CN" dirty="0" smtClean="0"/>
-              <a:t>数据，</a:t>
-            </a:r>
-            <a:r>
-              <a:rPr lang="en-US" altLang="zh-CN" dirty="0" err="1" smtClean="0"/>
+              <a:rPr lang="zh-CN" altLang="zh-CN" dirty="0"/>
+              <a:t>发现当数据对象是矩阵时，</a:t>
+            </a:r>
+            <a:r>
+              <a:rPr lang="en-US" altLang="zh-CN" dirty="0" err="1"/>
               <a:t>sapply</a:t>
             </a:r>
             <a:r>
-              <a:rPr lang="zh-CN" altLang="zh-CN" dirty="0" smtClean="0"/>
-              <a:t>适用于处理</a:t>
-            </a:r>
-            <a:r>
-              <a:rPr lang="en-US" altLang="zh-CN" dirty="0" smtClean="0"/>
-              <a:t>list</a:t>
-            </a:r>
-            <a:r>
-              <a:rPr lang="zh-CN" altLang="zh-CN" dirty="0" smtClean="0"/>
-              <a:t>，</a:t>
-            </a:r>
-            <a:r>
-              <a:rPr lang="en-US" altLang="zh-CN" dirty="0" smtClean="0"/>
+              <a:rPr lang="zh-CN" altLang="zh-CN" dirty="0"/>
+              <a:t>是逐个元素遍历。而当数据对象是</a:t>
+            </a:r>
+            <a:r>
+              <a:rPr lang="en-US" altLang="zh-CN" dirty="0"/>
               <a:t>data frame</a:t>
             </a:r>
             <a:r>
-              <a:rPr lang="zh-CN" altLang="zh-CN" dirty="0" smtClean="0"/>
-              <a:t>数据。</a:t>
+              <a:rPr lang="zh-CN" altLang="zh-CN" dirty="0"/>
+              <a:t>时，是逐列遍历。而是一个</a:t>
+            </a:r>
+            <a:r>
+              <a:rPr lang="en-US" altLang="zh-CN" dirty="0"/>
+              <a:t>data frame</a:t>
+            </a:r>
+            <a:r>
+              <a:rPr lang="zh-CN" altLang="zh-CN" dirty="0"/>
+              <a:t>的列时，则该列的逐个元素遍历。</a:t>
+            </a:r>
+          </a:p>
+          <a:p>
+            <a:r>
+              <a:rPr lang="en-US" altLang="zh-CN" dirty="0" smtClean="0"/>
+              <a:t>m&lt;-</a:t>
+            </a:r>
+            <a:r>
+              <a:rPr lang="en-US" altLang="zh-CN" dirty="0" err="1"/>
+              <a:t>data.frame</a:t>
+            </a:r>
+            <a:r>
+              <a:rPr lang="en-US" altLang="zh-CN" dirty="0"/>
+              <a:t>(a=c(1,2,3), b=c(4,5,6))</a:t>
+            </a:r>
+          </a:p>
+          <a:p>
+            <a:r>
+              <a:rPr lang="en-US" altLang="zh-CN" dirty="0"/>
+              <a:t>b&lt;-</a:t>
+            </a:r>
+            <a:r>
+              <a:rPr lang="en-US" altLang="zh-CN" dirty="0" err="1" smtClean="0"/>
+              <a:t>sapply</a:t>
+            </a:r>
+            <a:r>
+              <a:rPr lang="en-US" altLang="zh-CN" dirty="0" smtClean="0"/>
+              <a:t>(a, </a:t>
+            </a:r>
+            <a:r>
+              <a:rPr lang="en-US" altLang="zh-CN" dirty="0"/>
+              <a:t>max</a:t>
+            </a:r>
+            <a:r>
+              <a:rPr lang="en-US" altLang="zh-CN" dirty="0" smtClean="0"/>
+              <a:t>)</a:t>
+            </a:r>
+          </a:p>
+          <a:p>
+            <a:r>
+              <a:rPr lang="en-US" altLang="zh-CN" dirty="0" smtClean="0"/>
+              <a:t>b</a:t>
+            </a:r>
+            <a:r>
+              <a:rPr lang="zh-CN" altLang="en-US" dirty="0" smtClean="0"/>
+              <a:t>保存了</a:t>
+            </a:r>
+            <a:r>
+              <a:rPr lang="en-US" altLang="zh-CN" dirty="0" smtClean="0"/>
+              <a:t>data frame</a:t>
+            </a:r>
+            <a:r>
+              <a:rPr lang="zh-CN" altLang="en-US" dirty="0" smtClean="0"/>
+              <a:t>中每列的最大值</a:t>
             </a:r>
             <a:endParaRPr lang="zh-CN" altLang="en-US" dirty="0"/>
           </a:p>
         </p:txBody>
       </p:sp>
     </p:spTree>
+    <p:extLst>
+      <p:ext uri="{BB962C8B-B14F-4D97-AF65-F5344CB8AC3E}">
+        <p14:creationId xmlns:p14="http://schemas.microsoft.com/office/powerpoint/2010/main" val="3039499627"/>
+      </p:ext>
+    </p:extLst>
   </p:cSld>
   <p:clrMapOvr>
     <a:masterClrMapping/>
   </p:clrMapOvr>
-  <p:timing>
-    <p:tnLst>
-      <p:par>
-        <p:cTn id="1" dur="indefinite" restart="never" nodeType="tmRoot"/>
-      </p:par>
-    </p:tnLst>
-  </p:timing>
 </p:sld>
 </file>
 
@@ -18891,94 +19048,119 @@
         </p:nvSpPr>
         <p:spPr/>
         <p:txBody>
-          <a:bodyPr/>
-          <a:lstStyle/>
-          <a:p>
-            <a:r>
-              <a:rPr lang="zh-CN" altLang="en-US" dirty="0" smtClean="0"/>
-              <a:t>练习：</a:t>
+          <a:bodyPr>
+            <a:normAutofit lnSpcReduction="10000"/>
+          </a:bodyPr>
+          <a:lstStyle/>
+          <a:p>
+            <a:r>
+              <a:rPr lang="zh-CN" altLang="en-US" dirty="0" smtClean="0"/>
+              <a:t>总结：</a:t>
             </a:r>
             <a:endParaRPr lang="en-US" altLang="zh-CN" dirty="0" smtClean="0"/>
           </a:p>
           <a:p>
             <a:r>
-              <a:rPr lang="zh-CN" altLang="en-US" dirty="0" smtClean="0"/>
-              <a:t>将</a:t>
-            </a:r>
-            <a:r>
-              <a:rPr lang="en-US" altLang="zh-CN" dirty="0" smtClean="0"/>
-              <a:t>iris</a:t>
-            </a:r>
-            <a:r>
-              <a:rPr lang="zh-CN" altLang="en-US" dirty="0" smtClean="0"/>
-              <a:t>数据集进行最大值规范化</a:t>
+              <a:rPr lang="en-US" altLang="zh-CN" dirty="0" smtClean="0"/>
+              <a:t>apply</a:t>
+            </a:r>
+            <a:r>
+              <a:rPr lang="zh-CN" altLang="en-US" dirty="0" smtClean="0"/>
+              <a:t>作用在</a:t>
+            </a:r>
+            <a:r>
+              <a:rPr lang="en-US" altLang="zh-CN" dirty="0" smtClean="0"/>
+              <a:t>array, matrix</a:t>
+            </a:r>
+            <a:r>
+              <a:rPr lang="zh-CN" altLang="en-US" dirty="0" smtClean="0"/>
+              <a:t>和</a:t>
+            </a:r>
+            <a:r>
+              <a:rPr lang="en-US" altLang="zh-CN" dirty="0" smtClean="0"/>
+              <a:t>data frame</a:t>
+            </a:r>
+            <a:r>
+              <a:rPr lang="zh-CN" altLang="en-US" dirty="0" smtClean="0"/>
+              <a:t>某个维度上</a:t>
             </a:r>
             <a:endParaRPr lang="en-US" altLang="zh-CN" dirty="0" smtClean="0"/>
           </a:p>
           <a:p>
-            <a:endParaRPr lang="en-US" altLang="zh-CN" dirty="0"/>
-          </a:p>
-          <a:p>
-            <a:r>
-              <a:rPr lang="zh-CN" altLang="en-US" dirty="0" smtClean="0"/>
-              <a:t>补充：假设有个</a:t>
-            </a:r>
-            <a:r>
-              <a:rPr lang="en-US" altLang="zh-CN" dirty="0" smtClean="0"/>
+            <a:r>
+              <a:rPr lang="zh-CN" altLang="zh-CN" dirty="0" smtClean="0"/>
+              <a:t>发现</a:t>
+            </a:r>
+            <a:r>
+              <a:rPr lang="zh-CN" altLang="zh-CN" dirty="0"/>
+              <a:t>当数据对象是矩阵或</a:t>
+            </a:r>
+            <a:r>
+              <a:rPr lang="en-US" altLang="zh-CN" dirty="0"/>
+              <a:t>array</a:t>
+            </a:r>
+            <a:r>
+              <a:rPr lang="zh-CN" altLang="zh-CN" dirty="0"/>
+              <a:t>时，</a:t>
+            </a:r>
+            <a:r>
+              <a:rPr lang="en-US" altLang="zh-CN" dirty="0" err="1"/>
+              <a:t>lapply</a:t>
+            </a:r>
+            <a:r>
+              <a:rPr lang="zh-CN" altLang="zh-CN" dirty="0"/>
+              <a:t>和</a:t>
+            </a:r>
+            <a:r>
+              <a:rPr lang="en-US" altLang="zh-CN" dirty="0" err="1"/>
+              <a:t>sapply</a:t>
+            </a:r>
+            <a:r>
+              <a:rPr lang="zh-CN" altLang="zh-CN" dirty="0"/>
+              <a:t>是逐个元素遍历。而当数据对象是</a:t>
+            </a:r>
+            <a:r>
+              <a:rPr lang="en-US" altLang="zh-CN" dirty="0"/>
               <a:t>data frame</a:t>
             </a:r>
             <a:r>
-              <a:rPr lang="zh-CN" altLang="en-US" dirty="0" smtClean="0"/>
-              <a:t>，</a:t>
-            </a:r>
-            <a:r>
-              <a:rPr lang="en-US" altLang="zh-CN" dirty="0" err="1" smtClean="0"/>
-              <a:t>dat</a:t>
-            </a:r>
-            <a:r>
-              <a:rPr lang="zh-CN" altLang="en-US" dirty="0" smtClean="0"/>
-              <a:t>。它有个列，列名为</a:t>
-            </a:r>
-            <a:r>
-              <a:rPr lang="en-US" altLang="zh-CN" dirty="0" smtClean="0"/>
-              <a:t>V1</a:t>
-            </a:r>
-            <a:r>
-              <a:rPr lang="zh-CN" altLang="en-US" dirty="0" smtClean="0"/>
-              <a:t>。可以通过</a:t>
-            </a:r>
-            <a:r>
-              <a:rPr lang="en-US" altLang="zh-CN" dirty="0" err="1" smtClean="0"/>
-              <a:t>dat</a:t>
-            </a:r>
-            <a:r>
-              <a:rPr lang="en-US" altLang="zh-CN" dirty="0" smtClean="0"/>
-              <a:t>[‘V1’]</a:t>
-            </a:r>
-            <a:r>
-              <a:rPr lang="zh-CN" altLang="en-US" dirty="0" smtClean="0"/>
-              <a:t>得到</a:t>
-            </a:r>
-            <a:r>
-              <a:rPr lang="en-US" altLang="zh-CN" dirty="0" smtClean="0"/>
-              <a:t>V1</a:t>
-            </a:r>
-            <a:r>
-              <a:rPr lang="zh-CN" altLang="en-US" dirty="0" smtClean="0"/>
-              <a:t>列。这称为</a:t>
-            </a:r>
-            <a:r>
-              <a:rPr lang="en-US" altLang="zh-CN" b="1" dirty="0"/>
-              <a:t>Bracket </a:t>
-            </a:r>
-            <a:r>
-              <a:rPr lang="en-US" altLang="zh-CN" b="1" dirty="0" smtClean="0"/>
-              <a:t>Notation</a:t>
-            </a:r>
-            <a:r>
-              <a:rPr lang="zh-CN" altLang="en-US" b="1" dirty="0" smtClean="0"/>
-              <a:t>（详见下页）。</a:t>
-            </a:r>
+              <a:rPr lang="zh-CN" altLang="zh-CN" dirty="0"/>
+              <a:t>时，是逐列遍历。而是一个</a:t>
+            </a:r>
+            <a:r>
+              <a:rPr lang="en-US" altLang="zh-CN" dirty="0"/>
+              <a:t>data frame</a:t>
+            </a:r>
+            <a:r>
+              <a:rPr lang="zh-CN" altLang="zh-CN" dirty="0"/>
+              <a:t>的列时，则该列的逐个元素遍历</a:t>
+            </a:r>
+            <a:r>
+              <a:rPr lang="zh-CN" altLang="zh-CN" dirty="0" smtClean="0"/>
+              <a:t>。</a:t>
+            </a:r>
+            <a:endParaRPr lang="en-US" altLang="zh-CN" dirty="0" smtClean="0"/>
+          </a:p>
+          <a:p>
+            <a:r>
+              <a:rPr lang="en-US" altLang="zh-CN" dirty="0" err="1" smtClean="0"/>
+              <a:t>Lapply</a:t>
+            </a:r>
+            <a:r>
+              <a:rPr lang="zh-CN" altLang="en-US" dirty="0" smtClean="0"/>
+              <a:t>和</a:t>
+            </a:r>
+            <a:r>
+              <a:rPr lang="en-US" altLang="zh-CN" dirty="0" err="1" smtClean="0"/>
+              <a:t>sapply</a:t>
+            </a:r>
+            <a:r>
+              <a:rPr lang="zh-CN" altLang="en-US" dirty="0" smtClean="0"/>
+              <a:t>功能相同，返回结果的数据结构不一样</a:t>
+            </a:r>
+            <a:endParaRPr lang="zh-CN" altLang="zh-CN" dirty="0"/>
+          </a:p>
+          <a:p>
             <a:endParaRPr lang="zh-CN" altLang="en-US" dirty="0"/>
           </a:p>
         </p:txBody>
@@ -18986,7 +19168,7 @@
     </p:spTree>
     <p:extLst>
       <p:ext uri="{BB962C8B-B14F-4D97-AF65-F5344CB8AC3E}">
-        <p14:creationId xmlns:p14="http://schemas.microsoft.com/office/powerpoint/2010/main" val="240682084"/>
+        <p14:creationId xmlns:p14="http://schemas.microsoft.com/office/powerpoint/2010/main" val="1953133803"/>
       </p:ext>
     </p:extLst>
   </p:cSld>
@@ -19056,37 +19238,81 @@
           <a:p>
             <a:r>
               <a:rPr lang="zh-CN" altLang="en-US" dirty="0" smtClean="0"/>
-              <a:t>随机产生一个</a:t>
-            </a:r>
-            <a:r>
-              <a:rPr lang="en-US" altLang="zh-CN" dirty="0" smtClean="0"/>
-              <a:t>10*10</a:t>
-            </a:r>
-            <a:r>
-              <a:rPr lang="zh-CN" altLang="en-US" dirty="0" smtClean="0"/>
-              <a:t>的二维矩阵，数值</a:t>
-            </a:r>
-            <a:r>
-              <a:rPr lang="en-US" altLang="zh-CN" dirty="0" smtClean="0"/>
-              <a:t>[-1,1]</a:t>
-            </a:r>
-          </a:p>
-          <a:p>
-            <a:r>
-              <a:rPr lang="zh-CN" altLang="en-US" dirty="0" smtClean="0"/>
-              <a:t>将所有小余</a:t>
-            </a:r>
-            <a:r>
-              <a:rPr lang="en-US" altLang="zh-CN" dirty="0" smtClean="0"/>
-              <a:t>0</a:t>
-            </a:r>
-            <a:r>
-              <a:rPr lang="zh-CN" altLang="en-US" dirty="0" smtClean="0"/>
-              <a:t>的值设为</a:t>
-            </a:r>
-            <a:r>
-              <a:rPr lang="en-US" altLang="zh-CN" dirty="0" smtClean="0"/>
-              <a:t>0.</a:t>
+              <a:t>将</a:t>
+            </a:r>
+            <a:r>
+              <a:rPr lang="en-US" altLang="zh-CN" dirty="0" smtClean="0"/>
+              <a:t>iris</a:t>
+            </a:r>
+            <a:r>
+              <a:rPr lang="zh-CN" altLang="en-US" dirty="0" smtClean="0"/>
+              <a:t>数据集进行最大值规范化</a:t>
+            </a:r>
+            <a:endParaRPr lang="en-US" altLang="zh-CN" dirty="0" smtClean="0"/>
+          </a:p>
+          <a:p>
+            <a:endParaRPr lang="en-US" altLang="zh-CN" dirty="0"/>
+          </a:p>
+          <a:p>
+            <a:r>
+              <a:rPr lang="zh-CN" altLang="en-US" dirty="0" smtClean="0"/>
+              <a:t>补充：假设有个</a:t>
+            </a:r>
+            <a:r>
+              <a:rPr lang="en-US" altLang="zh-CN" dirty="0" smtClean="0"/>
+              <a:t>data frame</a:t>
+            </a:r>
+            <a:r>
+              <a:rPr lang="zh-CN" altLang="en-US" dirty="0" smtClean="0"/>
+              <a:t>，</a:t>
+            </a:r>
+            <a:r>
+              <a:rPr lang="en-US" altLang="zh-CN" dirty="0" err="1" smtClean="0"/>
+              <a:t>dat</a:t>
+            </a:r>
+            <a:r>
+              <a:rPr lang="zh-CN" altLang="en-US" dirty="0" smtClean="0"/>
+              <a:t>。它有个列，列名为</a:t>
+            </a:r>
+            <a:r>
+              <a:rPr lang="en-US" altLang="zh-CN" dirty="0" smtClean="0"/>
+              <a:t>V1</a:t>
+            </a:r>
+            <a:r>
+              <a:rPr lang="zh-CN" altLang="en-US" dirty="0" smtClean="0"/>
+              <a:t>。可以通过</a:t>
+            </a:r>
+            <a:r>
+              <a:rPr lang="en-US" altLang="zh-CN" dirty="0" err="1" smtClean="0"/>
+              <a:t>dat</a:t>
+            </a:r>
+            <a:r>
+              <a:rPr lang="en-US" altLang="zh-CN" dirty="0" smtClean="0"/>
+              <a:t>[‘V1’]</a:t>
+            </a:r>
+            <a:r>
+              <a:rPr lang="zh-CN" altLang="en-US" dirty="0" smtClean="0"/>
+              <a:t>得到</a:t>
+            </a:r>
+            <a:r>
+              <a:rPr lang="en-US" altLang="zh-CN" dirty="0" smtClean="0"/>
+              <a:t>V1</a:t>
+            </a:r>
+            <a:r>
+              <a:rPr lang="zh-CN" altLang="en-US" dirty="0" smtClean="0"/>
+              <a:t>列。这称为</a:t>
+            </a:r>
+            <a:r>
+              <a:rPr lang="en-US" altLang="zh-CN" b="1" dirty="0"/>
+              <a:t>Bracket </a:t>
+            </a:r>
+            <a:r>
+              <a:rPr lang="en-US" altLang="zh-CN" b="1" dirty="0" smtClean="0"/>
+              <a:t>Notation</a:t>
+            </a:r>
+            <a:r>
+              <a:rPr lang="zh-CN" altLang="en-US" b="1" dirty="0" smtClean="0"/>
+              <a:t>（详见下页）。</a:t>
             </a:r>
             <a:endParaRPr lang="zh-CN" altLang="en-US" dirty="0"/>
           </a:p>
@@ -19095,7 +19321,7 @@
     </p:spTree>
     <p:extLst>
       <p:ext uri="{BB962C8B-B14F-4D97-AF65-F5344CB8AC3E}">
-        <p14:creationId xmlns:p14="http://schemas.microsoft.com/office/powerpoint/2010/main" val="777591189"/>
+        <p14:creationId xmlns:p14="http://schemas.microsoft.com/office/powerpoint/2010/main" val="240682084"/>
       </p:ext>
     </p:extLst>
   </p:cSld>
@@ -19153,71 +19379,60 @@
         </p:nvSpPr>
         <p:spPr/>
         <p:txBody>
-          <a:bodyPr>
-            <a:normAutofit fontScale="85000" lnSpcReduction="10000"/>
-          </a:bodyPr>
-          <a:lstStyle/>
-          <a:p>
-            <a:r>
-              <a:rPr lang="zh-CN" altLang="zh-CN" b="1" dirty="0" smtClean="0"/>
-              <a:t>获取子集</a:t>
-            </a:r>
-            <a:endParaRPr lang="en-US" altLang="zh-CN" b="1" dirty="0" smtClean="0"/>
-          </a:p>
-          <a:p>
-            <a:r>
-              <a:rPr lang="zh-CN" altLang="zh-CN" dirty="0" smtClean="0"/>
-              <a:t>经常我们需要从一个数据集中按某个条件挑选部分数据来处理，这一节讲述如何获取数据子集。</a:t>
-            </a:r>
-          </a:p>
-          <a:p>
-            <a:r>
-              <a:rPr lang="zh-CN" altLang="zh-CN" dirty="0" smtClean="0"/>
-              <a:t>在</a:t>
-            </a:r>
-            <a:r>
-              <a:rPr lang="en-US" altLang="zh-CN" dirty="0" smtClean="0"/>
-              <a:t>data frame</a:t>
-            </a:r>
-            <a:r>
-              <a:rPr lang="zh-CN" altLang="zh-CN" dirty="0" smtClean="0"/>
-              <a:t>中我们可以简单地使用条件描述就能获得子集。这种方法称为</a:t>
-            </a:r>
-            <a:r>
-              <a:rPr lang="en-US" altLang="zh-CN" b="1" dirty="0" smtClean="0"/>
-              <a:t>Bracket Notation</a:t>
-            </a:r>
-            <a:r>
-              <a:rPr lang="zh-CN" altLang="zh-CN" b="1" dirty="0" smtClean="0"/>
-              <a:t>。</a:t>
-            </a:r>
-            <a:r>
-              <a:rPr lang="zh-CN" altLang="zh-CN" dirty="0" smtClean="0"/>
-              <a:t>使用方法是给出</a:t>
-            </a:r>
-            <a:r>
-              <a:rPr lang="en-US" altLang="zh-CN" dirty="0" smtClean="0"/>
-              <a:t>data frame</a:t>
-            </a:r>
-            <a:r>
-              <a:rPr lang="zh-CN" altLang="zh-CN" dirty="0" smtClean="0"/>
-              <a:t>对象的名称加上一个方括号；方括号里给出该</a:t>
-            </a:r>
-            <a:r>
-              <a:rPr lang="en-US" altLang="zh-CN" dirty="0" smtClean="0"/>
-              <a:t>data frame</a:t>
-            </a:r>
-            <a:r>
-              <a:rPr lang="zh-CN" altLang="zh-CN" dirty="0" smtClean="0"/>
-              <a:t>对象中的某个字段的名称和需要满足的条件，然后加上一个逗号。逗号的含义是维度，逗号前是行，逗号后是列名（字符串）。即按照某个条件选择记录（行），挑选想要的列。</a:t>
-            </a:r>
-          </a:p>
-          <a:p>
+          <a:bodyPr/>
+          <a:lstStyle/>
+          <a:p>
+            <a:r>
+              <a:rPr lang="zh-CN" altLang="en-US" dirty="0" smtClean="0"/>
+              <a:t>练习：</a:t>
+            </a:r>
+            <a:endParaRPr lang="en-US" altLang="zh-CN" dirty="0" smtClean="0"/>
+          </a:p>
+          <a:p>
+            <a:r>
+              <a:rPr lang="zh-CN" altLang="en-US" dirty="0" smtClean="0"/>
+              <a:t>随机产生一个</a:t>
+            </a:r>
+            <a:r>
+              <a:rPr lang="en-US" altLang="zh-CN" dirty="0" smtClean="0"/>
+              <a:t>10*10</a:t>
+            </a:r>
+            <a:r>
+              <a:rPr lang="zh-CN" altLang="en-US" dirty="0" smtClean="0"/>
+              <a:t>的二维矩阵，数值</a:t>
+            </a:r>
+            <a:r>
+              <a:rPr lang="en-US" altLang="zh-CN" dirty="0" smtClean="0"/>
+              <a:t>[-1,1]</a:t>
+            </a:r>
+          </a:p>
+          <a:p>
+            <a:r>
+              <a:rPr lang="zh-CN" altLang="en-US" dirty="0" smtClean="0"/>
+              <a:t>将所有小余</a:t>
+            </a:r>
+            <a:r>
+              <a:rPr lang="en-US" altLang="zh-CN" dirty="0" smtClean="0"/>
+              <a:t>0</a:t>
+            </a:r>
+            <a:r>
+              <a:rPr lang="zh-CN" altLang="en-US" dirty="0" smtClean="0"/>
+              <a:t>的值设为</a:t>
+            </a:r>
+            <a:r>
+              <a:rPr lang="en-US" altLang="zh-CN" dirty="0" smtClean="0"/>
+              <a:t>0.</a:t>
+            </a:r>
             <a:endParaRPr lang="zh-CN" altLang="en-US" dirty="0"/>
           </a:p>
         </p:txBody>
       </p:sp>
     </p:spTree>
+    <p:extLst>
+      <p:ext uri="{BB962C8B-B14F-4D97-AF65-F5344CB8AC3E}">
+        <p14:creationId xmlns:p14="http://schemas.microsoft.com/office/powerpoint/2010/main" val="777591189"/>
+      </p:ext>
+    </p:extLst>
   </p:cSld>
   <p:clrMapOvr>
     <a:masterClrMapping/>
@@ -19397,73 +19612,65 @@
         <p:spPr/>
         <p:txBody>
           <a:bodyPr>
-            <a:normAutofit fontScale="92500"/>
+            <a:normAutofit fontScale="85000" lnSpcReduction="10000"/>
           </a:bodyPr>
           <a:lstStyle/>
           <a:p>
             <a:r>
-              <a:rPr lang="en-US" altLang="zh-CN" dirty="0" smtClean="0"/>
-              <a:t>d&lt;-</a:t>
-            </a:r>
-            <a:r>
-              <a:rPr lang="en-US" altLang="zh-CN" dirty="0" err="1" smtClean="0"/>
-              <a:t>data.frame</a:t>
-            </a:r>
-            <a:r>
-              <a:rPr lang="en-US" altLang="zh-CN" dirty="0" smtClean="0"/>
-              <a:t>(age=c(12,23,45,67,32), name=c('</a:t>
-            </a:r>
-            <a:r>
-              <a:rPr lang="en-US" altLang="zh-CN" dirty="0" err="1" smtClean="0"/>
-              <a:t>a','b','c','d','e</a:t>
-            </a:r>
-            <a:r>
-              <a:rPr lang="en-US" altLang="zh-CN" dirty="0" smtClean="0"/>
-              <a:t>'), weight=c(34,45,34,54,100))</a:t>
-            </a:r>
-            <a:endParaRPr lang="zh-CN" altLang="zh-CN" dirty="0" smtClean="0"/>
-          </a:p>
-          <a:p>
-            <a:r>
-              <a:rPr lang="en-US" altLang="zh-CN" dirty="0" smtClean="0"/>
-              <a:t>d[</a:t>
-            </a:r>
-            <a:r>
-              <a:rPr lang="en-US" altLang="zh-CN" dirty="0" err="1" smtClean="0"/>
-              <a:t>d$age</a:t>
-            </a:r>
-            <a:r>
-              <a:rPr lang="en-US" altLang="zh-CN" dirty="0" smtClean="0"/>
-              <a:t>&gt;32,]</a:t>
-            </a:r>
-            <a:endParaRPr lang="zh-CN" altLang="zh-CN" dirty="0" smtClean="0"/>
-          </a:p>
-          <a:p>
-            <a:r>
-              <a:rPr lang="en-US" altLang="zh-CN" dirty="0" smtClean="0"/>
-              <a:t>  age name weight</a:t>
-            </a:r>
-            <a:endParaRPr lang="zh-CN" altLang="zh-CN" dirty="0" smtClean="0"/>
-          </a:p>
-          <a:p>
-            <a:r>
-              <a:rPr lang="en-US" altLang="zh-CN" dirty="0" smtClean="0"/>
-              <a:t>3  45    c     34</a:t>
-            </a:r>
-            <a:endParaRPr lang="zh-CN" altLang="zh-CN" dirty="0" smtClean="0"/>
-          </a:p>
-          <a:p>
-            <a:r>
-              <a:rPr lang="en-US" altLang="zh-CN" dirty="0" smtClean="0"/>
-              <a:t>4  67    d     54</a:t>
-            </a:r>
-            <a:endParaRPr lang="zh-CN" altLang="zh-CN" dirty="0" smtClean="0"/>
-          </a:p>
-          <a:p>
-            <a:r>
-              <a:rPr lang="zh-CN" altLang="zh-CN" dirty="0" smtClean="0"/>
-              <a:t>此处，逗号后没给出列名，即获取所有的列。</a:t>
-            </a:r>
+              <a:rPr lang="zh-CN" altLang="zh-CN" b="1" dirty="0" smtClean="0"/>
+              <a:t>获取子集</a:t>
+            </a:r>
+            <a:endParaRPr lang="en-US" altLang="zh-CN" b="1" dirty="0" smtClean="0"/>
+          </a:p>
+          <a:p>
+            <a:r>
+              <a:rPr lang="zh-CN" altLang="zh-CN" dirty="0" smtClean="0"/>
+              <a:t>经常我们需要从一个数据集中按某个条件挑选部分数据来处理，这一节讲述如何获取数据子集。</a:t>
+            </a:r>
+          </a:p>
+          <a:p>
+            <a:r>
+              <a:rPr lang="zh-CN" altLang="zh-CN" dirty="0" smtClean="0"/>
+              <a:t>在</a:t>
+            </a:r>
+            <a:r>
+              <a:rPr lang="en-US" altLang="zh-CN" dirty="0" smtClean="0"/>
+              <a:t>data frame</a:t>
+            </a:r>
+            <a:r>
+              <a:rPr lang="zh-CN" altLang="zh-CN" dirty="0" smtClean="0"/>
+              <a:t>中我们可以简单地使用条件描述就能获得子集。这种方法称为</a:t>
+            </a:r>
+            <a:r>
+              <a:rPr lang="en-US" altLang="zh-CN" b="1" dirty="0" smtClean="0"/>
+              <a:t>Bracket Notation</a:t>
+            </a:r>
+            <a:r>
+              <a:rPr lang="zh-CN" altLang="zh-CN" b="1" dirty="0" smtClean="0"/>
+              <a:t>。</a:t>
+            </a:r>
+            <a:r>
+              <a:rPr lang="zh-CN" altLang="zh-CN" dirty="0" smtClean="0"/>
+              <a:t>使用方法是给出</a:t>
+            </a:r>
+            <a:r>
+              <a:rPr lang="en-US" altLang="zh-CN" dirty="0" smtClean="0"/>
+              <a:t>data frame</a:t>
+            </a:r>
+            <a:r>
+              <a:rPr lang="zh-CN" altLang="zh-CN" dirty="0" smtClean="0"/>
+              <a:t>对象的名称加上一个方括号；方括号里给出该</a:t>
+            </a:r>
+            <a:r>
+              <a:rPr lang="en-US" altLang="zh-CN" dirty="0" smtClean="0"/>
+              <a:t>data frame</a:t>
+            </a:r>
+            <a:r>
+              <a:rPr lang="zh-CN" altLang="zh-CN" dirty="0" smtClean="0"/>
+              <a:t>对象中的某个字段的名称和需要满足的条件，然后加上一个逗号。逗号的含义是维度，逗号前是行，逗号后是列名（字符串）。即按照某个条件选择记录（行），挑选想要的列。</a:t>
+            </a:r>
+          </a:p>
+          <a:p>
             <a:endParaRPr lang="zh-CN" altLang="en-US" dirty="0"/>
           </a:p>
         </p:txBody>
@@ -19524,8 +19731,33 @@
         </p:nvSpPr>
         <p:spPr/>
         <p:txBody>
-          <a:bodyPr/>
-          <a:lstStyle/>
+          <a:bodyPr>
+            <a:normAutofit fontScale="92500"/>
+          </a:bodyPr>
+          <a:lstStyle/>
+          <a:p>
+            <a:r>
+              <a:rPr lang="en-US" altLang="zh-CN" dirty="0" smtClean="0"/>
+              <a:t>d&lt;-</a:t>
+            </a:r>
+            <a:r>
+              <a:rPr lang="en-US" altLang="zh-CN" dirty="0" err="1" smtClean="0"/>
+              <a:t>data.frame</a:t>
+            </a:r>
+            <a:r>
+              <a:rPr lang="en-US" altLang="zh-CN" dirty="0" smtClean="0"/>
+              <a:t>(age=c(12,23,45,67,32), name=c('</a:t>
+            </a:r>
+            <a:r>
+              <a:rPr lang="en-US" altLang="zh-CN" dirty="0" err="1" smtClean="0"/>
+              <a:t>a','b','c','d','e</a:t>
+            </a:r>
+            <a:r>
+              <a:rPr lang="en-US" altLang="zh-CN" dirty="0" smtClean="0"/>
+              <a:t>'), weight=c(34,45,34,54,100))</a:t>
+            </a:r>
+            <a:endParaRPr lang="zh-CN" altLang="zh-CN" dirty="0" smtClean="0"/>
+          </a:p>
           <a:p>
             <a:r>
               <a:rPr lang="en-US" altLang="zh-CN" dirty="0" smtClean="0"/>
@@ -19533,51 +19765,40 @@
             </a:r>
             <a:r>
               <a:rPr lang="en-US" altLang="zh-CN" dirty="0" err="1" smtClean="0"/>
-              <a:t>d$weight</a:t>
-            </a:r>
-            <a:r>
-              <a:rPr lang="en-US" altLang="zh-CN" dirty="0" smtClean="0"/>
-              <a:t>&lt;50,c('</a:t>
-            </a:r>
-            <a:r>
-              <a:rPr lang="en-US" altLang="zh-CN" dirty="0" err="1" smtClean="0"/>
-              <a:t>age','gender</a:t>
-            </a:r>
-            <a:r>
-              <a:rPr lang="en-US" altLang="zh-CN" dirty="0" smtClean="0"/>
-              <a:t>')]</a:t>
+              <a:t>d$age</a:t>
+            </a:r>
+            <a:r>
+              <a:rPr lang="en-US" altLang="zh-CN" dirty="0" smtClean="0"/>
+              <a:t>&gt;32,]</a:t>
             </a:r>
             <a:endParaRPr lang="zh-CN" altLang="zh-CN" dirty="0" smtClean="0"/>
           </a:p>
           <a:p>
             <a:r>
               <a:rPr lang="en-US" altLang="zh-CN" dirty="0" smtClean="0"/>
-              <a:t>  age gender</a:t>
+              <a:t>  age name weight</a:t>
             </a:r>
             <a:endParaRPr lang="zh-CN" altLang="zh-CN" dirty="0" smtClean="0"/>
           </a:p>
           <a:p>
             <a:r>
               <a:rPr lang="en-US" altLang="zh-CN" dirty="0" smtClean="0"/>
-              <a:t>1  12      m</a:t>
+              <a:t>3  45    c     34</a:t>
             </a:r>
             <a:endParaRPr lang="zh-CN" altLang="zh-CN" dirty="0" smtClean="0"/>
           </a:p>
           <a:p>
             <a:r>
               <a:rPr lang="en-US" altLang="zh-CN" dirty="0" smtClean="0"/>
-              <a:t>2  23      f</a:t>
+              <a:t>4  67    d     54</a:t>
             </a:r>
             <a:endParaRPr lang="zh-CN" altLang="zh-CN" dirty="0" smtClean="0"/>
           </a:p>
           <a:p>
             <a:r>
-              <a:rPr lang="en-US" altLang="zh-CN" dirty="0" smtClean="0"/>
-              <a:t>3  45      m</a:t>
-            </a:r>
-            <a:endParaRPr lang="zh-CN" altLang="zh-CN" dirty="0" smtClean="0"/>
-          </a:p>
-          <a:p>
+              <a:rPr lang="zh-CN" altLang="zh-CN" dirty="0" smtClean="0"/>
+              <a:t>此处，逗号后没给出列名，即获取所有的列。</a:t>
+            </a:r>
             <a:endParaRPr lang="zh-CN" altLang="en-US" dirty="0"/>
           </a:p>
         </p:txBody>
@@ -19638,93 +19859,61 @@
         </p:nvSpPr>
         <p:spPr/>
         <p:txBody>
-          <a:bodyPr>
-            <a:normAutofit/>
-          </a:bodyPr>
-          <a:lstStyle/>
-          <a:p>
-            <a:r>
-              <a:rPr lang="zh-CN" altLang="zh-CN" dirty="0" smtClean="0"/>
-              <a:t>我们也可以使用</a:t>
-            </a:r>
-            <a:r>
-              <a:rPr lang="en-US" altLang="zh-CN" dirty="0" smtClean="0"/>
-              <a:t>subset</a:t>
-            </a:r>
-            <a:r>
-              <a:rPr lang="zh-CN" altLang="zh-CN" dirty="0" smtClean="0"/>
-              <a:t>函数从</a:t>
-            </a:r>
-            <a:r>
-              <a:rPr lang="en-US" altLang="zh-CN" dirty="0" smtClean="0"/>
-              <a:t>data frame</a:t>
-            </a:r>
-            <a:r>
-              <a:rPr lang="zh-CN" altLang="zh-CN" dirty="0" smtClean="0"/>
-              <a:t>对象或</a:t>
-            </a:r>
-            <a:r>
-              <a:rPr lang="en-US" altLang="zh-CN" dirty="0" smtClean="0"/>
-              <a:t>Matrix</a:t>
-            </a:r>
-            <a:r>
-              <a:rPr lang="zh-CN" altLang="zh-CN" dirty="0" smtClean="0"/>
-              <a:t>中挑选数据。</a:t>
-            </a:r>
-          </a:p>
-          <a:p>
-            <a:r>
-              <a:rPr lang="en-US" altLang="zh-CN" dirty="0" smtClean="0"/>
-              <a:t>subset(x, subset, select, drop = FALSE, ...)</a:t>
+          <a:bodyPr/>
+          <a:lstStyle/>
+          <a:p>
+            <a:r>
+              <a:rPr lang="en-US" altLang="zh-CN" dirty="0" smtClean="0"/>
+              <a:t>d[</a:t>
+            </a:r>
+            <a:r>
+              <a:rPr lang="en-US" altLang="zh-CN" dirty="0" err="1" smtClean="0"/>
+              <a:t>d$weight</a:t>
+            </a:r>
+            <a:r>
+              <a:rPr lang="en-US" altLang="zh-CN" dirty="0" smtClean="0"/>
+              <a:t>&lt;50,c('</a:t>
+            </a:r>
+            <a:r>
+              <a:rPr lang="en-US" altLang="zh-CN" dirty="0" err="1" smtClean="0"/>
+              <a:t>age','gender</a:t>
+            </a:r>
+            <a:r>
+              <a:rPr lang="en-US" altLang="zh-CN" dirty="0" smtClean="0"/>
+              <a:t>')]</a:t>
             </a:r>
             <a:endParaRPr lang="zh-CN" altLang="zh-CN" dirty="0" smtClean="0"/>
           </a:p>
           <a:p>
             <a:r>
               <a:rPr lang="en-US" altLang="zh-CN" dirty="0" smtClean="0"/>
-              <a:t>x</a:t>
-            </a:r>
-            <a:r>
-              <a:rPr lang="zh-CN" altLang="zh-CN" dirty="0" smtClean="0"/>
-              <a:t>是数据对象；</a:t>
-            </a:r>
-            <a:r>
-              <a:rPr lang="en-US" altLang="zh-CN" dirty="0" smtClean="0"/>
-              <a:t>subset</a:t>
-            </a:r>
-            <a:r>
-              <a:rPr lang="zh-CN" altLang="zh-CN" dirty="0" smtClean="0"/>
-              <a:t>是描述获取行的子集的逻辑表达式；</a:t>
-            </a:r>
-            <a:r>
-              <a:rPr lang="en-US" altLang="zh-CN" dirty="0" smtClean="0"/>
-              <a:t>select</a:t>
-            </a:r>
-            <a:r>
-              <a:rPr lang="zh-CN" altLang="zh-CN" dirty="0" smtClean="0"/>
-              <a:t>指定返回哪些列。</a:t>
-            </a:r>
-          </a:p>
-          <a:p>
-            <a:r>
-              <a:rPr lang="zh-CN" altLang="zh-CN" dirty="0" smtClean="0"/>
-              <a:t>紧接着前面的例子</a:t>
-            </a:r>
-          </a:p>
-          <a:p>
-            <a:r>
-              <a:rPr lang="en-US" altLang="zh-CN" dirty="0" smtClean="0"/>
-              <a:t>subset(</a:t>
-            </a:r>
-            <a:r>
-              <a:rPr lang="en-US" altLang="zh-CN" dirty="0" err="1" smtClean="0"/>
-              <a:t>d,subset</a:t>
-            </a:r>
-            <a:r>
-              <a:rPr lang="en-US" altLang="zh-CN" dirty="0" smtClean="0"/>
-              <a:t>=age&lt;32, select=name)</a:t>
+              <a:t>  age gender</a:t>
             </a:r>
             <a:endParaRPr lang="zh-CN" altLang="zh-CN" dirty="0" smtClean="0"/>
+          </a:p>
+          <a:p>
+            <a:r>
+              <a:rPr lang="en-US" altLang="zh-CN" dirty="0" smtClean="0"/>
+              <a:t>1  12      m</a:t>
+            </a:r>
+            <a:endParaRPr lang="zh-CN" altLang="zh-CN" dirty="0" smtClean="0"/>
+          </a:p>
+          <a:p>
+            <a:r>
+              <a:rPr lang="en-US" altLang="zh-CN" dirty="0" smtClean="0"/>
+              <a:t>2  23      f</a:t>
+            </a:r>
+            <a:endParaRPr lang="zh-CN" altLang="zh-CN" dirty="0" smtClean="0"/>
+          </a:p>
+          <a:p>
+            <a:r>
+              <a:rPr lang="en-US" altLang="zh-CN" dirty="0" smtClean="0"/>
+              <a:t>3  45      m</a:t>
+            </a:r>
+            <a:endParaRPr lang="zh-CN" altLang="zh-CN" dirty="0" smtClean="0"/>
+          </a:p>
+          <a:p>
+            <a:endParaRPr lang="zh-CN" altLang="en-US" dirty="0"/>
           </a:p>
         </p:txBody>
       </p:sp>
@@ -19784,50 +19973,97 @@
         </p:nvSpPr>
         <p:spPr/>
         <p:txBody>
-          <a:bodyPr/>
-          <a:lstStyle/>
-          <a:p>
-            <a:r>
-              <a:rPr lang="zh-CN" altLang="en-US" dirty="0" smtClean="0"/>
-              <a:t>练习：</a:t>
-            </a:r>
-            <a:endParaRPr lang="en-US" altLang="zh-CN" dirty="0" smtClean="0"/>
-          </a:p>
-          <a:p>
-            <a:r>
-              <a:rPr lang="zh-CN" altLang="en-US" dirty="0" smtClean="0"/>
-              <a:t>挑选</a:t>
-            </a:r>
-            <a:r>
-              <a:rPr lang="en-US" altLang="zh-CN" dirty="0" smtClean="0"/>
-              <a:t>iris</a:t>
-            </a:r>
-            <a:r>
-              <a:rPr lang="zh-CN" altLang="en-US" dirty="0" smtClean="0"/>
-              <a:t>数据中类别为</a:t>
-            </a:r>
-            <a:r>
-              <a:rPr lang="en-US" altLang="zh-CN" dirty="0" smtClean="0"/>
-              <a:t>Iris-</a:t>
-            </a:r>
-            <a:r>
-              <a:rPr lang="en-US" altLang="zh-CN" dirty="0" err="1" smtClean="0"/>
-              <a:t>setosa</a:t>
-            </a:r>
-            <a:r>
-              <a:rPr lang="zh-CN" altLang="en-US" dirty="0" smtClean="0"/>
-              <a:t>的记录</a:t>
-            </a:r>
-            <a:endParaRPr lang="zh-CN" altLang="en-US" dirty="0"/>
+          <a:bodyPr>
+            <a:normAutofit/>
+          </a:bodyPr>
+          <a:lstStyle/>
+          <a:p>
+            <a:r>
+              <a:rPr lang="zh-CN" altLang="zh-CN" dirty="0" smtClean="0"/>
+              <a:t>我们也可以使用</a:t>
+            </a:r>
+            <a:r>
+              <a:rPr lang="en-US" altLang="zh-CN" dirty="0" smtClean="0"/>
+              <a:t>subset</a:t>
+            </a:r>
+            <a:r>
+              <a:rPr lang="zh-CN" altLang="zh-CN" dirty="0" smtClean="0"/>
+              <a:t>函数从</a:t>
+            </a:r>
+            <a:r>
+              <a:rPr lang="en-US" altLang="zh-CN" dirty="0" smtClean="0"/>
+              <a:t>data frame</a:t>
+            </a:r>
+            <a:r>
+              <a:rPr lang="zh-CN" altLang="zh-CN" dirty="0" smtClean="0"/>
+              <a:t>对象或</a:t>
+            </a:r>
+            <a:r>
+              <a:rPr lang="en-US" altLang="zh-CN" dirty="0" smtClean="0"/>
+              <a:t>Matrix</a:t>
+            </a:r>
+            <a:r>
+              <a:rPr lang="zh-CN" altLang="zh-CN" dirty="0" smtClean="0"/>
+              <a:t>中挑选数据。</a:t>
+            </a:r>
+          </a:p>
+          <a:p>
+            <a:r>
+              <a:rPr lang="en-US" altLang="zh-CN" dirty="0" smtClean="0"/>
+              <a:t>subset(x, subset, select, drop = FALSE, ...)</a:t>
+            </a:r>
+            <a:endParaRPr lang="zh-CN" altLang="zh-CN" dirty="0" smtClean="0"/>
+          </a:p>
+          <a:p>
+            <a:r>
+              <a:rPr lang="en-US" altLang="zh-CN" dirty="0" smtClean="0"/>
+              <a:t>x</a:t>
+            </a:r>
+            <a:r>
+              <a:rPr lang="zh-CN" altLang="zh-CN" dirty="0" smtClean="0"/>
+              <a:t>是数据对象；</a:t>
+            </a:r>
+            <a:r>
+              <a:rPr lang="en-US" altLang="zh-CN" dirty="0" smtClean="0"/>
+              <a:t>subset</a:t>
+            </a:r>
+            <a:r>
+              <a:rPr lang="zh-CN" altLang="zh-CN" dirty="0" smtClean="0"/>
+              <a:t>是描述获取行的子集的逻辑表达式；</a:t>
+            </a:r>
+            <a:r>
+              <a:rPr lang="en-US" altLang="zh-CN" dirty="0" smtClean="0"/>
+              <a:t>select</a:t>
+            </a:r>
+            <a:r>
+              <a:rPr lang="zh-CN" altLang="zh-CN" dirty="0" smtClean="0"/>
+              <a:t>指定返回哪些列。</a:t>
+            </a:r>
+          </a:p>
+          <a:p>
+            <a:r>
+              <a:rPr lang="zh-CN" altLang="zh-CN" dirty="0" smtClean="0"/>
+              <a:t>紧接着前面的例子</a:t>
+            </a:r>
+          </a:p>
+          <a:p>
+            <a:r>
+              <a:rPr lang="en-US" altLang="zh-CN" dirty="0" smtClean="0"/>
+              <a:t>subset(</a:t>
+            </a:r>
+            <a:r>
+              <a:rPr lang="en-US" altLang="zh-CN" dirty="0" err="1" smtClean="0"/>
+              <a:t>d,subset</a:t>
+            </a:r>
+            <a:r>
+              <a:rPr lang="en-US" altLang="zh-CN" dirty="0" smtClean="0"/>
+              <a:t>=age&lt;32, select=name)</a:t>
+            </a:r>
+            <a:endParaRPr lang="zh-CN" altLang="zh-CN" dirty="0" smtClean="0"/>
           </a:p>
         </p:txBody>
       </p:sp>
     </p:spTree>
-    <p:extLst>
-      <p:ext uri="{BB962C8B-B14F-4D97-AF65-F5344CB8AC3E}">
-        <p14:creationId xmlns:p14="http://schemas.microsoft.com/office/powerpoint/2010/main" val="1228980397"/>
-      </p:ext>
-    </p:extLst>
   </p:cSld>
   <p:clrMapOvr>
     <a:masterClrMapping/>
@@ -19887,73 +20123,54 @@
           <a:lstStyle/>
           <a:p>
             <a:r>
-              <a:rPr lang="en-US" altLang="zh-CN" b="1" dirty="0" smtClean="0"/>
-              <a:t>Summary</a:t>
-            </a:r>
-          </a:p>
-          <a:p>
-            <a:r>
-              <a:rPr lang="zh-CN" altLang="zh-CN" dirty="0" smtClean="0"/>
-              <a:t>经常我们需要在数据集上做统计或总结操作。</a:t>
-            </a:r>
-            <a:r>
-              <a:rPr lang="en-US" altLang="zh-CN" dirty="0" smtClean="0"/>
-              <a:t>R</a:t>
-            </a:r>
-            <a:r>
-              <a:rPr lang="zh-CN" altLang="zh-CN" dirty="0" smtClean="0"/>
-              <a:t>提供了许多方法</a:t>
-            </a:r>
-            <a:r>
-              <a:rPr lang="en-US" altLang="zh-CN" dirty="0" smtClean="0"/>
-              <a:t>summarizing data, aggregating records</a:t>
-            </a:r>
-            <a:r>
-              <a:rPr lang="zh-CN" altLang="zh-CN" dirty="0" smtClean="0"/>
-              <a:t>来创建一个新的数据子集。</a:t>
-            </a:r>
-            <a:r>
-              <a:rPr lang="zh-CN" altLang="en-US" dirty="0" smtClean="0"/>
-              <a:t>包括</a:t>
-            </a:r>
-            <a:r>
-              <a:rPr lang="en-US" altLang="zh-CN" b="1" dirty="0" err="1" smtClean="0"/>
-              <a:t>tapply</a:t>
-            </a:r>
-            <a:r>
-              <a:rPr lang="zh-CN" altLang="zh-CN" b="1" dirty="0" smtClean="0"/>
-              <a:t>和</a:t>
-            </a:r>
-            <a:r>
-              <a:rPr lang="en-US" altLang="zh-CN" b="1" dirty="0" smtClean="0"/>
-              <a:t>aggregate</a:t>
-            </a:r>
-            <a:r>
-              <a:rPr lang="zh-CN" altLang="zh-CN" b="1" dirty="0" smtClean="0"/>
-              <a:t>函数</a:t>
-            </a:r>
-            <a:endParaRPr lang="zh-CN" altLang="zh-CN" dirty="0" smtClean="0"/>
-          </a:p>
-          <a:p>
-            <a:endParaRPr lang="zh-CN" altLang="zh-CN" dirty="0" smtClean="0"/>
-          </a:p>
-          <a:p>
+              <a:rPr lang="zh-CN" altLang="en-US" dirty="0" smtClean="0"/>
+              <a:t>练习：</a:t>
+            </a:r>
+            <a:endParaRPr lang="en-US" altLang="zh-CN" dirty="0" smtClean="0"/>
+          </a:p>
+          <a:p>
+            <a:r>
+              <a:rPr lang="zh-CN" altLang="en-US" dirty="0" smtClean="0"/>
+              <a:t>挑选</a:t>
+            </a:r>
+            <a:r>
+              <a:rPr lang="en-US" altLang="zh-CN" dirty="0" smtClean="0"/>
+              <a:t>iris</a:t>
+            </a:r>
+            <a:r>
+              <a:rPr lang="zh-CN" altLang="en-US" dirty="0" smtClean="0"/>
+              <a:t>数据中类别为</a:t>
+            </a:r>
+            <a:r>
+              <a:rPr lang="en-US" altLang="zh-CN" dirty="0" smtClean="0"/>
+              <a:t>Iris-</a:t>
+            </a:r>
+            <a:r>
+              <a:rPr lang="en-US" altLang="zh-CN" dirty="0" err="1" smtClean="0"/>
+              <a:t>setosa</a:t>
+            </a:r>
+            <a:r>
+              <a:rPr lang="zh-CN" altLang="en-US" smtClean="0"/>
+              <a:t>的</a:t>
+            </a:r>
+            <a:r>
+              <a:rPr lang="zh-CN" altLang="en-US" smtClean="0"/>
+              <a:t>记录，但不包含类别这一列</a:t>
+            </a:r>
             <a:endParaRPr lang="zh-CN" altLang="en-US" dirty="0"/>
           </a:p>
         </p:txBody>
       </p:sp>
     </p:spTree>
+    <p:extLst>
+      <p:ext uri="{BB962C8B-B14F-4D97-AF65-F5344CB8AC3E}">
+        <p14:creationId xmlns:p14="http://schemas.microsoft.com/office/powerpoint/2010/main" val="1228980397"/>
+      </p:ext>
+    </p:extLst>
   </p:cSld>
   <p:clrMapOvr>
     <a:masterClrMapping/>
   </p:clrMapOvr>
-  <p:timing>
-    <p:tnLst>
-      <p:par>
-        <p:cTn id="1" dur="indefinite" restart="never" nodeType="tmRoot"/>
-      </p:par>
-    </p:tnLst>
-  </p:timing>
 </p:sld>
 </file>
 
@@ -20009,76 +20226,55 @@
           <a:lstStyle/>
           <a:p>
             <a:r>
-              <a:rPr lang="en-US" altLang="zh-CN" dirty="0" err="1" smtClean="0"/>
+              <a:rPr lang="en-US" altLang="zh-CN" b="1" dirty="0" smtClean="0"/>
+              <a:t>Summary</a:t>
+            </a:r>
+          </a:p>
+          <a:p>
+            <a:r>
+              <a:rPr lang="zh-CN" altLang="zh-CN" dirty="0" smtClean="0"/>
+              <a:t>经常我们需要在数据集上做统计或总结操作。</a:t>
+            </a:r>
+            <a:r>
+              <a:rPr lang="en-US" altLang="zh-CN" dirty="0" smtClean="0"/>
+              <a:t>R</a:t>
+            </a:r>
+            <a:r>
+              <a:rPr lang="zh-CN" altLang="zh-CN" dirty="0" smtClean="0"/>
+              <a:t>提供了许多方法</a:t>
+            </a:r>
+            <a:r>
+              <a:rPr lang="en-US" altLang="zh-CN" dirty="0" smtClean="0"/>
+              <a:t>summarizing data, aggregating records</a:t>
+            </a:r>
+            <a:r>
+              <a:rPr lang="zh-CN" altLang="zh-CN" dirty="0" smtClean="0"/>
+              <a:t>来创建一个新的数据子集。</a:t>
+            </a:r>
+            <a:r>
+              <a:rPr lang="zh-CN" altLang="en-US" dirty="0" smtClean="0"/>
+              <a:t>包括</a:t>
+            </a:r>
+            <a:r>
+              <a:rPr lang="en-US" altLang="zh-CN" b="1" dirty="0" err="1" smtClean="0"/>
               <a:t>tapply</a:t>
             </a:r>
             <a:r>
-              <a:rPr lang="en-US" altLang="zh-CN" dirty="0" smtClean="0"/>
-              <a:t>(X, INDEX, FUN = , ..., simplify = )</a:t>
+              <a:rPr lang="zh-CN" altLang="zh-CN" b="1" dirty="0" smtClean="0"/>
+              <a:t>和</a:t>
+            </a:r>
+            <a:r>
+              <a:rPr lang="en-US" altLang="zh-CN" b="1" dirty="0" smtClean="0"/>
+              <a:t>aggregate</a:t>
+            </a:r>
+            <a:r>
+              <a:rPr lang="zh-CN" altLang="zh-CN" b="1" dirty="0" smtClean="0"/>
+              <a:t>函数</a:t>
             </a:r>
             <a:endParaRPr lang="zh-CN" altLang="zh-CN" dirty="0" smtClean="0"/>
           </a:p>
           <a:p>
-            <a:r>
-              <a:rPr lang="zh-CN" altLang="zh-CN" dirty="0" smtClean="0"/>
-              <a:t>将</a:t>
-            </a:r>
-            <a:r>
-              <a:rPr lang="en-US" altLang="zh-CN" dirty="0" err="1" smtClean="0"/>
-              <a:t>tapply</a:t>
-            </a:r>
-            <a:r>
-              <a:rPr lang="zh-CN" altLang="zh-CN" dirty="0" smtClean="0"/>
-              <a:t>函数作用在一个</a:t>
-            </a:r>
-            <a:r>
-              <a:rPr lang="en-US" altLang="zh-CN" dirty="0" smtClean="0"/>
-              <a:t>data frame</a:t>
-            </a:r>
-            <a:r>
-              <a:rPr lang="zh-CN" altLang="zh-CN" dirty="0" smtClean="0"/>
-              <a:t>对象上。</a:t>
-            </a:r>
-            <a:r>
-              <a:rPr lang="en-US" altLang="zh-CN" dirty="0" err="1" smtClean="0"/>
-              <a:t>tapply</a:t>
-            </a:r>
-            <a:r>
-              <a:rPr lang="zh-CN" altLang="zh-CN" dirty="0" smtClean="0"/>
-              <a:t>的含义是对该对象的某个字段</a:t>
-            </a:r>
-            <a:r>
-              <a:rPr lang="en-US" altLang="zh-CN" dirty="0" smtClean="0"/>
-              <a:t>x</a:t>
-            </a:r>
-            <a:r>
-              <a:rPr lang="zh-CN" altLang="zh-CN" dirty="0" smtClean="0"/>
-              <a:t>，</a:t>
-            </a:r>
-            <a:r>
-              <a:rPr lang="zh-CN" altLang="en-US" dirty="0" smtClean="0"/>
-              <a:t>按照</a:t>
-            </a:r>
-            <a:r>
-              <a:rPr lang="zh-CN" altLang="zh-CN" dirty="0" smtClean="0"/>
-              <a:t>一个字段</a:t>
-            </a:r>
-            <a:r>
-              <a:rPr lang="en-US" altLang="zh-CN" dirty="0" smtClean="0"/>
-              <a:t>INDEX</a:t>
-            </a:r>
-            <a:r>
-              <a:rPr lang="zh-CN" altLang="zh-CN" dirty="0" smtClean="0"/>
-              <a:t>进行分组，对每个分组应用</a:t>
-            </a:r>
-            <a:r>
-              <a:rPr lang="en-US" altLang="zh-CN" dirty="0" smtClean="0"/>
-              <a:t>FUN</a:t>
-            </a:r>
-            <a:r>
-              <a:rPr lang="zh-CN" altLang="zh-CN" dirty="0" smtClean="0"/>
-              <a:t>函数。</a:t>
-            </a:r>
+            <a:endParaRPr lang="zh-CN" altLang="zh-CN" dirty="0" smtClean="0"/>
           </a:p>
           <a:p>
             <a:endParaRPr lang="zh-CN" altLang="en-US" dirty="0"/>
@@ -20152,57 +20348,27 @@
           <a:lstStyle/>
           <a:p>
             <a:r>
-              <a:rPr lang="en-US" altLang="zh-CN" dirty="0" smtClean="0"/>
-              <a:t>d&lt;-</a:t>
-            </a:r>
-            <a:r>
-              <a:rPr lang="en-US" altLang="zh-CN" dirty="0" err="1" smtClean="0"/>
-              <a:t>data.frame</a:t>
-            </a:r>
-            <a:r>
-              <a:rPr lang="en-US" altLang="zh-CN" dirty="0" smtClean="0"/>
-              <a:t>(age=c(12,23,45,67,32),gender=c('</a:t>
-            </a:r>
-            <a:r>
-              <a:rPr lang="en-US" altLang="zh-CN" dirty="0" err="1" smtClean="0"/>
-              <a:t>m','f','m','f','m</a:t>
-            </a:r>
-            <a:r>
-              <a:rPr lang="en-US" altLang="zh-CN" dirty="0" smtClean="0"/>
-              <a:t>'), weight=c(34,45,34,54,100))</a:t>
+              <a:rPr lang="en-US" altLang="zh-CN" dirty="0" err="1" smtClean="0"/>
+              <a:t>tapply</a:t>
+            </a:r>
+            <a:r>
+              <a:rPr lang="en-US" altLang="zh-CN" dirty="0" smtClean="0"/>
+              <a:t>(X, INDEX, FUN = , ..., simplify = )</a:t>
             </a:r>
             <a:endParaRPr lang="zh-CN" altLang="zh-CN" dirty="0" smtClean="0"/>
           </a:p>
           <a:p>
             <a:r>
+              <a:rPr lang="zh-CN" altLang="zh-CN" dirty="0" smtClean="0"/>
+              <a:t>将</a:t>
+            </a:r>
+            <a:r>
               <a:rPr lang="en-US" altLang="zh-CN" dirty="0" err="1" smtClean="0"/>
               <a:t>tapply</a:t>
             </a:r>
             <a:r>
-              <a:rPr lang="en-US" altLang="zh-CN" dirty="0" smtClean="0"/>
-              <a:t>(</a:t>
-            </a:r>
-            <a:r>
-              <a:rPr lang="en-US" altLang="zh-CN" dirty="0" err="1" smtClean="0"/>
-              <a:t>d$age</a:t>
-            </a:r>
-            <a:r>
-              <a:rPr lang="en-US" altLang="zh-CN" dirty="0" smtClean="0"/>
-              <a:t>, </a:t>
-            </a:r>
-            <a:r>
-              <a:rPr lang="en-US" altLang="zh-CN" dirty="0" err="1" smtClean="0"/>
-              <a:t>d$gender,FUN</a:t>
-            </a:r>
-            <a:r>
-              <a:rPr lang="en-US" altLang="zh-CN" dirty="0" smtClean="0"/>
-              <a:t>=mean)</a:t>
-            </a:r>
-          </a:p>
-          <a:p>
-            <a:r>
-              <a:rPr lang="zh-CN" altLang="zh-CN" dirty="0" smtClean="0"/>
-              <a:t>该例子就是，对于一个</a:t>
+              <a:rPr lang="zh-CN" altLang="zh-CN" dirty="0" smtClean="0"/>
+              <a:t>函数作用在一个</a:t>
             </a:r>
             <a:r>
               <a:rPr lang="en-US" altLang="zh-CN" dirty="0" smtClean="0"/>
@@ -20210,35 +20376,48 @@
             </a:r>
             <a:r>
               <a:rPr lang="zh-CN" altLang="zh-CN" dirty="0" smtClean="0"/>
-              <a:t>对象</a:t>
-            </a:r>
-            <a:r>
-              <a:rPr lang="en-US" altLang="zh-CN" dirty="0" smtClean="0"/>
-              <a:t>d, </a:t>
-            </a:r>
-            <a:r>
-              <a:rPr lang="zh-CN" altLang="zh-CN" dirty="0" smtClean="0"/>
-              <a:t>对他的字段</a:t>
-            </a:r>
-            <a:r>
-              <a:rPr lang="en-US" altLang="zh-CN" dirty="0" smtClean="0"/>
-              <a:t>age</a:t>
-            </a:r>
-            <a:r>
-              <a:rPr lang="zh-CN" altLang="zh-CN" dirty="0" smtClean="0"/>
-              <a:t>按照字段</a:t>
-            </a:r>
-            <a:r>
-              <a:rPr lang="en-US" altLang="zh-CN" dirty="0" smtClean="0"/>
-              <a:t>gender</a:t>
-            </a:r>
-            <a:r>
-              <a:rPr lang="zh-CN" altLang="zh-CN" dirty="0" smtClean="0"/>
-              <a:t>进行分组，统计每个分组的平均值。即，对数据集中按照性别分组，统计每个组的平均年龄。</a:t>
-            </a:r>
-          </a:p>
-          <a:p>
-            <a:endParaRPr lang="zh-CN" altLang="zh-CN" dirty="0" smtClean="0"/>
+              <a:t>对象上。</a:t>
+            </a:r>
+            <a:r>
+              <a:rPr lang="en-US" altLang="zh-CN" dirty="0" err="1" smtClean="0"/>
+              <a:t>tapply</a:t>
+            </a:r>
+            <a:r>
+              <a:rPr lang="zh-CN" altLang="zh-CN" dirty="0" smtClean="0"/>
+              <a:t>的含义是对该对象的某个字段</a:t>
+            </a:r>
+            <a:r>
+              <a:rPr lang="en-US" altLang="zh-CN" dirty="0" smtClean="0"/>
+              <a:t>x</a:t>
+            </a:r>
+            <a:r>
+              <a:rPr lang="zh-CN" altLang="zh-CN" dirty="0" smtClean="0"/>
+              <a:t>，</a:t>
+            </a:r>
+            <a:r>
+              <a:rPr lang="zh-CN" altLang="en-US" dirty="0" smtClean="0"/>
+              <a:t>按照</a:t>
+            </a:r>
+            <a:r>
+              <a:rPr lang="zh-CN" altLang="zh-CN" dirty="0" smtClean="0"/>
+              <a:t>一个字段</a:t>
+            </a:r>
+            <a:r>
+              <a:rPr lang="en-US" altLang="zh-CN" dirty="0" smtClean="0"/>
+              <a:t>INDEX</a:t>
+            </a:r>
+            <a:r>
+              <a:rPr lang="zh-CN" altLang="zh-CN" dirty="0" smtClean="0"/>
+              <a:t>进行分组，对每个分组应用</a:t>
+            </a:r>
+            <a:r>
+              <a:rPr lang="en-US" altLang="zh-CN" dirty="0" smtClean="0"/>
+              <a:t>FUN</a:t>
+            </a:r>
+            <a:r>
+              <a:rPr lang="zh-CN" altLang="zh-CN" dirty="0" smtClean="0"/>
+              <a:t>函数。</a:t>
+            </a:r>
           </a:p>
           <a:p>
             <a:endParaRPr lang="zh-CN" altLang="en-US" dirty="0"/>
@@ -20312,38 +20491,111 @@
           <a:lstStyle/>
           <a:p>
             <a:r>
-              <a:rPr lang="zh-CN" altLang="en-US" dirty="0" smtClean="0"/>
-              <a:t>练习：</a:t>
-            </a:r>
-            <a:endParaRPr lang="en-US" altLang="zh-CN" dirty="0" smtClean="0"/>
-          </a:p>
-          <a:p>
-            <a:r>
-              <a:rPr lang="zh-CN" altLang="en-US" dirty="0" smtClean="0"/>
-              <a:t>对</a:t>
-            </a:r>
-            <a:r>
-              <a:rPr lang="en-US" altLang="zh-CN" dirty="0" smtClean="0"/>
-              <a:t>iris</a:t>
-            </a:r>
-            <a:r>
-              <a:rPr lang="zh-CN" altLang="en-US" dirty="0" smtClean="0"/>
-              <a:t>数据集，统计每个类别的记录个数</a:t>
-            </a:r>
+              <a:rPr lang="en-US" altLang="zh-CN" dirty="0" smtClean="0"/>
+              <a:t>d&lt;-</a:t>
+            </a:r>
+            <a:r>
+              <a:rPr lang="en-US" altLang="zh-CN" dirty="0" err="1" smtClean="0"/>
+              <a:t>data.frame</a:t>
+            </a:r>
+            <a:r>
+              <a:rPr lang="en-US" altLang="zh-CN" dirty="0" smtClean="0"/>
+              <a:t>(age=c(12,23,45,67,32),gender=c('</a:t>
+            </a:r>
+            <a:r>
+              <a:rPr lang="en-US" altLang="zh-CN" dirty="0" err="1" smtClean="0"/>
+              <a:t>m','f','m','f','m</a:t>
+            </a:r>
+            <a:r>
+              <a:rPr lang="en-US" altLang="zh-CN" dirty="0" smtClean="0"/>
+              <a:t>'), weight=c(34,45,34,54,100))</a:t>
+            </a:r>
+            <a:endParaRPr lang="zh-CN" altLang="zh-CN" dirty="0" smtClean="0"/>
+          </a:p>
+          <a:p>
+            <a:r>
+              <a:rPr lang="en-US" altLang="zh-CN" dirty="0" err="1" smtClean="0"/>
+              <a:t>tapply</a:t>
+            </a:r>
+            <a:r>
+              <a:rPr lang="en-US" altLang="zh-CN" dirty="0" smtClean="0"/>
+              <a:t>(</a:t>
+            </a:r>
+            <a:r>
+              <a:rPr lang="en-US" altLang="zh-CN" dirty="0" err="1" smtClean="0"/>
+              <a:t>d$age</a:t>
+            </a:r>
+            <a:r>
+              <a:rPr lang="en-US" altLang="zh-CN" dirty="0" smtClean="0"/>
+              <a:t>, </a:t>
+            </a:r>
+            <a:r>
+              <a:rPr lang="en-US" altLang="zh-CN" dirty="0" err="1" smtClean="0"/>
+              <a:t>d$gender,FUN</a:t>
+            </a:r>
+            <a:r>
+              <a:rPr lang="en-US" altLang="zh-CN" dirty="0" smtClean="0"/>
+              <a:t>=mean)</a:t>
+            </a:r>
+          </a:p>
+          <a:p>
+            <a:r>
+              <a:rPr lang="zh-CN" altLang="zh-CN" dirty="0" smtClean="0"/>
+              <a:t>该例子就是，对于一个</a:t>
+            </a:r>
+            <a:r>
+              <a:rPr lang="en-US" altLang="zh-CN" dirty="0" smtClean="0"/>
+              <a:t>data frame</a:t>
+            </a:r>
+            <a:r>
+              <a:rPr lang="zh-CN" altLang="zh-CN" dirty="0" smtClean="0"/>
+              <a:t>对象</a:t>
+            </a:r>
+            <a:r>
+              <a:rPr lang="en-US" altLang="zh-CN" dirty="0" smtClean="0"/>
+              <a:t>d, </a:t>
+            </a:r>
+            <a:r>
+              <a:rPr lang="zh-CN" altLang="zh-CN" dirty="0" smtClean="0"/>
+              <a:t>对他的字段</a:t>
+            </a:r>
+            <a:r>
+              <a:rPr lang="en-US" altLang="zh-CN" dirty="0" smtClean="0"/>
+              <a:t>age</a:t>
+            </a:r>
+            <a:r>
+              <a:rPr lang="zh-CN" altLang="zh-CN" dirty="0" smtClean="0"/>
+              <a:t>按照字段</a:t>
+            </a:r>
+            <a:r>
+              <a:rPr lang="en-US" altLang="zh-CN" dirty="0" smtClean="0"/>
+              <a:t>gender</a:t>
+            </a:r>
+            <a:r>
+              <a:rPr lang="zh-CN" altLang="zh-CN" dirty="0" smtClean="0"/>
+              <a:t>进行分组，统计每个分组的平均值。即，对数据集中按照性别分组，统计每个组的平均年龄。</a:t>
+            </a:r>
+          </a:p>
+          <a:p>
+            <a:endParaRPr lang="zh-CN" altLang="zh-CN" dirty="0" smtClean="0"/>
+          </a:p>
+          <a:p>
             <a:endParaRPr lang="zh-CN" altLang="en-US" dirty="0"/>
           </a:p>
         </p:txBody>
       </p:sp>
     </p:spTree>
-    <p:extLst>
-      <p:ext uri="{BB962C8B-B14F-4D97-AF65-F5344CB8AC3E}">
-        <p14:creationId xmlns:p14="http://schemas.microsoft.com/office/powerpoint/2010/main" val="2852816372"/>
-      </p:ext>
-    </p:extLst>
   </p:cSld>
   <p:clrMapOvr>
     <a:masterClrMapping/>
   </p:clrMapOvr>
+  <p:timing>
+    <p:tnLst>
+      <p:par>
+        <p:cTn id="1" dur="indefinite" restart="never" nodeType="tmRoot"/>
+      </p:par>
+    </p:tnLst>
+  </p:timing>
 </p:sld>
 </file>
 
@@ -20395,137 +20647,42 @@
         </p:nvSpPr>
         <p:spPr/>
         <p:txBody>
-          <a:bodyPr>
-            <a:normAutofit fontScale="92500" lnSpcReduction="10000"/>
-          </a:bodyPr>
-          <a:lstStyle/>
-          <a:p>
-            <a:r>
-              <a:rPr lang="zh-CN" altLang="zh-CN" b="1" dirty="0" smtClean="0"/>
-              <a:t>函数</a:t>
-            </a:r>
-            <a:r>
-              <a:rPr lang="en-US" altLang="zh-CN" b="1" dirty="0" smtClean="0"/>
-              <a:t>aggregate</a:t>
-            </a:r>
-            <a:endParaRPr lang="zh-CN" altLang="zh-CN" dirty="0" smtClean="0"/>
-          </a:p>
-          <a:p>
-            <a:r>
-              <a:rPr lang="en-US" altLang="zh-CN" dirty="0" smtClean="0"/>
-              <a:t>aggregate(x, by, FUN, ...)</a:t>
-            </a:r>
-            <a:endParaRPr lang="zh-CN" altLang="zh-CN" dirty="0" smtClean="0"/>
-          </a:p>
-          <a:p>
-            <a:r>
-              <a:rPr lang="zh-CN" altLang="zh-CN" dirty="0" smtClean="0"/>
-              <a:t>对数据对象</a:t>
-            </a:r>
-            <a:r>
-              <a:rPr lang="en-US" altLang="zh-CN" dirty="0" smtClean="0"/>
-              <a:t>x</a:t>
-            </a:r>
-            <a:r>
-              <a:rPr lang="zh-CN" altLang="zh-CN" dirty="0" smtClean="0"/>
-              <a:t>按照</a:t>
-            </a:r>
-            <a:r>
-              <a:rPr lang="en-US" altLang="zh-CN" dirty="0" smtClean="0"/>
-              <a:t>by</a:t>
-            </a:r>
-            <a:r>
-              <a:rPr lang="zh-CN" altLang="zh-CN" dirty="0" smtClean="0"/>
-              <a:t>分组，然后使用</a:t>
-            </a:r>
-            <a:r>
-              <a:rPr lang="en-US" altLang="zh-CN" dirty="0" smtClean="0"/>
-              <a:t>FUN</a:t>
-            </a:r>
-            <a:r>
-              <a:rPr lang="zh-CN" altLang="zh-CN" dirty="0" smtClean="0"/>
-              <a:t>函数进行统计。此处</a:t>
-            </a:r>
-            <a:r>
-              <a:rPr lang="en-US" altLang="zh-CN" dirty="0" smtClean="0"/>
-              <a:t>by</a:t>
-            </a:r>
-            <a:r>
-              <a:rPr lang="zh-CN" altLang="zh-CN" dirty="0" smtClean="0"/>
-              <a:t>需要的是一个</a:t>
-            </a:r>
-            <a:r>
-              <a:rPr lang="en-US" altLang="zh-CN" dirty="0" smtClean="0"/>
-              <a:t>list</a:t>
-            </a:r>
-            <a:r>
-              <a:rPr lang="zh-CN" altLang="zh-CN" dirty="0" smtClean="0"/>
-              <a:t>数据对象</a:t>
-            </a:r>
-          </a:p>
-          <a:p>
-            <a:r>
-              <a:rPr lang="en-US" altLang="zh-CN" dirty="0" smtClean="0"/>
-              <a:t>d&lt;-</a:t>
-            </a:r>
-            <a:r>
-              <a:rPr lang="en-US" altLang="zh-CN" dirty="0" err="1" smtClean="0"/>
-              <a:t>data.frame</a:t>
-            </a:r>
-            <a:r>
-              <a:rPr lang="en-US" altLang="zh-CN" dirty="0" smtClean="0"/>
-              <a:t>(age=c(12,23,45,67,32),gender=c('</a:t>
-            </a:r>
-            <a:r>
-              <a:rPr lang="en-US" altLang="zh-CN" dirty="0" err="1" smtClean="0"/>
-              <a:t>m','f','m','f','m</a:t>
-            </a:r>
-            <a:r>
-              <a:rPr lang="en-US" altLang="zh-CN" dirty="0" smtClean="0"/>
-              <a:t>'), weight=c(34,45,34,54,100))</a:t>
-            </a:r>
-            <a:endParaRPr lang="zh-CN" altLang="zh-CN" dirty="0" smtClean="0"/>
-          </a:p>
-          <a:p>
-            <a:r>
-              <a:rPr lang="en-US" altLang="zh-CN" dirty="0" smtClean="0"/>
-              <a:t>aggregate(x=d[,c('</a:t>
-            </a:r>
-            <a:r>
-              <a:rPr lang="en-US" altLang="zh-CN" dirty="0" err="1" smtClean="0"/>
-              <a:t>age','weight</a:t>
-            </a:r>
-            <a:r>
-              <a:rPr lang="en-US" altLang="zh-CN" dirty="0" smtClean="0"/>
-              <a:t>')],by=list(</a:t>
-            </a:r>
-            <a:r>
-              <a:rPr lang="en-US" altLang="zh-CN" dirty="0" err="1" smtClean="0"/>
-              <a:t>d$gender</a:t>
-            </a:r>
-            <a:r>
-              <a:rPr lang="en-US" altLang="zh-CN" dirty="0" smtClean="0"/>
-              <a:t>),FUN=mean)</a:t>
-            </a:r>
-            <a:endParaRPr lang="zh-CN" altLang="zh-CN" dirty="0" smtClean="0"/>
-          </a:p>
-          <a:p>
+          <a:bodyPr/>
+          <a:lstStyle/>
+          <a:p>
+            <a:r>
+              <a:rPr lang="zh-CN" altLang="en-US" dirty="0" smtClean="0"/>
+              <a:t>练习：</a:t>
+            </a:r>
+            <a:endParaRPr lang="en-US" altLang="zh-CN" dirty="0" smtClean="0"/>
+          </a:p>
+          <a:p>
+            <a:r>
+              <a:rPr lang="zh-CN" altLang="en-US" dirty="0" smtClean="0"/>
+              <a:t>对</a:t>
+            </a:r>
+            <a:r>
+              <a:rPr lang="en-US" altLang="zh-CN" dirty="0" smtClean="0"/>
+              <a:t>iris</a:t>
+            </a:r>
+            <a:r>
+              <a:rPr lang="zh-CN" altLang="en-US" dirty="0" smtClean="0"/>
+              <a:t>数据集，统计每个类别的记录个数</a:t>
+            </a:r>
             <a:endParaRPr lang="zh-CN" altLang="en-US" dirty="0"/>
           </a:p>
         </p:txBody>
       </p:sp>
     </p:spTree>
+    <p:extLst>
+      <p:ext uri="{BB962C8B-B14F-4D97-AF65-F5344CB8AC3E}">
+        <p14:creationId xmlns:p14="http://schemas.microsoft.com/office/powerpoint/2010/main" val="2852816372"/>
+      </p:ext>
+    </p:extLst>
   </p:cSld>
   <p:clrMapOvr>
     <a:masterClrMapping/>
   </p:clrMapOvr>
-  <p:timing>
-    <p:tnLst>
-      <p:par>
-        <p:cTn id="1" dur="indefinite" restart="never" nodeType="tmRoot"/>
-      </p:par>
-    </p:tnLst>
-  </p:timing>
 </p:sld>
 </file>
 
@@ -20577,54 +20734,137 @@
         </p:nvSpPr>
         <p:spPr/>
         <p:txBody>
-          <a:bodyPr/>
-          <a:lstStyle/>
-          <a:p>
-            <a:r>
-              <a:rPr lang="zh-CN" altLang="en-US" dirty="0" smtClean="0"/>
-              <a:t>练习：</a:t>
-            </a:r>
-            <a:endParaRPr lang="en-US" altLang="zh-CN" dirty="0" smtClean="0"/>
-          </a:p>
-          <a:p>
-            <a:r>
-              <a:rPr lang="en-US" altLang="zh-CN" dirty="0" smtClean="0"/>
-              <a:t>iris</a:t>
-            </a:r>
-            <a:r>
-              <a:rPr lang="zh-CN" altLang="en-US" dirty="0" smtClean="0"/>
-              <a:t>数据集按照</a:t>
-            </a:r>
-            <a:r>
-              <a:rPr lang="en-US" altLang="zh-CN" dirty="0" smtClean="0"/>
-              <a:t>V5</a:t>
-            </a:r>
-            <a:r>
-              <a:rPr lang="zh-CN" altLang="en-US" dirty="0" smtClean="0"/>
-              <a:t>列的每个类别分组，统计</a:t>
-            </a:r>
-            <a:r>
-              <a:rPr lang="en-US" altLang="zh-CN" dirty="0" smtClean="0"/>
-              <a:t>V1~V4</a:t>
-            </a:r>
-            <a:r>
-              <a:rPr lang="zh-CN" altLang="en-US" dirty="0" smtClean="0"/>
-              <a:t>列上的每组的均值</a:t>
-            </a:r>
+          <a:bodyPr>
+            <a:normAutofit fontScale="92500" lnSpcReduction="10000"/>
+          </a:bodyPr>
+          <a:lstStyle/>
+          <a:p>
+            <a:r>
+              <a:rPr lang="zh-CN" altLang="zh-CN" b="1" dirty="0" smtClean="0"/>
+              <a:t>函数</a:t>
+            </a:r>
+            <a:r>
+              <a:rPr lang="en-US" altLang="zh-CN" b="1" dirty="0" smtClean="0"/>
+              <a:t>aggregate</a:t>
+            </a:r>
+            <a:endParaRPr lang="zh-CN" altLang="zh-CN" dirty="0" smtClean="0"/>
+          </a:p>
+          <a:p>
+            <a:r>
+              <a:rPr lang="en-US" altLang="zh-CN" dirty="0" smtClean="0"/>
+              <a:t>aggregate(x, by, FUN, ...)</a:t>
+            </a:r>
+            <a:endParaRPr lang="zh-CN" altLang="zh-CN" dirty="0" smtClean="0"/>
+          </a:p>
+          <a:p>
+            <a:r>
+              <a:rPr lang="zh-CN" altLang="zh-CN" dirty="0" smtClean="0"/>
+              <a:t>对数据对象</a:t>
+            </a:r>
+            <a:r>
+              <a:rPr lang="en-US" altLang="zh-CN" dirty="0" smtClean="0"/>
+              <a:t>x</a:t>
+            </a:r>
+            <a:r>
+              <a:rPr lang="zh-CN" altLang="zh-CN" dirty="0" smtClean="0"/>
+              <a:t>按照</a:t>
+            </a:r>
+            <a:r>
+              <a:rPr lang="en-US" altLang="zh-CN" dirty="0" smtClean="0"/>
+              <a:t>by</a:t>
+            </a:r>
+            <a:r>
+              <a:rPr lang="zh-CN" altLang="zh-CN" dirty="0" smtClean="0"/>
+              <a:t>分组，然后使用</a:t>
+            </a:r>
+            <a:r>
+              <a:rPr lang="en-US" altLang="zh-CN" dirty="0" smtClean="0"/>
+              <a:t>FUN</a:t>
+            </a:r>
+            <a:r>
+              <a:rPr lang="zh-CN" altLang="zh-CN" dirty="0" smtClean="0"/>
+              <a:t>函数进行统计。此处</a:t>
+            </a:r>
+            <a:r>
+              <a:rPr lang="en-US" altLang="zh-CN" dirty="0" smtClean="0"/>
+              <a:t>by</a:t>
+            </a:r>
+            <a:r>
+              <a:rPr lang="zh-CN" altLang="zh-CN" dirty="0" smtClean="0"/>
+              <a:t>需要的是一个</a:t>
+            </a:r>
+            <a:r>
+              <a:rPr lang="en-US" altLang="zh-CN" dirty="0" smtClean="0"/>
+              <a:t>list</a:t>
+            </a:r>
+            <a:r>
+              <a:rPr lang="zh-CN" altLang="zh-CN" dirty="0" smtClean="0"/>
+              <a:t>数据对象</a:t>
+            </a:r>
+          </a:p>
+          <a:p>
+            <a:r>
+              <a:rPr lang="en-US" altLang="zh-CN" dirty="0" smtClean="0"/>
+              <a:t>d&lt;-</a:t>
+            </a:r>
+            <a:r>
+              <a:rPr lang="en-US" altLang="zh-CN" dirty="0" err="1" smtClean="0"/>
+              <a:t>data.frame</a:t>
+            </a:r>
+            <a:r>
+              <a:rPr lang="en-US" altLang="zh-CN" dirty="0" smtClean="0"/>
+              <a:t>(age=c(12,23,45,67,32),gender=c('</a:t>
+            </a:r>
+            <a:r>
+              <a:rPr lang="en-US" altLang="zh-CN" dirty="0" err="1" smtClean="0"/>
+              <a:t>m','f','m','f','m</a:t>
+            </a:r>
+            <a:r>
+              <a:rPr lang="en-US" altLang="zh-CN" dirty="0" smtClean="0"/>
+              <a:t>'), weight=c(34,45,34,54,100))</a:t>
+            </a:r>
+            <a:endParaRPr lang="zh-CN" altLang="zh-CN" dirty="0" smtClean="0"/>
+          </a:p>
+          <a:p>
+            <a:r>
+              <a:rPr lang="en-US" altLang="zh-CN" dirty="0" smtClean="0"/>
+              <a:t>aggregate(x=d[,c('</a:t>
+            </a:r>
+            <a:r>
+              <a:rPr lang="en-US" altLang="zh-CN" dirty="0" err="1" smtClean="0"/>
+              <a:t>age','weight</a:t>
+            </a:r>
+            <a:r>
+              <a:rPr lang="en-US" altLang="zh-CN" dirty="0" smtClean="0"/>
+              <a:t>')],by=list(</a:t>
+            </a:r>
+            <a:r>
+              <a:rPr lang="en-US" altLang="zh-CN" dirty="0" err="1" smtClean="0"/>
+              <a:t>d$gender</a:t>
+            </a:r>
+            <a:r>
+              <a:rPr lang="en-US" altLang="zh-CN" dirty="0" smtClean="0"/>
+              <a:t>),FUN=mean)</a:t>
+            </a:r>
+            <a:endParaRPr lang="zh-CN" altLang="zh-CN" dirty="0" smtClean="0"/>
+          </a:p>
+          <a:p>
             <a:endParaRPr lang="zh-CN" altLang="en-US" dirty="0"/>
           </a:p>
         </p:txBody>
       </p:sp>
     </p:spTree>
-    <p:extLst>
-      <p:ext uri="{BB962C8B-B14F-4D97-AF65-F5344CB8AC3E}">
-        <p14:creationId xmlns:p14="http://schemas.microsoft.com/office/powerpoint/2010/main" val="1775122528"/>
-      </p:ext>
-    </p:extLst>
   </p:cSld>
   <p:clrMapOvr>
     <a:masterClrMapping/>
   </p:clrMapOvr>
+  <p:timing>
+    <p:tnLst>
+      <p:par>
+        <p:cTn id="1" dur="indefinite" restart="never" nodeType="tmRoot"/>
+      </p:par>
+    </p:tnLst>
+  </p:timing>
 </p:sld>
 </file>
 
